--- a/Terraform-with-azure.pptx
+++ b/Terraform-with-azure.pptx
@@ -5,64 +5,63 @@
     <p:sldMasterId id="2147483672" r:id="rId4"/>
   </p:sldMasterIdLst>
   <p:notesMasterIdLst>
-    <p:notesMasterId r:id="rId57"/>
+    <p:notesMasterId r:id="rId56"/>
   </p:notesMasterIdLst>
   <p:handoutMasterIdLst>
-    <p:handoutMasterId r:id="rId58"/>
+    <p:handoutMasterId r:id="rId57"/>
   </p:handoutMasterIdLst>
   <p:sldIdLst>
-    <p:sldId id="307" r:id="rId5"/>
-    <p:sldId id="256" r:id="rId6"/>
-    <p:sldId id="283" r:id="rId7"/>
-    <p:sldId id="262" r:id="rId8"/>
-    <p:sldId id="273" r:id="rId9"/>
-    <p:sldId id="263" r:id="rId10"/>
-    <p:sldId id="276" r:id="rId11"/>
-    <p:sldId id="278" r:id="rId12"/>
-    <p:sldId id="279" r:id="rId13"/>
-    <p:sldId id="280" r:id="rId14"/>
-    <p:sldId id="277" r:id="rId15"/>
-    <p:sldId id="264" r:id="rId16"/>
-    <p:sldId id="282" r:id="rId17"/>
-    <p:sldId id="281" r:id="rId18"/>
-    <p:sldId id="274" r:id="rId19"/>
-    <p:sldId id="295" r:id="rId20"/>
-    <p:sldId id="297" r:id="rId21"/>
-    <p:sldId id="285" r:id="rId22"/>
-    <p:sldId id="275" r:id="rId23"/>
-    <p:sldId id="284" r:id="rId24"/>
-    <p:sldId id="265" r:id="rId25"/>
-    <p:sldId id="286" r:id="rId26"/>
-    <p:sldId id="287" r:id="rId27"/>
-    <p:sldId id="288" r:id="rId28"/>
-    <p:sldId id="289" r:id="rId29"/>
-    <p:sldId id="290" r:id="rId30"/>
-    <p:sldId id="291" r:id="rId31"/>
-    <p:sldId id="292" r:id="rId32"/>
-    <p:sldId id="293" r:id="rId33"/>
-    <p:sldId id="294" r:id="rId34"/>
-    <p:sldId id="266" r:id="rId35"/>
-    <p:sldId id="296" r:id="rId36"/>
-    <p:sldId id="267" r:id="rId37"/>
-    <p:sldId id="298" r:id="rId38"/>
-    <p:sldId id="299" r:id="rId39"/>
-    <p:sldId id="300" r:id="rId40"/>
-    <p:sldId id="301" r:id="rId41"/>
-    <p:sldId id="302" r:id="rId42"/>
-    <p:sldId id="268" r:id="rId43"/>
-    <p:sldId id="303" r:id="rId44"/>
-    <p:sldId id="304" r:id="rId45"/>
-    <p:sldId id="269" r:id="rId46"/>
-    <p:sldId id="305" r:id="rId47"/>
-    <p:sldId id="306" r:id="rId48"/>
-    <p:sldId id="308" r:id="rId49"/>
-    <p:sldId id="310" r:id="rId50"/>
-    <p:sldId id="311" r:id="rId51"/>
-    <p:sldId id="309" r:id="rId52"/>
-    <p:sldId id="271" r:id="rId53"/>
-    <p:sldId id="312" r:id="rId54"/>
-    <p:sldId id="313" r:id="rId55"/>
-    <p:sldId id="260" r:id="rId56"/>
+    <p:sldId id="256" r:id="rId5"/>
+    <p:sldId id="283" r:id="rId6"/>
+    <p:sldId id="262" r:id="rId7"/>
+    <p:sldId id="273" r:id="rId8"/>
+    <p:sldId id="263" r:id="rId9"/>
+    <p:sldId id="276" r:id="rId10"/>
+    <p:sldId id="278" r:id="rId11"/>
+    <p:sldId id="279" r:id="rId12"/>
+    <p:sldId id="280" r:id="rId13"/>
+    <p:sldId id="277" r:id="rId14"/>
+    <p:sldId id="264" r:id="rId15"/>
+    <p:sldId id="282" r:id="rId16"/>
+    <p:sldId id="281" r:id="rId17"/>
+    <p:sldId id="274" r:id="rId18"/>
+    <p:sldId id="295" r:id="rId19"/>
+    <p:sldId id="297" r:id="rId20"/>
+    <p:sldId id="285" r:id="rId21"/>
+    <p:sldId id="275" r:id="rId22"/>
+    <p:sldId id="284" r:id="rId23"/>
+    <p:sldId id="265" r:id="rId24"/>
+    <p:sldId id="286" r:id="rId25"/>
+    <p:sldId id="287" r:id="rId26"/>
+    <p:sldId id="288" r:id="rId27"/>
+    <p:sldId id="289" r:id="rId28"/>
+    <p:sldId id="290" r:id="rId29"/>
+    <p:sldId id="291" r:id="rId30"/>
+    <p:sldId id="292" r:id="rId31"/>
+    <p:sldId id="293" r:id="rId32"/>
+    <p:sldId id="294" r:id="rId33"/>
+    <p:sldId id="266" r:id="rId34"/>
+    <p:sldId id="296" r:id="rId35"/>
+    <p:sldId id="267" r:id="rId36"/>
+    <p:sldId id="298" r:id="rId37"/>
+    <p:sldId id="299" r:id="rId38"/>
+    <p:sldId id="300" r:id="rId39"/>
+    <p:sldId id="301" r:id="rId40"/>
+    <p:sldId id="302" r:id="rId41"/>
+    <p:sldId id="268" r:id="rId42"/>
+    <p:sldId id="303" r:id="rId43"/>
+    <p:sldId id="304" r:id="rId44"/>
+    <p:sldId id="269" r:id="rId45"/>
+    <p:sldId id="305" r:id="rId46"/>
+    <p:sldId id="306" r:id="rId47"/>
+    <p:sldId id="308" r:id="rId48"/>
+    <p:sldId id="310" r:id="rId49"/>
+    <p:sldId id="311" r:id="rId50"/>
+    <p:sldId id="309" r:id="rId51"/>
+    <p:sldId id="271" r:id="rId52"/>
+    <p:sldId id="312" r:id="rId53"/>
+    <p:sldId id="313" r:id="rId54"/>
+    <p:sldId id="260" r:id="rId55"/>
   </p:sldIdLst>
   <p:sldSz cx="12192000" cy="6858000"/>
   <p:notesSz cx="6858000" cy="9144000"/>
@@ -166,7 +165,6 @@
       <p14:sectionLst xmlns:p14="http://schemas.microsoft.com/office/powerpoint/2010/main">
         <p14:section name="Introduction" id="{10219998-0FEA-4AE5-B408-9BE952FF26FC}">
           <p14:sldIdLst>
-            <p14:sldId id="307"/>
             <p14:sldId id="256"/>
             <p14:sldId id="283"/>
             <p14:sldId id="262"/>
@@ -6870,7 +6868,7 @@
           <a:p>
             <a:fld id="{AF869721-F543-4A6C-BF9D-65D7CC540427}" type="datetimeFigureOut">
               <a:rPr lang="en-US" smtClean="0"/>
-              <a:t>11/25/2020</a:t>
+              <a:t>11/26/2020</a:t>
             </a:fld>
             <a:endParaRPr lang="en-US" dirty="0"/>
           </a:p>
@@ -7047,7 +7045,7 @@
           <a:p>
             <a:fld id="{C732326A-4C88-4AFB-AA5B-5919D81DFF5B}" type="datetimeFigureOut">
               <a:rPr lang="en-US" smtClean="0"/>
-              <a:t>11/25/2020</a:t>
+              <a:t>11/26/2020</a:t>
             </a:fld>
             <a:endParaRPr lang="en-US" dirty="0"/>
           </a:p>
@@ -7379,7 +7377,7 @@
           <a:p>
             <a:fld id="{C6B3AB32-59DF-41F1-9618-EDFBF5049629}" type="slidenum">
               <a:rPr lang="en-US" smtClean="0"/>
-              <a:t>2</a:t>
+              <a:t>1</a:t>
             </a:fld>
             <a:endParaRPr lang="en-US" dirty="0"/>
           </a:p>
@@ -7463,7 +7461,7 @@
           <a:p>
             <a:fld id="{C6B3AB32-59DF-41F1-9618-EDFBF5049629}" type="slidenum">
               <a:rPr lang="en-US" smtClean="0"/>
-              <a:t>52</a:t>
+              <a:t>51</a:t>
             </a:fld>
             <a:endParaRPr lang="en-US" dirty="0"/>
           </a:p>
@@ -7728,7 +7726,7 @@
             <a:fld id="{B61BEF0D-F0BB-DE4B-95CE-6DB70DBA9567}" type="datetimeFigureOut">
               <a:rPr lang="en-US" smtClean="0"/>
               <a:pPr/>
-              <a:t>11/25/2020</a:t>
+              <a:t>11/26/2020</a:t>
             </a:fld>
             <a:endParaRPr lang="en-US" dirty="0"/>
           </a:p>
@@ -7992,7 +7990,7 @@
             <a:fld id="{B61BEF0D-F0BB-DE4B-95CE-6DB70DBA9567}" type="datetimeFigureOut">
               <a:rPr lang="en-US" smtClean="0"/>
               <a:pPr/>
-              <a:t>11/25/2020</a:t>
+              <a:t>11/26/2020</a:t>
             </a:fld>
             <a:endParaRPr lang="en-US" dirty="0"/>
           </a:p>
@@ -8229,7 +8227,7 @@
             <a:fld id="{B61BEF0D-F0BB-DE4B-95CE-6DB70DBA9567}" type="datetimeFigureOut">
               <a:rPr lang="en-US" smtClean="0"/>
               <a:pPr/>
-              <a:t>11/25/2020</a:t>
+              <a:t>11/26/2020</a:t>
             </a:fld>
             <a:endParaRPr lang="en-US" dirty="0"/>
           </a:p>
@@ -8471,7 +8469,7 @@
             <a:fld id="{B61BEF0D-F0BB-DE4B-95CE-6DB70DBA9567}" type="datetimeFigureOut">
               <a:rPr lang="en-US" smtClean="0"/>
               <a:pPr/>
-              <a:t>11/25/2020</a:t>
+              <a:t>11/26/2020</a:t>
             </a:fld>
             <a:endParaRPr lang="en-US" dirty="0"/>
           </a:p>
@@ -8780,7 +8778,7 @@
             <a:fld id="{B61BEF0D-F0BB-DE4B-95CE-6DB70DBA9567}" type="datetimeFigureOut">
               <a:rPr lang="en-US" smtClean="0"/>
               <a:pPr/>
-              <a:t>11/25/2020</a:t>
+              <a:t>11/26/2020</a:t>
             </a:fld>
             <a:endParaRPr lang="en-US" dirty="0"/>
           </a:p>
@@ -9084,7 +9082,7 @@
             <a:fld id="{B61BEF0D-F0BB-DE4B-95CE-6DB70DBA9567}" type="datetimeFigureOut">
               <a:rPr lang="en-US" smtClean="0"/>
               <a:pPr/>
-              <a:t>11/25/2020</a:t>
+              <a:t>11/26/2020</a:t>
             </a:fld>
             <a:endParaRPr lang="en-US" dirty="0"/>
           </a:p>
@@ -9508,7 +9506,7 @@
             <a:fld id="{B61BEF0D-F0BB-DE4B-95CE-6DB70DBA9567}" type="datetimeFigureOut">
               <a:rPr lang="en-US" smtClean="0"/>
               <a:pPr/>
-              <a:t>11/25/2020</a:t>
+              <a:t>11/26/2020</a:t>
             </a:fld>
             <a:endParaRPr lang="en-US" dirty="0"/>
           </a:p>
@@ -9605,7 +9603,7 @@
             <a:fld id="{B61BEF0D-F0BB-DE4B-95CE-6DB70DBA9567}" type="datetimeFigureOut">
               <a:rPr lang="en-US" smtClean="0"/>
               <a:pPr/>
-              <a:t>11/25/2020</a:t>
+              <a:t>11/26/2020</a:t>
             </a:fld>
             <a:endParaRPr lang="en-US" dirty="0"/>
           </a:p>
@@ -9769,7 +9767,7 @@
             <a:fld id="{B61BEF0D-F0BB-DE4B-95CE-6DB70DBA9567}" type="datetimeFigureOut">
               <a:rPr lang="en-US" smtClean="0"/>
               <a:pPr/>
-              <a:t>11/25/2020</a:t>
+              <a:t>11/26/2020</a:t>
             </a:fld>
             <a:endParaRPr lang="en-US" dirty="0"/>
           </a:p>
@@ -10149,7 +10147,7 @@
             <a:fld id="{B61BEF0D-F0BB-DE4B-95CE-6DB70DBA9567}" type="datetimeFigureOut">
               <a:rPr lang="en-US" smtClean="0"/>
               <a:pPr/>
-              <a:t>11/25/2020</a:t>
+              <a:t>11/26/2020</a:t>
             </a:fld>
             <a:endParaRPr lang="en-US" dirty="0"/>
           </a:p>
@@ -10440,7 +10438,7 @@
             <a:fld id="{B61BEF0D-F0BB-DE4B-95CE-6DB70DBA9567}" type="datetimeFigureOut">
               <a:rPr lang="en-US" smtClean="0"/>
               <a:pPr/>
-              <a:t>11/25/2020</a:t>
+              <a:t>11/26/2020</a:t>
             </a:fld>
             <a:endParaRPr lang="en-US" dirty="0"/>
           </a:p>
@@ -10653,7 +10651,7 @@
             <a:fld id="{B61BEF0D-F0BB-DE4B-95CE-6DB70DBA9567}" type="datetimeFigureOut">
               <a:rPr lang="en-US" smtClean="0"/>
               <a:pPr/>
-              <a:t>11/25/2020</a:t>
+              <a:t>11/26/2020</a:t>
             </a:fld>
             <a:endParaRPr lang="en-US" dirty="0"/>
           </a:p>
@@ -11241,6 +11239,14 @@
 <file path=ppt/slides/slide1.xml><?xml version="1.0" encoding="utf-8"?>
 <p:sld xmlns:a="http://schemas.openxmlformats.org/drawingml/2006/main" xmlns:r="http://schemas.openxmlformats.org/officeDocument/2006/relationships" xmlns:p="http://schemas.openxmlformats.org/presentationml/2006/main">
   <p:cSld>
+    <p:bg>
+      <p:bgPr>
+        <a:solidFill>
+          <a:schemeClr val="bg1"/>
+        </a:solidFill>
+        <a:effectLst/>
+      </p:bgPr>
+    </p:bg>
     <p:spTree>
       <p:nvGrpSpPr>
         <p:cNvPr id="1" name=""/>
@@ -11255,12 +11261,351 @@
           <a:chExt cx="0" cy="0"/>
         </a:xfrm>
       </p:grpSpPr>
+      <p:sp useBgFill="1">
+        <p:nvSpPr>
+          <p:cNvPr id="15" name="Rectangle 14">
+            <a:extLst>
+              <a:ext uri="{FF2B5EF4-FFF2-40B4-BE49-F238E27FC236}">
+                <a16:creationId xmlns:a16="http://schemas.microsoft.com/office/drawing/2014/main" id="{493D4EDA-58E0-40CC-B3CA-14CDEB349D24}"/>
+              </a:ext>
+              <a:ext uri="{C183D7F6-B498-43B3-948B-1728B52AA6E4}">
+                <adec:decorative xmlns:adec="http://schemas.microsoft.com/office/drawing/2017/decorative" val="1"/>
+              </a:ext>
+            </a:extLst>
+          </p:cNvPr>
+          <p:cNvSpPr>
+            <a:spLocks noGrp="1" noRot="1" noChangeAspect="1" noMove="1" noResize="1" noEditPoints="1" noAdjustHandles="1" noChangeArrowheads="1" noChangeShapeType="1" noTextEdit="1"/>
+          </p:cNvSpPr>
+          <p:nvPr>
+            <p:extLst>
+              <p:ext uri="{386F3935-93C4-4BCD-93E2-E3B085C9AB24}">
+                <p16:designElem xmlns:p16="http://schemas.microsoft.com/office/powerpoint/2015/main" val="1"/>
+              </p:ext>
+            </p:extLst>
+          </p:nvPr>
+        </p:nvSpPr>
+        <p:spPr>
+          <a:xfrm>
+            <a:off x="0" y="0"/>
+            <a:ext cx="12192000" cy="6858000"/>
+          </a:xfrm>
+          <a:prstGeom prst="rect">
+            <a:avLst/>
+          </a:prstGeom>
+          <a:ln>
+            <a:noFill/>
+          </a:ln>
+        </p:spPr>
+        <p:style>
+          <a:lnRef idx="2">
+            <a:schemeClr val="accent1">
+              <a:shade val="50000"/>
+            </a:schemeClr>
+          </a:lnRef>
+          <a:fillRef idx="1">
+            <a:schemeClr val="accent1"/>
+          </a:fillRef>
+          <a:effectRef idx="0">
+            <a:schemeClr val="accent1"/>
+          </a:effectRef>
+          <a:fontRef idx="minor">
+            <a:schemeClr val="lt1"/>
+          </a:fontRef>
+        </p:style>
+        <p:txBody>
+          <a:bodyPr rtlCol="0" anchor="ctr"/>
+          <a:lstStyle/>
+          <a:p>
+            <a:pPr algn="ctr"/>
+            <a:endParaRPr lang="en-US" dirty="0"/>
+          </a:p>
+        </p:txBody>
+      </p:sp>
+      <p:pic>
+        <p:nvPicPr>
+          <p:cNvPr id="7" name="Picture 6" descr="Digital Connections">
+            <a:extLst>
+              <a:ext uri="{FF2B5EF4-FFF2-40B4-BE49-F238E27FC236}">
+                <a16:creationId xmlns:a16="http://schemas.microsoft.com/office/drawing/2014/main" id="{3840F91C-EDD0-4D4E-A4AB-E6C77856C88C}"/>
+              </a:ext>
+            </a:extLst>
+          </p:cNvPr>
+          <p:cNvPicPr>
+            <a:picLocks noChangeAspect="1"/>
+          </p:cNvPicPr>
+          <p:nvPr/>
+        </p:nvPicPr>
+        <p:blipFill rotWithShape="1">
+          <a:blip r:embed="rId3" cstate="screen">
+            <a:extLst>
+              <a:ext uri="{28A0092B-C50C-407E-A947-70E740481C1C}">
+                <a14:useLocalDpi xmlns:a14="http://schemas.microsoft.com/office/drawing/2010/main"/>
+              </a:ext>
+            </a:extLst>
+          </a:blip>
+          <a:srcRect l="13265" t="9091" r="3502" b="-1"/>
+          <a:stretch/>
+        </p:blipFill>
+        <p:spPr>
+          <a:xfrm>
+            <a:off x="20" y="10"/>
+            <a:ext cx="12191980" cy="6857990"/>
+          </a:xfrm>
+          <a:prstGeom prst="rect">
+            <a:avLst/>
+          </a:prstGeom>
+        </p:spPr>
+      </p:pic>
+      <p:grpSp>
+        <p:nvGrpSpPr>
+          <p:cNvPr id="17" name="Group 16">
+            <a:extLst>
+              <a:ext uri="{FF2B5EF4-FFF2-40B4-BE49-F238E27FC236}">
+                <a16:creationId xmlns:a16="http://schemas.microsoft.com/office/drawing/2014/main" id="{AA9EB0BC-A85E-4C26-B355-5DFCEF6CCB49}"/>
+              </a:ext>
+              <a:ext uri="{C183D7F6-B498-43B3-948B-1728B52AA6E4}">
+                <adec:decorative xmlns:adec="http://schemas.microsoft.com/office/drawing/2017/decorative" val="1"/>
+              </a:ext>
+            </a:extLst>
+          </p:cNvPr>
+          <p:cNvGrpSpPr>
+            <a:grpSpLocks noGrp="1" noUngrp="1" noRot="1" noChangeAspect="1" noMove="1" noResize="1"/>
+          </p:cNvGrpSpPr>
+          <p:nvPr>
+            <p:extLst>
+              <p:ext uri="{386F3935-93C4-4BCD-93E2-E3B085C9AB24}">
+                <p16:designElem xmlns:p16="http://schemas.microsoft.com/office/powerpoint/2015/main" val="1"/>
+              </p:ext>
+            </p:extLst>
+          </p:nvPr>
+        </p:nvGrpSpPr>
+        <p:grpSpPr>
+          <a:xfrm>
+            <a:off x="446534" y="453643"/>
+            <a:ext cx="11298933" cy="98554"/>
+            <a:chOff x="446534" y="453643"/>
+            <a:chExt cx="11298933" cy="98554"/>
+          </a:xfrm>
+        </p:grpSpPr>
+        <p:sp>
+          <p:nvSpPr>
+            <p:cNvPr id="18" name="Rectangle 17">
+              <a:extLst>
+                <a:ext uri="{FF2B5EF4-FFF2-40B4-BE49-F238E27FC236}">
+                  <a16:creationId xmlns:a16="http://schemas.microsoft.com/office/drawing/2014/main" id="{3643E56B-BD42-413D-B17D-7958270F5DE4}"/>
+                </a:ext>
+                <a:ext uri="{C183D7F6-B498-43B3-948B-1728B52AA6E4}">
+                  <adec:decorative xmlns:adec="http://schemas.microsoft.com/office/drawing/2017/decorative" val="1"/>
+                </a:ext>
+              </a:extLst>
+            </p:cNvPr>
+            <p:cNvSpPr/>
+            <p:nvPr>
+              <p:extLst>
+                <p:ext uri="{386F3935-93C4-4BCD-93E2-E3B085C9AB24}">
+                  <p16:designElem xmlns:p16="http://schemas.microsoft.com/office/powerpoint/2015/main" val="1"/>
+                </p:ext>
+              </p:extLst>
+            </p:nvPr>
+          </p:nvSpPr>
+          <p:spPr>
+            <a:xfrm>
+              <a:off x="446534" y="457200"/>
+              <a:ext cx="3703320" cy="94997"/>
+            </a:xfrm>
+            <a:prstGeom prst="rect">
+              <a:avLst/>
+            </a:prstGeom>
+            <a:solidFill>
+              <a:schemeClr val="accent1"/>
+            </a:solidFill>
+            <a:ln>
+              <a:noFill/>
+            </a:ln>
+            <a:effectLst/>
+          </p:spPr>
+          <p:style>
+            <a:lnRef idx="1">
+              <a:schemeClr val="accent1"/>
+            </a:lnRef>
+            <a:fillRef idx="3">
+              <a:schemeClr val="accent1"/>
+            </a:fillRef>
+            <a:effectRef idx="2">
+              <a:schemeClr val="accent1"/>
+            </a:effectRef>
+            <a:fontRef idx="minor">
+              <a:schemeClr val="lt1"/>
+            </a:fontRef>
+          </p:style>
+        </p:sp>
+        <p:sp>
+          <p:nvSpPr>
+            <p:cNvPr id="19" name="Rectangle 18">
+              <a:extLst>
+                <a:ext uri="{FF2B5EF4-FFF2-40B4-BE49-F238E27FC236}">
+                  <a16:creationId xmlns:a16="http://schemas.microsoft.com/office/drawing/2014/main" id="{96C04F74-9467-4FA5-95DC-8D481A29740E}"/>
+                </a:ext>
+                <a:ext uri="{C183D7F6-B498-43B3-948B-1728B52AA6E4}">
+                  <adec:decorative xmlns:adec="http://schemas.microsoft.com/office/drawing/2017/decorative" val="1"/>
+                </a:ext>
+              </a:extLst>
+            </p:cNvPr>
+            <p:cNvSpPr/>
+            <p:nvPr>
+              <p:extLst>
+                <p:ext uri="{386F3935-93C4-4BCD-93E2-E3B085C9AB24}">
+                  <p16:designElem xmlns:p16="http://schemas.microsoft.com/office/powerpoint/2015/main" val="1"/>
+                </p:ext>
+              </p:extLst>
+            </p:nvPr>
+          </p:nvSpPr>
+          <p:spPr>
+            <a:xfrm>
+              <a:off x="8042147" y="453643"/>
+              <a:ext cx="3703320" cy="98554"/>
+            </a:xfrm>
+            <a:prstGeom prst="rect">
+              <a:avLst/>
+            </a:prstGeom>
+            <a:solidFill>
+              <a:schemeClr val="accent4"/>
+            </a:solidFill>
+            <a:ln>
+              <a:noFill/>
+            </a:ln>
+            <a:effectLst/>
+          </p:spPr>
+          <p:style>
+            <a:lnRef idx="1">
+              <a:schemeClr val="accent1"/>
+            </a:lnRef>
+            <a:fillRef idx="3">
+              <a:schemeClr val="accent1"/>
+            </a:fillRef>
+            <a:effectRef idx="2">
+              <a:schemeClr val="accent1"/>
+            </a:effectRef>
+            <a:fontRef idx="minor">
+              <a:schemeClr val="lt1"/>
+            </a:fontRef>
+          </p:style>
+        </p:sp>
+        <p:sp>
+          <p:nvSpPr>
+            <p:cNvPr id="20" name="Rectangle 19">
+              <a:extLst>
+                <a:ext uri="{FF2B5EF4-FFF2-40B4-BE49-F238E27FC236}">
+                  <a16:creationId xmlns:a16="http://schemas.microsoft.com/office/drawing/2014/main" id="{D73DE1C3-5C37-42E9-A3F0-256F1938327C}"/>
+                </a:ext>
+                <a:ext uri="{C183D7F6-B498-43B3-948B-1728B52AA6E4}">
+                  <adec:decorative xmlns:adec="http://schemas.microsoft.com/office/drawing/2017/decorative" val="1"/>
+                </a:ext>
+              </a:extLst>
+            </p:cNvPr>
+            <p:cNvSpPr/>
+            <p:nvPr>
+              <p:extLst>
+                <p:ext uri="{386F3935-93C4-4BCD-93E2-E3B085C9AB24}">
+                  <p16:designElem xmlns:p16="http://schemas.microsoft.com/office/powerpoint/2015/main" val="1"/>
+                </p:ext>
+              </p:extLst>
+            </p:nvPr>
+          </p:nvSpPr>
+          <p:spPr>
+            <a:xfrm>
+              <a:off x="4241830" y="457200"/>
+              <a:ext cx="3703320" cy="91440"/>
+            </a:xfrm>
+            <a:prstGeom prst="rect">
+              <a:avLst/>
+            </a:prstGeom>
+            <a:solidFill>
+              <a:schemeClr val="accent2"/>
+            </a:solidFill>
+            <a:ln>
+              <a:noFill/>
+            </a:ln>
+            <a:effectLst/>
+          </p:spPr>
+          <p:style>
+            <a:lnRef idx="1">
+              <a:schemeClr val="accent1"/>
+            </a:lnRef>
+            <a:fillRef idx="3">
+              <a:schemeClr val="accent1"/>
+            </a:fillRef>
+            <a:effectRef idx="2">
+              <a:schemeClr val="accent1"/>
+            </a:effectRef>
+            <a:fontRef idx="minor">
+              <a:schemeClr val="lt1"/>
+            </a:fontRef>
+          </p:style>
+        </p:sp>
+      </p:grpSp>
+      <p:sp>
+        <p:nvSpPr>
+          <p:cNvPr id="22" name="Rectangle 21">
+            <a:extLst>
+              <a:ext uri="{FF2B5EF4-FFF2-40B4-BE49-F238E27FC236}">
+                <a16:creationId xmlns:a16="http://schemas.microsoft.com/office/drawing/2014/main" id="{4A2E7EC3-E07C-46CE-9B25-41865A50681C}"/>
+              </a:ext>
+              <a:ext uri="{C183D7F6-B498-43B3-948B-1728B52AA6E4}">
+                <adec:decorative xmlns:adec="http://schemas.microsoft.com/office/drawing/2017/decorative" val="1"/>
+              </a:ext>
+            </a:extLst>
+          </p:cNvPr>
+          <p:cNvSpPr>
+            <a:spLocks noGrp="1" noRot="1" noChangeAspect="1" noMove="1" noResize="1" noEditPoints="1" noAdjustHandles="1" noChangeArrowheads="1" noChangeShapeType="1" noTextEdit="1"/>
+          </p:cNvSpPr>
+          <p:nvPr>
+            <p:extLst>
+              <p:ext uri="{386F3935-93C4-4BCD-93E2-E3B085C9AB24}">
+                <p16:designElem xmlns:p16="http://schemas.microsoft.com/office/powerpoint/2015/main" val="1"/>
+              </p:ext>
+            </p:extLst>
+          </p:nvPr>
+        </p:nvSpPr>
+        <p:spPr>
+          <a:xfrm>
+            <a:off x="448732" y="4428067"/>
+            <a:ext cx="11260667" cy="1962497"/>
+          </a:xfrm>
+          <a:prstGeom prst="rect">
+            <a:avLst/>
+          </a:prstGeom>
+          <a:solidFill>
+            <a:schemeClr val="accent1">
+              <a:alpha val="97000"/>
+            </a:schemeClr>
+          </a:solidFill>
+          <a:ln w="6350" cmpd="sng">
+            <a:noFill/>
+          </a:ln>
+          <a:effectLst/>
+        </p:spPr>
+        <p:style>
+          <a:lnRef idx="1">
+            <a:schemeClr val="accent1"/>
+          </a:lnRef>
+          <a:fillRef idx="3">
+            <a:schemeClr val="accent1"/>
+          </a:fillRef>
+          <a:effectRef idx="2">
+            <a:schemeClr val="accent1"/>
+          </a:effectRef>
+          <a:fontRef idx="minor">
+            <a:schemeClr val="lt1"/>
+          </a:fontRef>
+        </p:style>
+      </p:sp>
       <p:sp>
         <p:nvSpPr>
           <p:cNvPr id="2" name="Title 1">
             <a:extLst>
               <a:ext uri="{FF2B5EF4-FFF2-40B4-BE49-F238E27FC236}">
-                <a16:creationId xmlns:a16="http://schemas.microsoft.com/office/drawing/2014/main" id="{0CC106F9-0316-4390-B5AD-2CBDFFEDDD85}"/>
+                <a16:creationId xmlns:a16="http://schemas.microsoft.com/office/drawing/2014/main" id="{C02C5318-1A1E-49D0-B2E2-A4B0FA9E8A40}"/>
               </a:ext>
             </a:extLst>
           </p:cNvPr>
@@ -11268,32 +11613,38 @@
             <a:spLocks noGrp="1"/>
           </p:cNvSpPr>
           <p:nvPr>
-            <p:ph type="title"/>
+            <p:ph type="ctrTitle"/>
           </p:nvPr>
         </p:nvSpPr>
-        <p:spPr/>
+        <p:spPr>
+          <a:xfrm>
+            <a:off x="581191" y="4572000"/>
+            <a:ext cx="10993549" cy="895244"/>
+          </a:xfrm>
+        </p:spPr>
         <p:txBody>
-          <a:bodyPr/>
+          <a:bodyPr>
+            <a:noAutofit/>
+          </a:bodyPr>
           <a:lstStyle/>
           <a:p>
             <a:r>
-              <a:rPr lang="en-US" dirty="0"/>
-              <a:t>Terraform – </a:t>
-            </a:r>
-            <a:r>
-              <a:rPr lang="en-US" dirty="0" err="1"/>
-              <a:t>BackendS</a:t>
-            </a:r>
-            <a:endParaRPr lang="en-IN" dirty="0"/>
+              <a:rPr lang="en-US" sz="6000" dirty="0">
+                <a:solidFill>
+                  <a:schemeClr val="bg1"/>
+                </a:solidFill>
+              </a:rPr>
+              <a:t>Terraform with azure</a:t>
+            </a:r>
           </a:p>
         </p:txBody>
       </p:sp>
       <p:sp>
         <p:nvSpPr>
-          <p:cNvPr id="3" name="Content Placeholder 2">
+          <p:cNvPr id="3" name="Subtitle 2">
             <a:extLst>
               <a:ext uri="{FF2B5EF4-FFF2-40B4-BE49-F238E27FC236}">
-                <a16:creationId xmlns:a16="http://schemas.microsoft.com/office/drawing/2014/main" id="{448B947B-8CD6-4B18-AF04-434E9FF52447}"/>
+                <a16:creationId xmlns:a16="http://schemas.microsoft.com/office/drawing/2014/main" id="{48B6CF59-4E5B-494D-A2F7-97ADD01E6497}"/>
               </a:ext>
             </a:extLst>
           </p:cNvPr>
@@ -11301,28 +11652,340 @@
             <a:spLocks noGrp="1"/>
           </p:cNvSpPr>
           <p:nvPr>
-            <p:ph idx="1"/>
+            <p:ph type="subTitle" idx="1"/>
           </p:nvPr>
         </p:nvSpPr>
-        <p:spPr/>
+        <p:spPr>
+          <a:xfrm>
+            <a:off x="581194" y="5467246"/>
+            <a:ext cx="10993546" cy="484822"/>
+          </a:xfrm>
+        </p:spPr>
         <p:txBody>
-          <a:bodyPr/>
+          <a:bodyPr>
+            <a:normAutofit/>
+          </a:bodyPr>
           <a:lstStyle/>
           <a:p>
             <a:r>
-              <a:rPr lang="en-US" dirty="0"/>
-              <a:t>Local backend</a:t>
-            </a:r>
-          </a:p>
-          <a:p>
-            <a:endParaRPr lang="en-US" dirty="0"/>
+              <a:rPr lang="en-US" dirty="0">
+                <a:solidFill>
+                  <a:srgbClr val="7CEBFF"/>
+                </a:solidFill>
+              </a:rPr>
+              <a:t>Zero to hero</a:t>
+            </a:r>
+          </a:p>
+        </p:txBody>
+      </p:sp>
+      <p:sp>
+        <p:nvSpPr>
+          <p:cNvPr id="11" name="Subtitle 2">
+            <a:extLst>
+              <a:ext uri="{FF2B5EF4-FFF2-40B4-BE49-F238E27FC236}">
+                <a16:creationId xmlns:a16="http://schemas.microsoft.com/office/drawing/2014/main" id="{3042CAB9-FC23-40C0-9E00-9C232D022181}"/>
+              </a:ext>
+            </a:extLst>
+          </p:cNvPr>
+          <p:cNvSpPr txBox="1">
+            <a:spLocks/>
+          </p:cNvSpPr>
+          <p:nvPr/>
+        </p:nvSpPr>
+        <p:spPr>
+          <a:xfrm>
+            <a:off x="581191" y="5903345"/>
+            <a:ext cx="10993546" cy="484822"/>
+          </a:xfrm>
+          <a:prstGeom prst="rect">
+            <a:avLst/>
+          </a:prstGeom>
+        </p:spPr>
+        <p:txBody>
+          <a:bodyPr vert="horz" lIns="91440" tIns="45720" rIns="91440" bIns="45720" rtlCol="0" anchor="t">
+            <a:normAutofit/>
+          </a:bodyPr>
+          <a:lstStyle>
+            <a:lvl1pPr marL="0" indent="0" algn="l" defTabSz="457200" rtl="0" eaLnBrk="1" latinLnBrk="0" hangingPunct="1">
+              <a:spcBef>
+                <a:spcPct val="20000"/>
+              </a:spcBef>
+              <a:spcAft>
+                <a:spcPts val="600"/>
+              </a:spcAft>
+              <a:buClr>
+                <a:schemeClr val="accent2"/>
+              </a:buClr>
+              <a:buSzPct val="92000"/>
+              <a:buFont typeface="Wingdings 2" panose="05020102010507070707" pitchFamily="18" charset="2"/>
+              <a:buNone/>
+              <a:defRPr sz="1600" kern="1200" cap="all">
+                <a:solidFill>
+                  <a:schemeClr val="accent2"/>
+                </a:solidFill>
+                <a:latin typeface="+mn-lt"/>
+                <a:ea typeface="+mn-ea"/>
+                <a:cs typeface="+mn-cs"/>
+              </a:defRPr>
+            </a:lvl1pPr>
+            <a:lvl2pPr marL="457200" indent="0" algn="ctr" defTabSz="457200" rtl="0" eaLnBrk="1" latinLnBrk="0" hangingPunct="1">
+              <a:spcBef>
+                <a:spcPct val="20000"/>
+              </a:spcBef>
+              <a:spcAft>
+                <a:spcPts val="600"/>
+              </a:spcAft>
+              <a:buClr>
+                <a:schemeClr val="accent2"/>
+              </a:buClr>
+              <a:buSzPct val="92000"/>
+              <a:buFont typeface="Wingdings 2" panose="05020102010507070707" pitchFamily="18" charset="2"/>
+              <a:buNone/>
+              <a:defRPr sz="1600" kern="1200">
+                <a:solidFill>
+                  <a:schemeClr val="tx1">
+                    <a:tint val="75000"/>
+                  </a:schemeClr>
+                </a:solidFill>
+                <a:latin typeface="+mn-lt"/>
+                <a:ea typeface="+mn-ea"/>
+                <a:cs typeface="+mn-cs"/>
+              </a:defRPr>
+            </a:lvl2pPr>
+            <a:lvl3pPr marL="914400" indent="0" algn="ctr" defTabSz="457200" rtl="0" eaLnBrk="1" latinLnBrk="0" hangingPunct="1">
+              <a:spcBef>
+                <a:spcPct val="20000"/>
+              </a:spcBef>
+              <a:spcAft>
+                <a:spcPts val="600"/>
+              </a:spcAft>
+              <a:buClr>
+                <a:schemeClr val="accent2"/>
+              </a:buClr>
+              <a:buSzPct val="92000"/>
+              <a:buFont typeface="Wingdings 2" panose="05020102010507070707" pitchFamily="18" charset="2"/>
+              <a:buNone/>
+              <a:defRPr sz="1400" kern="1200">
+                <a:solidFill>
+                  <a:schemeClr val="tx1">
+                    <a:tint val="75000"/>
+                  </a:schemeClr>
+                </a:solidFill>
+                <a:latin typeface="+mn-lt"/>
+                <a:ea typeface="+mn-ea"/>
+                <a:cs typeface="+mn-cs"/>
+              </a:defRPr>
+            </a:lvl3pPr>
+            <a:lvl4pPr marL="1371600" indent="0" algn="ctr" defTabSz="457200" rtl="0" eaLnBrk="1" latinLnBrk="0" hangingPunct="1">
+              <a:spcBef>
+                <a:spcPct val="20000"/>
+              </a:spcBef>
+              <a:spcAft>
+                <a:spcPts val="600"/>
+              </a:spcAft>
+              <a:buClr>
+                <a:schemeClr val="accent2"/>
+              </a:buClr>
+              <a:buSzPct val="92000"/>
+              <a:buFont typeface="Wingdings 2" panose="05020102010507070707" pitchFamily="18" charset="2"/>
+              <a:buNone/>
+              <a:defRPr sz="1200" kern="1200">
+                <a:solidFill>
+                  <a:schemeClr val="tx1">
+                    <a:tint val="75000"/>
+                  </a:schemeClr>
+                </a:solidFill>
+                <a:latin typeface="+mn-lt"/>
+                <a:ea typeface="+mn-ea"/>
+                <a:cs typeface="+mn-cs"/>
+              </a:defRPr>
+            </a:lvl4pPr>
+            <a:lvl5pPr marL="1828800" indent="0" algn="ctr" defTabSz="457200" rtl="0" eaLnBrk="1" latinLnBrk="0" hangingPunct="1">
+              <a:spcBef>
+                <a:spcPct val="20000"/>
+              </a:spcBef>
+              <a:spcAft>
+                <a:spcPts val="600"/>
+              </a:spcAft>
+              <a:buClr>
+                <a:schemeClr val="accent2"/>
+              </a:buClr>
+              <a:buSzPct val="92000"/>
+              <a:buFont typeface="Wingdings 2" panose="05020102010507070707" pitchFamily="18" charset="2"/>
+              <a:buNone/>
+              <a:defRPr sz="1200" kern="1200">
+                <a:solidFill>
+                  <a:schemeClr val="tx1">
+                    <a:tint val="75000"/>
+                  </a:schemeClr>
+                </a:solidFill>
+                <a:latin typeface="+mn-lt"/>
+                <a:ea typeface="+mn-ea"/>
+                <a:cs typeface="+mn-cs"/>
+              </a:defRPr>
+            </a:lvl5pPr>
+            <a:lvl6pPr marL="2286000" indent="0" algn="ctr" defTabSz="457200" rtl="0" eaLnBrk="1" latinLnBrk="0" hangingPunct="1">
+              <a:spcBef>
+                <a:spcPct val="20000"/>
+              </a:spcBef>
+              <a:spcAft>
+                <a:spcPts val="600"/>
+              </a:spcAft>
+              <a:buClr>
+                <a:schemeClr val="accent2"/>
+              </a:buClr>
+              <a:buSzPct val="92000"/>
+              <a:buFont typeface="Wingdings 2" panose="05020102010507070707" pitchFamily="18" charset="2"/>
+              <a:buNone/>
+              <a:defRPr sz="1200" kern="1200">
+                <a:solidFill>
+                  <a:schemeClr val="tx1">
+                    <a:tint val="75000"/>
+                  </a:schemeClr>
+                </a:solidFill>
+                <a:latin typeface="+mn-lt"/>
+                <a:ea typeface="+mn-ea"/>
+                <a:cs typeface="+mn-cs"/>
+              </a:defRPr>
+            </a:lvl6pPr>
+            <a:lvl7pPr marL="2743200" indent="0" algn="ctr" defTabSz="457200" rtl="0" eaLnBrk="1" latinLnBrk="0" hangingPunct="1">
+              <a:spcBef>
+                <a:spcPct val="20000"/>
+              </a:spcBef>
+              <a:spcAft>
+                <a:spcPts val="600"/>
+              </a:spcAft>
+              <a:buClr>
+                <a:schemeClr val="accent2"/>
+              </a:buClr>
+              <a:buSzPct val="92000"/>
+              <a:buFont typeface="Wingdings 2" panose="05020102010507070707" pitchFamily="18" charset="2"/>
+              <a:buNone/>
+              <a:defRPr sz="1200" kern="1200">
+                <a:solidFill>
+                  <a:schemeClr val="tx1">
+                    <a:tint val="75000"/>
+                  </a:schemeClr>
+                </a:solidFill>
+                <a:latin typeface="+mn-lt"/>
+                <a:ea typeface="+mn-ea"/>
+                <a:cs typeface="+mn-cs"/>
+              </a:defRPr>
+            </a:lvl7pPr>
+            <a:lvl8pPr marL="3200400" indent="0" algn="ctr" defTabSz="457200" rtl="0" eaLnBrk="1" latinLnBrk="0" hangingPunct="1">
+              <a:spcBef>
+                <a:spcPct val="20000"/>
+              </a:spcBef>
+              <a:spcAft>
+                <a:spcPts val="600"/>
+              </a:spcAft>
+              <a:buClr>
+                <a:schemeClr val="accent2"/>
+              </a:buClr>
+              <a:buSzPct val="92000"/>
+              <a:buFont typeface="Wingdings 2" panose="05020102010507070707" pitchFamily="18" charset="2"/>
+              <a:buNone/>
+              <a:defRPr sz="1200" kern="1200">
+                <a:solidFill>
+                  <a:schemeClr val="tx1">
+                    <a:tint val="75000"/>
+                  </a:schemeClr>
+                </a:solidFill>
+                <a:latin typeface="+mn-lt"/>
+                <a:ea typeface="+mn-ea"/>
+                <a:cs typeface="+mn-cs"/>
+              </a:defRPr>
+            </a:lvl8pPr>
+            <a:lvl9pPr marL="3657600" indent="0" algn="ctr" defTabSz="457200" rtl="0" eaLnBrk="1" latinLnBrk="0" hangingPunct="1">
+              <a:spcBef>
+                <a:spcPct val="20000"/>
+              </a:spcBef>
+              <a:spcAft>
+                <a:spcPts val="600"/>
+              </a:spcAft>
+              <a:buClr>
+                <a:schemeClr val="accent2"/>
+              </a:buClr>
+              <a:buSzPct val="92000"/>
+              <a:buFont typeface="Wingdings 2" panose="05020102010507070707" pitchFamily="18" charset="2"/>
+              <a:buNone/>
+              <a:defRPr sz="1200" kern="1200">
+                <a:solidFill>
+                  <a:schemeClr val="tx1">
+                    <a:tint val="75000"/>
+                  </a:schemeClr>
+                </a:solidFill>
+                <a:latin typeface="+mn-lt"/>
+                <a:ea typeface="+mn-ea"/>
+                <a:cs typeface="+mn-cs"/>
+              </a:defRPr>
+            </a:lvl9pPr>
+          </a:lstStyle>
+          <a:p>
+            <a:pPr algn="r"/>
+            <a:r>
+              <a:rPr lang="en-US" dirty="0">
+                <a:solidFill>
+                  <a:srgbClr val="7CEBFF"/>
+                </a:solidFill>
+              </a:rPr>
+              <a:t>Ravikanth Chaganti</a:t>
+            </a:r>
+          </a:p>
+        </p:txBody>
+      </p:sp>
+      <p:sp>
+        <p:nvSpPr>
+          <p:cNvPr id="4" name="TextBox 3">
+            <a:extLst>
+              <a:ext uri="{FF2B5EF4-FFF2-40B4-BE49-F238E27FC236}">
+                <a16:creationId xmlns:a16="http://schemas.microsoft.com/office/drawing/2014/main" id="{DB23D44C-61E8-466E-A339-C98C059D1740}"/>
+              </a:ext>
+            </a:extLst>
+          </p:cNvPr>
+          <p:cNvSpPr txBox="1"/>
+          <p:nvPr/>
+        </p:nvSpPr>
+        <p:spPr>
+          <a:xfrm>
+            <a:off x="11008772" y="4428067"/>
+            <a:ext cx="734496" cy="369332"/>
+          </a:xfrm>
+          <a:prstGeom prst="rect">
+            <a:avLst/>
+          </a:prstGeom>
+          <a:noFill/>
+        </p:spPr>
+        <p:txBody>
+          <a:bodyPr wrap="none" rtlCol="0">
+            <a:spAutoFit/>
+          </a:bodyPr>
+          <a:lstStyle/>
+          <a:p>
+            <a:r>
+              <a:rPr lang="en-US" dirty="0">
+                <a:solidFill>
+                  <a:schemeClr val="accent5">
+                    <a:lumMod val="75000"/>
+                  </a:schemeClr>
+                </a:solidFill>
+              </a:rPr>
+              <a:t>v0.1.0</a:t>
+            </a:r>
+            <a:endParaRPr lang="en-IN" dirty="0">
+              <a:solidFill>
+                <a:schemeClr val="accent5">
+                  <a:lumMod val="75000"/>
+                </a:schemeClr>
+              </a:solidFill>
+            </a:endParaRPr>
           </a:p>
         </p:txBody>
       </p:sp>
     </p:spTree>
     <p:extLst>
       <p:ext uri="{BB962C8B-B14F-4D97-AF65-F5344CB8AC3E}">
-        <p14:creationId xmlns:p14="http://schemas.microsoft.com/office/powerpoint/2010/main" val="3496644123"/>
+        <p14:creationId xmlns:p14="http://schemas.microsoft.com/office/powerpoint/2010/main" val="1487700712"/>
       </p:ext>
     </p:extLst>
   </p:cSld>
@@ -11333,176 +11996,6 @@
 </file>
 
 <file path=ppt/slides/slide10.xml><?xml version="1.0" encoding="utf-8"?>
-<p:sld xmlns:a="http://schemas.openxmlformats.org/drawingml/2006/main" xmlns:r="http://schemas.openxmlformats.org/officeDocument/2006/relationships" xmlns:p="http://schemas.openxmlformats.org/presentationml/2006/main">
-  <p:cSld>
-    <p:spTree>
-      <p:nvGrpSpPr>
-        <p:cNvPr id="1" name=""/>
-        <p:cNvGrpSpPr/>
-        <p:nvPr/>
-      </p:nvGrpSpPr>
-      <p:grpSpPr>
-        <a:xfrm>
-          <a:off x="0" y="0"/>
-          <a:ext cx="0" cy="0"/>
-          <a:chOff x="0" y="0"/>
-          <a:chExt cx="0" cy="0"/>
-        </a:xfrm>
-      </p:grpSpPr>
-      <p:sp>
-        <p:nvSpPr>
-          <p:cNvPr id="2" name="Title 1">
-            <a:extLst>
-              <a:ext uri="{FF2B5EF4-FFF2-40B4-BE49-F238E27FC236}">
-                <a16:creationId xmlns:a16="http://schemas.microsoft.com/office/drawing/2014/main" id="{B481A8DD-05C3-4B07-84AB-9BC73F23177D}"/>
-              </a:ext>
-            </a:extLst>
-          </p:cNvPr>
-          <p:cNvSpPr>
-            <a:spLocks noGrp="1"/>
-          </p:cNvSpPr>
-          <p:nvPr>
-            <p:ph type="title"/>
-          </p:nvPr>
-        </p:nvSpPr>
-        <p:spPr/>
-        <p:txBody>
-          <a:bodyPr/>
-          <a:lstStyle/>
-          <a:p>
-            <a:r>
-              <a:rPr lang="en-US" dirty="0" err="1"/>
-              <a:t>Devops</a:t>
-            </a:r>
-            <a:r>
-              <a:rPr lang="en-US" dirty="0"/>
-              <a:t> and infrastructure as code</a:t>
-            </a:r>
-            <a:endParaRPr lang="en-IN" dirty="0"/>
-          </a:p>
-        </p:txBody>
-      </p:sp>
-      <p:graphicFrame>
-        <p:nvGraphicFramePr>
-          <p:cNvPr id="4" name="Diagram 3">
-            <a:extLst>
-              <a:ext uri="{FF2B5EF4-FFF2-40B4-BE49-F238E27FC236}">
-                <a16:creationId xmlns:a16="http://schemas.microsoft.com/office/drawing/2014/main" id="{AC6E30B2-DE19-41A4-A20E-F50AC6D48552}"/>
-              </a:ext>
-            </a:extLst>
-          </p:cNvPr>
-          <p:cNvGraphicFramePr/>
-          <p:nvPr/>
-        </p:nvGraphicFramePr>
-        <p:xfrm>
-          <a:off x="-805023" y="2044505"/>
-          <a:ext cx="7130757" cy="4581508"/>
-        </p:xfrm>
-        <a:graphic>
-          <a:graphicData uri="http://schemas.openxmlformats.org/drawingml/2006/diagram">
-            <dgm:relIds xmlns:dgm="http://schemas.openxmlformats.org/drawingml/2006/diagram" xmlns:r="http://schemas.openxmlformats.org/officeDocument/2006/relationships" r:dm="rId2" r:lo="rId3" r:qs="rId4" r:cs="rId5"/>
-          </a:graphicData>
-        </a:graphic>
-      </p:graphicFrame>
-      <p:sp>
-        <p:nvSpPr>
-          <p:cNvPr id="5" name="Content Placeholder 2">
-            <a:extLst>
-              <a:ext uri="{FF2B5EF4-FFF2-40B4-BE49-F238E27FC236}">
-                <a16:creationId xmlns:a16="http://schemas.microsoft.com/office/drawing/2014/main" id="{EB37F938-974B-4638-B70C-317A67936AB9}"/>
-              </a:ext>
-            </a:extLst>
-          </p:cNvPr>
-          <p:cNvSpPr>
-            <a:spLocks noGrp="1"/>
-          </p:cNvSpPr>
-          <p:nvPr>
-            <p:ph idx="1"/>
-          </p:nvPr>
-        </p:nvSpPr>
-        <p:spPr>
-          <a:xfrm>
-            <a:off x="6475829" y="2128910"/>
-            <a:ext cx="5134979" cy="4234375"/>
-          </a:xfrm>
-        </p:spPr>
-        <p:txBody>
-          <a:bodyPr/>
-          <a:lstStyle/>
-          <a:p>
-            <a:r>
-              <a:rPr lang="en-US" dirty="0"/>
-              <a:t>Apart from collaboration and effective communication between Development and Operations, automation is key to realizing goals of DevOps</a:t>
-            </a:r>
-          </a:p>
-          <a:p>
-            <a:r>
-              <a:rPr lang="en-US" dirty="0"/>
-              <a:t>Automation in the DevOps == Infrastructure as Code (</a:t>
-            </a:r>
-            <a:r>
-              <a:rPr lang="en-US" dirty="0" err="1"/>
-              <a:t>IaC</a:t>
-            </a:r>
-            <a:r>
-              <a:rPr lang="en-US" dirty="0"/>
-              <a:t>)</a:t>
-            </a:r>
-          </a:p>
-          <a:p>
-            <a:r>
-              <a:rPr lang="en-US" dirty="0" err="1"/>
-              <a:t>IaC</a:t>
-            </a:r>
-            <a:r>
-              <a:rPr lang="en-US" dirty="0"/>
-              <a:t> can be classified as:</a:t>
-            </a:r>
-          </a:p>
-          <a:p>
-            <a:pPr lvl="1"/>
-            <a:r>
-              <a:rPr lang="en-US" dirty="0"/>
-              <a:t>Ad-hoc scripts</a:t>
-            </a:r>
-          </a:p>
-          <a:p>
-            <a:pPr lvl="1"/>
-            <a:r>
-              <a:rPr lang="en-US" dirty="0"/>
-              <a:t>Configuration management</a:t>
-            </a:r>
-          </a:p>
-          <a:p>
-            <a:pPr lvl="1"/>
-            <a:r>
-              <a:rPr lang="en-US" dirty="0"/>
-              <a:t>Server Templating</a:t>
-            </a:r>
-          </a:p>
-          <a:p>
-            <a:pPr lvl="1"/>
-            <a:r>
-              <a:rPr lang="en-US" dirty="0"/>
-              <a:t>Provisioning</a:t>
-            </a:r>
-          </a:p>
-        </p:txBody>
-      </p:sp>
-    </p:spTree>
-    <p:extLst>
-      <p:ext uri="{BB962C8B-B14F-4D97-AF65-F5344CB8AC3E}">
-        <p14:creationId xmlns:p14="http://schemas.microsoft.com/office/powerpoint/2010/main" val="805747315"/>
-      </p:ext>
-    </p:extLst>
-  </p:cSld>
-  <p:clrMapOvr>
-    <a:masterClrMapping/>
-  </p:clrMapOvr>
-</p:sld>
-</file>
-
-<file path=ppt/slides/slide11.xml><?xml version="1.0" encoding="utf-8"?>
 <p:sld xmlns:a="http://schemas.openxmlformats.org/drawingml/2006/main" xmlns:r="http://schemas.openxmlformats.org/officeDocument/2006/relationships" xmlns:p="http://schemas.openxmlformats.org/presentationml/2006/main">
   <p:cSld>
     <p:spTree>
@@ -11613,7 +12106,7 @@
 </p:sld>
 </file>
 
-<file path=ppt/slides/slide12.xml><?xml version="1.0" encoding="utf-8"?>
+<file path=ppt/slides/slide11.xml><?xml version="1.0" encoding="utf-8"?>
 <p:sld xmlns:a="http://schemas.openxmlformats.org/drawingml/2006/main" xmlns:r="http://schemas.openxmlformats.org/officeDocument/2006/relationships" xmlns:p="http://schemas.openxmlformats.org/presentationml/2006/main">
   <p:cSld>
     <p:spTree>
@@ -11701,7 +12194,7 @@
 </p:sld>
 </file>
 
-<file path=ppt/slides/slide13.xml><?xml version="1.0" encoding="utf-8"?>
+<file path=ppt/slides/slide12.xml><?xml version="1.0" encoding="utf-8"?>
 <p:sld xmlns:a="http://schemas.openxmlformats.org/drawingml/2006/main" xmlns:r="http://schemas.openxmlformats.org/officeDocument/2006/relationships" xmlns:p="http://schemas.openxmlformats.org/presentationml/2006/main">
   <p:cSld>
     <p:spTree>
@@ -12036,7 +12529,7 @@
 </p:sld>
 </file>
 
-<file path=ppt/slides/slide14.xml><?xml version="1.0" encoding="utf-8"?>
+<file path=ppt/slides/slide13.xml><?xml version="1.0" encoding="utf-8"?>
 <p:sld xmlns:a="http://schemas.openxmlformats.org/drawingml/2006/main" xmlns:r="http://schemas.openxmlformats.org/officeDocument/2006/relationships" xmlns:p="http://schemas.openxmlformats.org/presentationml/2006/main">
   <p:cSld>
     <p:spTree>
@@ -12124,7 +12617,7 @@
 </p:sld>
 </file>
 
-<file path=ppt/slides/slide15.xml><?xml version="1.0" encoding="utf-8"?>
+<file path=ppt/slides/slide14.xml><?xml version="1.0" encoding="utf-8"?>
 <p:sld xmlns:a="http://schemas.openxmlformats.org/drawingml/2006/main" xmlns:r="http://schemas.openxmlformats.org/officeDocument/2006/relationships" xmlns:p="http://schemas.openxmlformats.org/presentationml/2006/main">
   <p:cSld>
     <p:spTree>
@@ -13698,7 +14191,7 @@
 </p:sld>
 </file>
 
-<file path=ppt/slides/slide16.xml><?xml version="1.0" encoding="utf-8"?>
+<file path=ppt/slides/slide15.xml><?xml version="1.0" encoding="utf-8"?>
 <p:sld xmlns:a="http://schemas.openxmlformats.org/drawingml/2006/main" xmlns:r="http://schemas.openxmlformats.org/officeDocument/2006/relationships" xmlns:p="http://schemas.openxmlformats.org/presentationml/2006/main">
   <p:cSld>
     <p:spTree>
@@ -14008,7 +14501,7 @@
 </p:sld>
 </file>
 
-<file path=ppt/slides/slide17.xml><?xml version="1.0" encoding="utf-8"?>
+<file path=ppt/slides/slide16.xml><?xml version="1.0" encoding="utf-8"?>
 <p:sld xmlns:a="http://schemas.openxmlformats.org/drawingml/2006/main" xmlns:r="http://schemas.openxmlformats.org/officeDocument/2006/relationships" xmlns:p="http://schemas.openxmlformats.org/presentationml/2006/main">
   <p:cSld>
     <p:spTree>
@@ -15243,7 +15736,7 @@
 </p:sld>
 </file>
 
-<file path=ppt/slides/slide18.xml><?xml version="1.0" encoding="utf-8"?>
+<file path=ppt/slides/slide17.xml><?xml version="1.0" encoding="utf-8"?>
 <p:sld xmlns:a="http://schemas.openxmlformats.org/drawingml/2006/main" xmlns:r="http://schemas.openxmlformats.org/officeDocument/2006/relationships" xmlns:p="http://schemas.openxmlformats.org/presentationml/2006/main">
   <p:cSld>
     <p:spTree>
@@ -15331,7 +15824,7 @@
 </p:sld>
 </file>
 
-<file path=ppt/slides/slide19.xml><?xml version="1.0" encoding="utf-8"?>
+<file path=ppt/slides/slide18.xml><?xml version="1.0" encoding="utf-8"?>
 <p:sld xmlns:a="http://schemas.openxmlformats.org/drawingml/2006/main" xmlns:r="http://schemas.openxmlformats.org/officeDocument/2006/relationships" xmlns:p="http://schemas.openxmlformats.org/presentationml/2006/main">
   <p:cSld>
     <p:spTree>
@@ -17189,766 +17682,7 @@
 </p:sld>
 </file>
 
-<file path=ppt/slides/slide2.xml><?xml version="1.0" encoding="utf-8"?>
-<p:sld xmlns:a="http://schemas.openxmlformats.org/drawingml/2006/main" xmlns:r="http://schemas.openxmlformats.org/officeDocument/2006/relationships" xmlns:p="http://schemas.openxmlformats.org/presentationml/2006/main">
-  <p:cSld>
-    <p:bg>
-      <p:bgPr>
-        <a:solidFill>
-          <a:schemeClr val="bg1"/>
-        </a:solidFill>
-        <a:effectLst/>
-      </p:bgPr>
-    </p:bg>
-    <p:spTree>
-      <p:nvGrpSpPr>
-        <p:cNvPr id="1" name=""/>
-        <p:cNvGrpSpPr/>
-        <p:nvPr/>
-      </p:nvGrpSpPr>
-      <p:grpSpPr>
-        <a:xfrm>
-          <a:off x="0" y="0"/>
-          <a:ext cx="0" cy="0"/>
-          <a:chOff x="0" y="0"/>
-          <a:chExt cx="0" cy="0"/>
-        </a:xfrm>
-      </p:grpSpPr>
-      <p:sp useBgFill="1">
-        <p:nvSpPr>
-          <p:cNvPr id="15" name="Rectangle 14">
-            <a:extLst>
-              <a:ext uri="{FF2B5EF4-FFF2-40B4-BE49-F238E27FC236}">
-                <a16:creationId xmlns:a16="http://schemas.microsoft.com/office/drawing/2014/main" id="{493D4EDA-58E0-40CC-B3CA-14CDEB349D24}"/>
-              </a:ext>
-              <a:ext uri="{C183D7F6-B498-43B3-948B-1728B52AA6E4}">
-                <adec:decorative xmlns:adec="http://schemas.microsoft.com/office/drawing/2017/decorative" val="1"/>
-              </a:ext>
-            </a:extLst>
-          </p:cNvPr>
-          <p:cNvSpPr>
-            <a:spLocks noGrp="1" noRot="1" noChangeAspect="1" noMove="1" noResize="1" noEditPoints="1" noAdjustHandles="1" noChangeArrowheads="1" noChangeShapeType="1" noTextEdit="1"/>
-          </p:cNvSpPr>
-          <p:nvPr>
-            <p:extLst>
-              <p:ext uri="{386F3935-93C4-4BCD-93E2-E3B085C9AB24}">
-                <p16:designElem xmlns:p16="http://schemas.microsoft.com/office/powerpoint/2015/main" val="1"/>
-              </p:ext>
-            </p:extLst>
-          </p:nvPr>
-        </p:nvSpPr>
-        <p:spPr>
-          <a:xfrm>
-            <a:off x="0" y="0"/>
-            <a:ext cx="12192000" cy="6858000"/>
-          </a:xfrm>
-          <a:prstGeom prst="rect">
-            <a:avLst/>
-          </a:prstGeom>
-          <a:ln>
-            <a:noFill/>
-          </a:ln>
-        </p:spPr>
-        <p:style>
-          <a:lnRef idx="2">
-            <a:schemeClr val="accent1">
-              <a:shade val="50000"/>
-            </a:schemeClr>
-          </a:lnRef>
-          <a:fillRef idx="1">
-            <a:schemeClr val="accent1"/>
-          </a:fillRef>
-          <a:effectRef idx="0">
-            <a:schemeClr val="accent1"/>
-          </a:effectRef>
-          <a:fontRef idx="minor">
-            <a:schemeClr val="lt1"/>
-          </a:fontRef>
-        </p:style>
-        <p:txBody>
-          <a:bodyPr rtlCol="0" anchor="ctr"/>
-          <a:lstStyle/>
-          <a:p>
-            <a:pPr algn="ctr"/>
-            <a:endParaRPr lang="en-US" dirty="0"/>
-          </a:p>
-        </p:txBody>
-      </p:sp>
-      <p:pic>
-        <p:nvPicPr>
-          <p:cNvPr id="7" name="Picture 6" descr="Digital Connections">
-            <a:extLst>
-              <a:ext uri="{FF2B5EF4-FFF2-40B4-BE49-F238E27FC236}">
-                <a16:creationId xmlns:a16="http://schemas.microsoft.com/office/drawing/2014/main" id="{3840F91C-EDD0-4D4E-A4AB-E6C77856C88C}"/>
-              </a:ext>
-            </a:extLst>
-          </p:cNvPr>
-          <p:cNvPicPr>
-            <a:picLocks noChangeAspect="1"/>
-          </p:cNvPicPr>
-          <p:nvPr/>
-        </p:nvPicPr>
-        <p:blipFill rotWithShape="1">
-          <a:blip r:embed="rId3" cstate="screen">
-            <a:extLst>
-              <a:ext uri="{28A0092B-C50C-407E-A947-70E740481C1C}">
-                <a14:useLocalDpi xmlns:a14="http://schemas.microsoft.com/office/drawing/2010/main"/>
-              </a:ext>
-            </a:extLst>
-          </a:blip>
-          <a:srcRect l="13265" t="9091" r="3502" b="-1"/>
-          <a:stretch/>
-        </p:blipFill>
-        <p:spPr>
-          <a:xfrm>
-            <a:off x="20" y="10"/>
-            <a:ext cx="12191980" cy="6857990"/>
-          </a:xfrm>
-          <a:prstGeom prst="rect">
-            <a:avLst/>
-          </a:prstGeom>
-        </p:spPr>
-      </p:pic>
-      <p:grpSp>
-        <p:nvGrpSpPr>
-          <p:cNvPr id="17" name="Group 16">
-            <a:extLst>
-              <a:ext uri="{FF2B5EF4-FFF2-40B4-BE49-F238E27FC236}">
-                <a16:creationId xmlns:a16="http://schemas.microsoft.com/office/drawing/2014/main" id="{AA9EB0BC-A85E-4C26-B355-5DFCEF6CCB49}"/>
-              </a:ext>
-              <a:ext uri="{C183D7F6-B498-43B3-948B-1728B52AA6E4}">
-                <adec:decorative xmlns:adec="http://schemas.microsoft.com/office/drawing/2017/decorative" val="1"/>
-              </a:ext>
-            </a:extLst>
-          </p:cNvPr>
-          <p:cNvGrpSpPr>
-            <a:grpSpLocks noGrp="1" noUngrp="1" noRot="1" noChangeAspect="1" noMove="1" noResize="1"/>
-          </p:cNvGrpSpPr>
-          <p:nvPr>
-            <p:extLst>
-              <p:ext uri="{386F3935-93C4-4BCD-93E2-E3B085C9AB24}">
-                <p16:designElem xmlns:p16="http://schemas.microsoft.com/office/powerpoint/2015/main" val="1"/>
-              </p:ext>
-            </p:extLst>
-          </p:nvPr>
-        </p:nvGrpSpPr>
-        <p:grpSpPr>
-          <a:xfrm>
-            <a:off x="446534" y="453643"/>
-            <a:ext cx="11298933" cy="98554"/>
-            <a:chOff x="446534" y="453643"/>
-            <a:chExt cx="11298933" cy="98554"/>
-          </a:xfrm>
-        </p:grpSpPr>
-        <p:sp>
-          <p:nvSpPr>
-            <p:cNvPr id="18" name="Rectangle 17">
-              <a:extLst>
-                <a:ext uri="{FF2B5EF4-FFF2-40B4-BE49-F238E27FC236}">
-                  <a16:creationId xmlns:a16="http://schemas.microsoft.com/office/drawing/2014/main" id="{3643E56B-BD42-413D-B17D-7958270F5DE4}"/>
-                </a:ext>
-                <a:ext uri="{C183D7F6-B498-43B3-948B-1728B52AA6E4}">
-                  <adec:decorative xmlns:adec="http://schemas.microsoft.com/office/drawing/2017/decorative" val="1"/>
-                </a:ext>
-              </a:extLst>
-            </p:cNvPr>
-            <p:cNvSpPr/>
-            <p:nvPr>
-              <p:extLst>
-                <p:ext uri="{386F3935-93C4-4BCD-93E2-E3B085C9AB24}">
-                  <p16:designElem xmlns:p16="http://schemas.microsoft.com/office/powerpoint/2015/main" val="1"/>
-                </p:ext>
-              </p:extLst>
-            </p:nvPr>
-          </p:nvSpPr>
-          <p:spPr>
-            <a:xfrm>
-              <a:off x="446534" y="457200"/>
-              <a:ext cx="3703320" cy="94997"/>
-            </a:xfrm>
-            <a:prstGeom prst="rect">
-              <a:avLst/>
-            </a:prstGeom>
-            <a:solidFill>
-              <a:schemeClr val="accent1"/>
-            </a:solidFill>
-            <a:ln>
-              <a:noFill/>
-            </a:ln>
-            <a:effectLst/>
-          </p:spPr>
-          <p:style>
-            <a:lnRef idx="1">
-              <a:schemeClr val="accent1"/>
-            </a:lnRef>
-            <a:fillRef idx="3">
-              <a:schemeClr val="accent1"/>
-            </a:fillRef>
-            <a:effectRef idx="2">
-              <a:schemeClr val="accent1"/>
-            </a:effectRef>
-            <a:fontRef idx="minor">
-              <a:schemeClr val="lt1"/>
-            </a:fontRef>
-          </p:style>
-        </p:sp>
-        <p:sp>
-          <p:nvSpPr>
-            <p:cNvPr id="19" name="Rectangle 18">
-              <a:extLst>
-                <a:ext uri="{FF2B5EF4-FFF2-40B4-BE49-F238E27FC236}">
-                  <a16:creationId xmlns:a16="http://schemas.microsoft.com/office/drawing/2014/main" id="{96C04F74-9467-4FA5-95DC-8D481A29740E}"/>
-                </a:ext>
-                <a:ext uri="{C183D7F6-B498-43B3-948B-1728B52AA6E4}">
-                  <adec:decorative xmlns:adec="http://schemas.microsoft.com/office/drawing/2017/decorative" val="1"/>
-                </a:ext>
-              </a:extLst>
-            </p:cNvPr>
-            <p:cNvSpPr/>
-            <p:nvPr>
-              <p:extLst>
-                <p:ext uri="{386F3935-93C4-4BCD-93E2-E3B085C9AB24}">
-                  <p16:designElem xmlns:p16="http://schemas.microsoft.com/office/powerpoint/2015/main" val="1"/>
-                </p:ext>
-              </p:extLst>
-            </p:nvPr>
-          </p:nvSpPr>
-          <p:spPr>
-            <a:xfrm>
-              <a:off x="8042147" y="453643"/>
-              <a:ext cx="3703320" cy="98554"/>
-            </a:xfrm>
-            <a:prstGeom prst="rect">
-              <a:avLst/>
-            </a:prstGeom>
-            <a:solidFill>
-              <a:schemeClr val="accent4"/>
-            </a:solidFill>
-            <a:ln>
-              <a:noFill/>
-            </a:ln>
-            <a:effectLst/>
-          </p:spPr>
-          <p:style>
-            <a:lnRef idx="1">
-              <a:schemeClr val="accent1"/>
-            </a:lnRef>
-            <a:fillRef idx="3">
-              <a:schemeClr val="accent1"/>
-            </a:fillRef>
-            <a:effectRef idx="2">
-              <a:schemeClr val="accent1"/>
-            </a:effectRef>
-            <a:fontRef idx="minor">
-              <a:schemeClr val="lt1"/>
-            </a:fontRef>
-          </p:style>
-        </p:sp>
-        <p:sp>
-          <p:nvSpPr>
-            <p:cNvPr id="20" name="Rectangle 19">
-              <a:extLst>
-                <a:ext uri="{FF2B5EF4-FFF2-40B4-BE49-F238E27FC236}">
-                  <a16:creationId xmlns:a16="http://schemas.microsoft.com/office/drawing/2014/main" id="{D73DE1C3-5C37-42E9-A3F0-256F1938327C}"/>
-                </a:ext>
-                <a:ext uri="{C183D7F6-B498-43B3-948B-1728B52AA6E4}">
-                  <adec:decorative xmlns:adec="http://schemas.microsoft.com/office/drawing/2017/decorative" val="1"/>
-                </a:ext>
-              </a:extLst>
-            </p:cNvPr>
-            <p:cNvSpPr/>
-            <p:nvPr>
-              <p:extLst>
-                <p:ext uri="{386F3935-93C4-4BCD-93E2-E3B085C9AB24}">
-                  <p16:designElem xmlns:p16="http://schemas.microsoft.com/office/powerpoint/2015/main" val="1"/>
-                </p:ext>
-              </p:extLst>
-            </p:nvPr>
-          </p:nvSpPr>
-          <p:spPr>
-            <a:xfrm>
-              <a:off x="4241830" y="457200"/>
-              <a:ext cx="3703320" cy="91440"/>
-            </a:xfrm>
-            <a:prstGeom prst="rect">
-              <a:avLst/>
-            </a:prstGeom>
-            <a:solidFill>
-              <a:schemeClr val="accent2"/>
-            </a:solidFill>
-            <a:ln>
-              <a:noFill/>
-            </a:ln>
-            <a:effectLst/>
-          </p:spPr>
-          <p:style>
-            <a:lnRef idx="1">
-              <a:schemeClr val="accent1"/>
-            </a:lnRef>
-            <a:fillRef idx="3">
-              <a:schemeClr val="accent1"/>
-            </a:fillRef>
-            <a:effectRef idx="2">
-              <a:schemeClr val="accent1"/>
-            </a:effectRef>
-            <a:fontRef idx="minor">
-              <a:schemeClr val="lt1"/>
-            </a:fontRef>
-          </p:style>
-        </p:sp>
-      </p:grpSp>
-      <p:sp>
-        <p:nvSpPr>
-          <p:cNvPr id="22" name="Rectangle 21">
-            <a:extLst>
-              <a:ext uri="{FF2B5EF4-FFF2-40B4-BE49-F238E27FC236}">
-                <a16:creationId xmlns:a16="http://schemas.microsoft.com/office/drawing/2014/main" id="{4A2E7EC3-E07C-46CE-9B25-41865A50681C}"/>
-              </a:ext>
-              <a:ext uri="{C183D7F6-B498-43B3-948B-1728B52AA6E4}">
-                <adec:decorative xmlns:adec="http://schemas.microsoft.com/office/drawing/2017/decorative" val="1"/>
-              </a:ext>
-            </a:extLst>
-          </p:cNvPr>
-          <p:cNvSpPr>
-            <a:spLocks noGrp="1" noRot="1" noChangeAspect="1" noMove="1" noResize="1" noEditPoints="1" noAdjustHandles="1" noChangeArrowheads="1" noChangeShapeType="1" noTextEdit="1"/>
-          </p:cNvSpPr>
-          <p:nvPr>
-            <p:extLst>
-              <p:ext uri="{386F3935-93C4-4BCD-93E2-E3B085C9AB24}">
-                <p16:designElem xmlns:p16="http://schemas.microsoft.com/office/powerpoint/2015/main" val="1"/>
-              </p:ext>
-            </p:extLst>
-          </p:nvPr>
-        </p:nvSpPr>
-        <p:spPr>
-          <a:xfrm>
-            <a:off x="448732" y="4428067"/>
-            <a:ext cx="11260667" cy="1962497"/>
-          </a:xfrm>
-          <a:prstGeom prst="rect">
-            <a:avLst/>
-          </a:prstGeom>
-          <a:solidFill>
-            <a:schemeClr val="accent1">
-              <a:alpha val="97000"/>
-            </a:schemeClr>
-          </a:solidFill>
-          <a:ln w="6350" cmpd="sng">
-            <a:noFill/>
-          </a:ln>
-          <a:effectLst/>
-        </p:spPr>
-        <p:style>
-          <a:lnRef idx="1">
-            <a:schemeClr val="accent1"/>
-          </a:lnRef>
-          <a:fillRef idx="3">
-            <a:schemeClr val="accent1"/>
-          </a:fillRef>
-          <a:effectRef idx="2">
-            <a:schemeClr val="accent1"/>
-          </a:effectRef>
-          <a:fontRef idx="minor">
-            <a:schemeClr val="lt1"/>
-          </a:fontRef>
-        </p:style>
-      </p:sp>
-      <p:sp>
-        <p:nvSpPr>
-          <p:cNvPr id="2" name="Title 1">
-            <a:extLst>
-              <a:ext uri="{FF2B5EF4-FFF2-40B4-BE49-F238E27FC236}">
-                <a16:creationId xmlns:a16="http://schemas.microsoft.com/office/drawing/2014/main" id="{C02C5318-1A1E-49D0-B2E2-A4B0FA9E8A40}"/>
-              </a:ext>
-            </a:extLst>
-          </p:cNvPr>
-          <p:cNvSpPr>
-            <a:spLocks noGrp="1"/>
-          </p:cNvSpPr>
-          <p:nvPr>
-            <p:ph type="ctrTitle"/>
-          </p:nvPr>
-        </p:nvSpPr>
-        <p:spPr>
-          <a:xfrm>
-            <a:off x="581191" y="4572000"/>
-            <a:ext cx="10993549" cy="895244"/>
-          </a:xfrm>
-        </p:spPr>
-        <p:txBody>
-          <a:bodyPr>
-            <a:noAutofit/>
-          </a:bodyPr>
-          <a:lstStyle/>
-          <a:p>
-            <a:r>
-              <a:rPr lang="en-US" sz="6000" dirty="0">
-                <a:solidFill>
-                  <a:schemeClr val="bg1"/>
-                </a:solidFill>
-              </a:rPr>
-              <a:t>Terraform with azure</a:t>
-            </a:r>
-          </a:p>
-        </p:txBody>
-      </p:sp>
-      <p:sp>
-        <p:nvSpPr>
-          <p:cNvPr id="3" name="Subtitle 2">
-            <a:extLst>
-              <a:ext uri="{FF2B5EF4-FFF2-40B4-BE49-F238E27FC236}">
-                <a16:creationId xmlns:a16="http://schemas.microsoft.com/office/drawing/2014/main" id="{48B6CF59-4E5B-494D-A2F7-97ADD01E6497}"/>
-              </a:ext>
-            </a:extLst>
-          </p:cNvPr>
-          <p:cNvSpPr>
-            <a:spLocks noGrp="1"/>
-          </p:cNvSpPr>
-          <p:nvPr>
-            <p:ph type="subTitle" idx="1"/>
-          </p:nvPr>
-        </p:nvSpPr>
-        <p:spPr>
-          <a:xfrm>
-            <a:off x="581194" y="5467246"/>
-            <a:ext cx="10993546" cy="484822"/>
-          </a:xfrm>
-        </p:spPr>
-        <p:txBody>
-          <a:bodyPr>
-            <a:normAutofit/>
-          </a:bodyPr>
-          <a:lstStyle/>
-          <a:p>
-            <a:r>
-              <a:rPr lang="en-US" dirty="0">
-                <a:solidFill>
-                  <a:srgbClr val="7CEBFF"/>
-                </a:solidFill>
-              </a:rPr>
-              <a:t>Zero to hero</a:t>
-            </a:r>
-          </a:p>
-        </p:txBody>
-      </p:sp>
-      <p:sp>
-        <p:nvSpPr>
-          <p:cNvPr id="11" name="Subtitle 2">
-            <a:extLst>
-              <a:ext uri="{FF2B5EF4-FFF2-40B4-BE49-F238E27FC236}">
-                <a16:creationId xmlns:a16="http://schemas.microsoft.com/office/drawing/2014/main" id="{3042CAB9-FC23-40C0-9E00-9C232D022181}"/>
-              </a:ext>
-            </a:extLst>
-          </p:cNvPr>
-          <p:cNvSpPr txBox="1">
-            <a:spLocks/>
-          </p:cNvSpPr>
-          <p:nvPr/>
-        </p:nvSpPr>
-        <p:spPr>
-          <a:xfrm>
-            <a:off x="581191" y="5903345"/>
-            <a:ext cx="10993546" cy="484822"/>
-          </a:xfrm>
-          <a:prstGeom prst="rect">
-            <a:avLst/>
-          </a:prstGeom>
-        </p:spPr>
-        <p:txBody>
-          <a:bodyPr vert="horz" lIns="91440" tIns="45720" rIns="91440" bIns="45720" rtlCol="0" anchor="t">
-            <a:normAutofit/>
-          </a:bodyPr>
-          <a:lstStyle>
-            <a:lvl1pPr marL="0" indent="0" algn="l" defTabSz="457200" rtl="0" eaLnBrk="1" latinLnBrk="0" hangingPunct="1">
-              <a:spcBef>
-                <a:spcPct val="20000"/>
-              </a:spcBef>
-              <a:spcAft>
-                <a:spcPts val="600"/>
-              </a:spcAft>
-              <a:buClr>
-                <a:schemeClr val="accent2"/>
-              </a:buClr>
-              <a:buSzPct val="92000"/>
-              <a:buFont typeface="Wingdings 2" panose="05020102010507070707" pitchFamily="18" charset="2"/>
-              <a:buNone/>
-              <a:defRPr sz="1600" kern="1200" cap="all">
-                <a:solidFill>
-                  <a:schemeClr val="accent2"/>
-                </a:solidFill>
-                <a:latin typeface="+mn-lt"/>
-                <a:ea typeface="+mn-ea"/>
-                <a:cs typeface="+mn-cs"/>
-              </a:defRPr>
-            </a:lvl1pPr>
-            <a:lvl2pPr marL="457200" indent="0" algn="ctr" defTabSz="457200" rtl="0" eaLnBrk="1" latinLnBrk="0" hangingPunct="1">
-              <a:spcBef>
-                <a:spcPct val="20000"/>
-              </a:spcBef>
-              <a:spcAft>
-                <a:spcPts val="600"/>
-              </a:spcAft>
-              <a:buClr>
-                <a:schemeClr val="accent2"/>
-              </a:buClr>
-              <a:buSzPct val="92000"/>
-              <a:buFont typeface="Wingdings 2" panose="05020102010507070707" pitchFamily="18" charset="2"/>
-              <a:buNone/>
-              <a:defRPr sz="1600" kern="1200">
-                <a:solidFill>
-                  <a:schemeClr val="tx1">
-                    <a:tint val="75000"/>
-                  </a:schemeClr>
-                </a:solidFill>
-                <a:latin typeface="+mn-lt"/>
-                <a:ea typeface="+mn-ea"/>
-                <a:cs typeface="+mn-cs"/>
-              </a:defRPr>
-            </a:lvl2pPr>
-            <a:lvl3pPr marL="914400" indent="0" algn="ctr" defTabSz="457200" rtl="0" eaLnBrk="1" latinLnBrk="0" hangingPunct="1">
-              <a:spcBef>
-                <a:spcPct val="20000"/>
-              </a:spcBef>
-              <a:spcAft>
-                <a:spcPts val="600"/>
-              </a:spcAft>
-              <a:buClr>
-                <a:schemeClr val="accent2"/>
-              </a:buClr>
-              <a:buSzPct val="92000"/>
-              <a:buFont typeface="Wingdings 2" panose="05020102010507070707" pitchFamily="18" charset="2"/>
-              <a:buNone/>
-              <a:defRPr sz="1400" kern="1200">
-                <a:solidFill>
-                  <a:schemeClr val="tx1">
-                    <a:tint val="75000"/>
-                  </a:schemeClr>
-                </a:solidFill>
-                <a:latin typeface="+mn-lt"/>
-                <a:ea typeface="+mn-ea"/>
-                <a:cs typeface="+mn-cs"/>
-              </a:defRPr>
-            </a:lvl3pPr>
-            <a:lvl4pPr marL="1371600" indent="0" algn="ctr" defTabSz="457200" rtl="0" eaLnBrk="1" latinLnBrk="0" hangingPunct="1">
-              <a:spcBef>
-                <a:spcPct val="20000"/>
-              </a:spcBef>
-              <a:spcAft>
-                <a:spcPts val="600"/>
-              </a:spcAft>
-              <a:buClr>
-                <a:schemeClr val="accent2"/>
-              </a:buClr>
-              <a:buSzPct val="92000"/>
-              <a:buFont typeface="Wingdings 2" panose="05020102010507070707" pitchFamily="18" charset="2"/>
-              <a:buNone/>
-              <a:defRPr sz="1200" kern="1200">
-                <a:solidFill>
-                  <a:schemeClr val="tx1">
-                    <a:tint val="75000"/>
-                  </a:schemeClr>
-                </a:solidFill>
-                <a:latin typeface="+mn-lt"/>
-                <a:ea typeface="+mn-ea"/>
-                <a:cs typeface="+mn-cs"/>
-              </a:defRPr>
-            </a:lvl4pPr>
-            <a:lvl5pPr marL="1828800" indent="0" algn="ctr" defTabSz="457200" rtl="0" eaLnBrk="1" latinLnBrk="0" hangingPunct="1">
-              <a:spcBef>
-                <a:spcPct val="20000"/>
-              </a:spcBef>
-              <a:spcAft>
-                <a:spcPts val="600"/>
-              </a:spcAft>
-              <a:buClr>
-                <a:schemeClr val="accent2"/>
-              </a:buClr>
-              <a:buSzPct val="92000"/>
-              <a:buFont typeface="Wingdings 2" panose="05020102010507070707" pitchFamily="18" charset="2"/>
-              <a:buNone/>
-              <a:defRPr sz="1200" kern="1200">
-                <a:solidFill>
-                  <a:schemeClr val="tx1">
-                    <a:tint val="75000"/>
-                  </a:schemeClr>
-                </a:solidFill>
-                <a:latin typeface="+mn-lt"/>
-                <a:ea typeface="+mn-ea"/>
-                <a:cs typeface="+mn-cs"/>
-              </a:defRPr>
-            </a:lvl5pPr>
-            <a:lvl6pPr marL="2286000" indent="0" algn="ctr" defTabSz="457200" rtl="0" eaLnBrk="1" latinLnBrk="0" hangingPunct="1">
-              <a:spcBef>
-                <a:spcPct val="20000"/>
-              </a:spcBef>
-              <a:spcAft>
-                <a:spcPts val="600"/>
-              </a:spcAft>
-              <a:buClr>
-                <a:schemeClr val="accent2"/>
-              </a:buClr>
-              <a:buSzPct val="92000"/>
-              <a:buFont typeface="Wingdings 2" panose="05020102010507070707" pitchFamily="18" charset="2"/>
-              <a:buNone/>
-              <a:defRPr sz="1200" kern="1200">
-                <a:solidFill>
-                  <a:schemeClr val="tx1">
-                    <a:tint val="75000"/>
-                  </a:schemeClr>
-                </a:solidFill>
-                <a:latin typeface="+mn-lt"/>
-                <a:ea typeface="+mn-ea"/>
-                <a:cs typeface="+mn-cs"/>
-              </a:defRPr>
-            </a:lvl6pPr>
-            <a:lvl7pPr marL="2743200" indent="0" algn="ctr" defTabSz="457200" rtl="0" eaLnBrk="1" latinLnBrk="0" hangingPunct="1">
-              <a:spcBef>
-                <a:spcPct val="20000"/>
-              </a:spcBef>
-              <a:spcAft>
-                <a:spcPts val="600"/>
-              </a:spcAft>
-              <a:buClr>
-                <a:schemeClr val="accent2"/>
-              </a:buClr>
-              <a:buSzPct val="92000"/>
-              <a:buFont typeface="Wingdings 2" panose="05020102010507070707" pitchFamily="18" charset="2"/>
-              <a:buNone/>
-              <a:defRPr sz="1200" kern="1200">
-                <a:solidFill>
-                  <a:schemeClr val="tx1">
-                    <a:tint val="75000"/>
-                  </a:schemeClr>
-                </a:solidFill>
-                <a:latin typeface="+mn-lt"/>
-                <a:ea typeface="+mn-ea"/>
-                <a:cs typeface="+mn-cs"/>
-              </a:defRPr>
-            </a:lvl7pPr>
-            <a:lvl8pPr marL="3200400" indent="0" algn="ctr" defTabSz="457200" rtl="0" eaLnBrk="1" latinLnBrk="0" hangingPunct="1">
-              <a:spcBef>
-                <a:spcPct val="20000"/>
-              </a:spcBef>
-              <a:spcAft>
-                <a:spcPts val="600"/>
-              </a:spcAft>
-              <a:buClr>
-                <a:schemeClr val="accent2"/>
-              </a:buClr>
-              <a:buSzPct val="92000"/>
-              <a:buFont typeface="Wingdings 2" panose="05020102010507070707" pitchFamily="18" charset="2"/>
-              <a:buNone/>
-              <a:defRPr sz="1200" kern="1200">
-                <a:solidFill>
-                  <a:schemeClr val="tx1">
-                    <a:tint val="75000"/>
-                  </a:schemeClr>
-                </a:solidFill>
-                <a:latin typeface="+mn-lt"/>
-                <a:ea typeface="+mn-ea"/>
-                <a:cs typeface="+mn-cs"/>
-              </a:defRPr>
-            </a:lvl8pPr>
-            <a:lvl9pPr marL="3657600" indent="0" algn="ctr" defTabSz="457200" rtl="0" eaLnBrk="1" latinLnBrk="0" hangingPunct="1">
-              <a:spcBef>
-                <a:spcPct val="20000"/>
-              </a:spcBef>
-              <a:spcAft>
-                <a:spcPts val="600"/>
-              </a:spcAft>
-              <a:buClr>
-                <a:schemeClr val="accent2"/>
-              </a:buClr>
-              <a:buSzPct val="92000"/>
-              <a:buFont typeface="Wingdings 2" panose="05020102010507070707" pitchFamily="18" charset="2"/>
-              <a:buNone/>
-              <a:defRPr sz="1200" kern="1200">
-                <a:solidFill>
-                  <a:schemeClr val="tx1">
-                    <a:tint val="75000"/>
-                  </a:schemeClr>
-                </a:solidFill>
-                <a:latin typeface="+mn-lt"/>
-                <a:ea typeface="+mn-ea"/>
-                <a:cs typeface="+mn-cs"/>
-              </a:defRPr>
-            </a:lvl9pPr>
-          </a:lstStyle>
-          <a:p>
-            <a:pPr algn="r"/>
-            <a:r>
-              <a:rPr lang="en-US" dirty="0">
-                <a:solidFill>
-                  <a:srgbClr val="7CEBFF"/>
-                </a:solidFill>
-              </a:rPr>
-              <a:t>Ravikanth Chaganti</a:t>
-            </a:r>
-          </a:p>
-        </p:txBody>
-      </p:sp>
-      <p:sp>
-        <p:nvSpPr>
-          <p:cNvPr id="4" name="TextBox 3">
-            <a:extLst>
-              <a:ext uri="{FF2B5EF4-FFF2-40B4-BE49-F238E27FC236}">
-                <a16:creationId xmlns:a16="http://schemas.microsoft.com/office/drawing/2014/main" id="{DB23D44C-61E8-466E-A339-C98C059D1740}"/>
-              </a:ext>
-            </a:extLst>
-          </p:cNvPr>
-          <p:cNvSpPr txBox="1"/>
-          <p:nvPr/>
-        </p:nvSpPr>
-        <p:spPr>
-          <a:xfrm>
-            <a:off x="11008772" y="4428067"/>
-            <a:ext cx="734496" cy="369332"/>
-          </a:xfrm>
-          <a:prstGeom prst="rect">
-            <a:avLst/>
-          </a:prstGeom>
-          <a:noFill/>
-        </p:spPr>
-        <p:txBody>
-          <a:bodyPr wrap="none" rtlCol="0">
-            <a:spAutoFit/>
-          </a:bodyPr>
-          <a:lstStyle/>
-          <a:p>
-            <a:r>
-              <a:rPr lang="en-US" dirty="0">
-                <a:solidFill>
-                  <a:schemeClr val="accent5">
-                    <a:lumMod val="75000"/>
-                  </a:schemeClr>
-                </a:solidFill>
-              </a:rPr>
-              <a:t>v0.1.0</a:t>
-            </a:r>
-            <a:endParaRPr lang="en-IN" dirty="0">
-              <a:solidFill>
-                <a:schemeClr val="accent5">
-                  <a:lumMod val="75000"/>
-                </a:schemeClr>
-              </a:solidFill>
-            </a:endParaRPr>
-          </a:p>
-        </p:txBody>
-      </p:sp>
-    </p:spTree>
-    <p:extLst>
-      <p:ext uri="{BB962C8B-B14F-4D97-AF65-F5344CB8AC3E}">
-        <p14:creationId xmlns:p14="http://schemas.microsoft.com/office/powerpoint/2010/main" val="1487700712"/>
-      </p:ext>
-    </p:extLst>
-  </p:cSld>
-  <p:clrMapOvr>
-    <a:masterClrMapping/>
-  </p:clrMapOvr>
-</p:sld>
-</file>
-
-<file path=ppt/slides/slide20.xml><?xml version="1.0" encoding="utf-8"?>
+<file path=ppt/slides/slide19.xml><?xml version="1.0" encoding="utf-8"?>
 <p:sld xmlns:a="http://schemas.openxmlformats.org/drawingml/2006/main" xmlns:r="http://schemas.openxmlformats.org/officeDocument/2006/relationships" xmlns:p="http://schemas.openxmlformats.org/presentationml/2006/main">
   <p:cSld>
     <p:spTree>
@@ -18036,951 +17770,7 @@
 </p:sld>
 </file>
 
-<file path=ppt/slides/slide21.xml><?xml version="1.0" encoding="utf-8"?>
-<p:sld xmlns:a="http://schemas.openxmlformats.org/drawingml/2006/main" xmlns:r="http://schemas.openxmlformats.org/officeDocument/2006/relationships" xmlns:p="http://schemas.openxmlformats.org/presentationml/2006/main">
-  <p:cSld>
-    <p:spTree>
-      <p:nvGrpSpPr>
-        <p:cNvPr id="1" name=""/>
-        <p:cNvGrpSpPr/>
-        <p:nvPr/>
-      </p:nvGrpSpPr>
-      <p:grpSpPr>
-        <a:xfrm>
-          <a:off x="0" y="0"/>
-          <a:ext cx="0" cy="0"/>
-          <a:chOff x="0" y="0"/>
-          <a:chExt cx="0" cy="0"/>
-        </a:xfrm>
-      </p:grpSpPr>
-      <p:sp>
-        <p:nvSpPr>
-          <p:cNvPr id="2" name="Title 1">
-            <a:extLst>
-              <a:ext uri="{FF2B5EF4-FFF2-40B4-BE49-F238E27FC236}">
-                <a16:creationId xmlns:a16="http://schemas.microsoft.com/office/drawing/2014/main" id="{844FEEE8-13A9-4957-BDC8-D3B909C39A9B}"/>
-              </a:ext>
-            </a:extLst>
-          </p:cNvPr>
-          <p:cNvSpPr>
-            <a:spLocks noGrp="1"/>
-          </p:cNvSpPr>
-          <p:nvPr>
-            <p:ph type="ctrTitle"/>
-          </p:nvPr>
-        </p:nvSpPr>
-        <p:spPr/>
-        <p:txBody>
-          <a:bodyPr/>
-          <a:lstStyle/>
-          <a:p>
-            <a:r>
-              <a:rPr lang="en-US" dirty="0"/>
-              <a:t>Module 03 – Terraform with azure</a:t>
-            </a:r>
-            <a:endParaRPr lang="en-IN" dirty="0"/>
-          </a:p>
-        </p:txBody>
-      </p:sp>
-      <p:sp>
-        <p:nvSpPr>
-          <p:cNvPr id="3" name="Subtitle 2">
-            <a:extLst>
-              <a:ext uri="{FF2B5EF4-FFF2-40B4-BE49-F238E27FC236}">
-                <a16:creationId xmlns:a16="http://schemas.microsoft.com/office/drawing/2014/main" id="{EA2C9B1A-B644-4528-87B6-7EA75152F28A}"/>
-              </a:ext>
-            </a:extLst>
-          </p:cNvPr>
-          <p:cNvSpPr>
-            <a:spLocks noGrp="1"/>
-          </p:cNvSpPr>
-          <p:nvPr>
-            <p:ph type="subTitle" idx="1"/>
-          </p:nvPr>
-        </p:nvSpPr>
-        <p:spPr/>
-        <p:txBody>
-          <a:bodyPr/>
-          <a:lstStyle/>
-          <a:p>
-            <a:r>
-              <a:rPr lang="en-US" dirty="0"/>
-              <a:t>authentication</a:t>
-            </a:r>
-            <a:endParaRPr lang="en-IN" dirty="0"/>
-          </a:p>
-        </p:txBody>
-      </p:sp>
-    </p:spTree>
-    <p:extLst>
-      <p:ext uri="{BB962C8B-B14F-4D97-AF65-F5344CB8AC3E}">
-        <p14:creationId xmlns:p14="http://schemas.microsoft.com/office/powerpoint/2010/main" val="1768383517"/>
-      </p:ext>
-    </p:extLst>
-  </p:cSld>
-  <p:clrMapOvr>
-    <a:masterClrMapping/>
-  </p:clrMapOvr>
-</p:sld>
-</file>
-
-<file path=ppt/slides/slide22.xml><?xml version="1.0" encoding="utf-8"?>
-<p:sld xmlns:a="http://schemas.openxmlformats.org/drawingml/2006/main" xmlns:r="http://schemas.openxmlformats.org/officeDocument/2006/relationships" xmlns:p="http://schemas.openxmlformats.org/presentationml/2006/main">
-  <p:cSld>
-    <p:spTree>
-      <p:nvGrpSpPr>
-        <p:cNvPr id="1" name=""/>
-        <p:cNvGrpSpPr/>
-        <p:nvPr/>
-      </p:nvGrpSpPr>
-      <p:grpSpPr>
-        <a:xfrm>
-          <a:off x="0" y="0"/>
-          <a:ext cx="0" cy="0"/>
-          <a:chOff x="0" y="0"/>
-          <a:chExt cx="0" cy="0"/>
-        </a:xfrm>
-      </p:grpSpPr>
-      <p:sp>
-        <p:nvSpPr>
-          <p:cNvPr id="2" name="Title 1">
-            <a:extLst>
-              <a:ext uri="{FF2B5EF4-FFF2-40B4-BE49-F238E27FC236}">
-                <a16:creationId xmlns:a16="http://schemas.microsoft.com/office/drawing/2014/main" id="{4F907E50-16FB-429D-A59C-D8F026E79EEE}"/>
-              </a:ext>
-            </a:extLst>
-          </p:cNvPr>
-          <p:cNvSpPr>
-            <a:spLocks noGrp="1"/>
-          </p:cNvSpPr>
-          <p:nvPr>
-            <p:ph type="title"/>
-          </p:nvPr>
-        </p:nvSpPr>
-        <p:spPr/>
-        <p:txBody>
-          <a:bodyPr/>
-          <a:lstStyle/>
-          <a:p>
-            <a:r>
-              <a:rPr lang="en-US" dirty="0"/>
-              <a:t>Authenticating with Azure</a:t>
-            </a:r>
-            <a:endParaRPr lang="en-IN" dirty="0"/>
-          </a:p>
-        </p:txBody>
-      </p:sp>
-      <p:sp>
-        <p:nvSpPr>
-          <p:cNvPr id="3" name="Content Placeholder 2">
-            <a:extLst>
-              <a:ext uri="{FF2B5EF4-FFF2-40B4-BE49-F238E27FC236}">
-                <a16:creationId xmlns:a16="http://schemas.microsoft.com/office/drawing/2014/main" id="{7970F29E-D8CF-42CB-8879-E774315C2FA1}"/>
-              </a:ext>
-            </a:extLst>
-          </p:cNvPr>
-          <p:cNvSpPr>
-            <a:spLocks noGrp="1"/>
-          </p:cNvSpPr>
-          <p:nvPr>
-            <p:ph idx="1"/>
-          </p:nvPr>
-        </p:nvSpPr>
-        <p:spPr/>
-        <p:txBody>
-          <a:bodyPr/>
-          <a:lstStyle/>
-          <a:p>
-            <a:r>
-              <a:rPr lang="en-US" dirty="0"/>
-              <a:t>Azure Cloud Shell</a:t>
-            </a:r>
-          </a:p>
-          <a:p>
-            <a:r>
-              <a:rPr lang="en-US" dirty="0"/>
-              <a:t>Azure CLI</a:t>
-            </a:r>
-          </a:p>
-          <a:p>
-            <a:r>
-              <a:rPr lang="en-US" dirty="0"/>
-              <a:t>Azure Service Principal – Client Secret</a:t>
-            </a:r>
-          </a:p>
-          <a:p>
-            <a:r>
-              <a:rPr lang="en-US" dirty="0"/>
-              <a:t>Azure Service Principal – Client Certificate</a:t>
-            </a:r>
-          </a:p>
-          <a:p>
-            <a:r>
-              <a:rPr lang="en-US" dirty="0"/>
-              <a:t>Azure Managed System Identity (MSI)</a:t>
-            </a:r>
-            <a:endParaRPr lang="en-IN" dirty="0"/>
-          </a:p>
-        </p:txBody>
-      </p:sp>
-    </p:spTree>
-    <p:extLst>
-      <p:ext uri="{BB962C8B-B14F-4D97-AF65-F5344CB8AC3E}">
-        <p14:creationId xmlns:p14="http://schemas.microsoft.com/office/powerpoint/2010/main" val="3486672214"/>
-      </p:ext>
-    </p:extLst>
-  </p:cSld>
-  <p:clrMapOvr>
-    <a:masterClrMapping/>
-  </p:clrMapOvr>
-</p:sld>
-</file>
-
-<file path=ppt/slides/slide23.xml><?xml version="1.0" encoding="utf-8"?>
-<p:sld xmlns:a="http://schemas.openxmlformats.org/drawingml/2006/main" xmlns:r="http://schemas.openxmlformats.org/officeDocument/2006/relationships" xmlns:p="http://schemas.openxmlformats.org/presentationml/2006/main">
-  <p:cSld>
-    <p:spTree>
-      <p:nvGrpSpPr>
-        <p:cNvPr id="1" name=""/>
-        <p:cNvGrpSpPr/>
-        <p:nvPr/>
-      </p:nvGrpSpPr>
-      <p:grpSpPr>
-        <a:xfrm>
-          <a:off x="0" y="0"/>
-          <a:ext cx="0" cy="0"/>
-          <a:chOff x="0" y="0"/>
-          <a:chExt cx="0" cy="0"/>
-        </a:xfrm>
-      </p:grpSpPr>
-      <p:sp>
-        <p:nvSpPr>
-          <p:cNvPr id="2" name="Title 1">
-            <a:extLst>
-              <a:ext uri="{FF2B5EF4-FFF2-40B4-BE49-F238E27FC236}">
-                <a16:creationId xmlns:a16="http://schemas.microsoft.com/office/drawing/2014/main" id="{9D93DD31-663D-4A0D-AB74-E219E0AF7649}"/>
-              </a:ext>
-            </a:extLst>
-          </p:cNvPr>
-          <p:cNvSpPr>
-            <a:spLocks noGrp="1"/>
-          </p:cNvSpPr>
-          <p:nvPr>
-            <p:ph type="title"/>
-          </p:nvPr>
-        </p:nvSpPr>
-        <p:spPr/>
-        <p:txBody>
-          <a:bodyPr/>
-          <a:lstStyle/>
-          <a:p>
-            <a:r>
-              <a:rPr lang="en-US" dirty="0"/>
-              <a:t>Azure Cloud Shell</a:t>
-            </a:r>
-            <a:endParaRPr lang="en-IN" dirty="0"/>
-          </a:p>
-        </p:txBody>
-      </p:sp>
-      <p:sp>
-        <p:nvSpPr>
-          <p:cNvPr id="3" name="Content Placeholder 2">
-            <a:extLst>
-              <a:ext uri="{FF2B5EF4-FFF2-40B4-BE49-F238E27FC236}">
-                <a16:creationId xmlns:a16="http://schemas.microsoft.com/office/drawing/2014/main" id="{06096A7D-FEDA-4E34-8E33-94598C21DC41}"/>
-              </a:ext>
-            </a:extLst>
-          </p:cNvPr>
-          <p:cNvSpPr>
-            <a:spLocks noGrp="1"/>
-          </p:cNvSpPr>
-          <p:nvPr>
-            <p:ph idx="1"/>
-          </p:nvPr>
-        </p:nvSpPr>
-        <p:spPr/>
-        <p:txBody>
-          <a:bodyPr/>
-          <a:lstStyle/>
-          <a:p>
-            <a:r>
-              <a:rPr lang="en-US" dirty="0"/>
-              <a:t>Built into the Azure portal</a:t>
-            </a:r>
-          </a:p>
-          <a:p>
-            <a:r>
-              <a:rPr lang="en-US" dirty="0"/>
-              <a:t>Can be accessed via Visual Studio Code</a:t>
-            </a:r>
-          </a:p>
-          <a:p>
-            <a:r>
-              <a:rPr lang="en-US" dirty="0"/>
-              <a:t>Pre-authenticated</a:t>
-            </a:r>
-          </a:p>
-          <a:p>
-            <a:r>
-              <a:rPr lang="en-US" dirty="0"/>
-              <a:t>Comes with latest provisioning and configuration management tools</a:t>
-            </a:r>
-          </a:p>
-          <a:p>
-            <a:pPr lvl="1"/>
-            <a:r>
-              <a:rPr lang="en-US" dirty="0"/>
-              <a:t>Terraform</a:t>
-            </a:r>
-          </a:p>
-          <a:p>
-            <a:pPr lvl="1"/>
-            <a:r>
-              <a:rPr lang="en-US" dirty="0"/>
-              <a:t>Ansible</a:t>
-            </a:r>
-          </a:p>
-          <a:p>
-            <a:pPr lvl="1"/>
-            <a:r>
-              <a:rPr lang="en-US" dirty="0"/>
-              <a:t>Azure CLI</a:t>
-            </a:r>
-          </a:p>
-          <a:p>
-            <a:pPr lvl="1"/>
-            <a:r>
-              <a:rPr lang="en-US" dirty="0"/>
-              <a:t>Azure PowerShell</a:t>
-            </a:r>
-          </a:p>
-          <a:p>
-            <a:r>
-              <a:rPr lang="en-US" dirty="0"/>
-              <a:t>For interactive use!</a:t>
-            </a:r>
-          </a:p>
-          <a:p>
-            <a:endParaRPr lang="en-IN" dirty="0"/>
-          </a:p>
-        </p:txBody>
-      </p:sp>
-    </p:spTree>
-    <p:extLst>
-      <p:ext uri="{BB962C8B-B14F-4D97-AF65-F5344CB8AC3E}">
-        <p14:creationId xmlns:p14="http://schemas.microsoft.com/office/powerpoint/2010/main" val="3544236788"/>
-      </p:ext>
-    </p:extLst>
-  </p:cSld>
-  <p:clrMapOvr>
-    <a:masterClrMapping/>
-  </p:clrMapOvr>
-</p:sld>
-</file>
-
-<file path=ppt/slides/slide24.xml><?xml version="1.0" encoding="utf-8"?>
-<p:sld xmlns:a="http://schemas.openxmlformats.org/drawingml/2006/main" xmlns:r="http://schemas.openxmlformats.org/officeDocument/2006/relationships" xmlns:p="http://schemas.openxmlformats.org/presentationml/2006/main">
-  <p:cSld>
-    <p:spTree>
-      <p:nvGrpSpPr>
-        <p:cNvPr id="1" name=""/>
-        <p:cNvGrpSpPr/>
-        <p:nvPr/>
-      </p:nvGrpSpPr>
-      <p:grpSpPr>
-        <a:xfrm>
-          <a:off x="0" y="0"/>
-          <a:ext cx="0" cy="0"/>
-          <a:chOff x="0" y="0"/>
-          <a:chExt cx="0" cy="0"/>
-        </a:xfrm>
-      </p:grpSpPr>
-      <p:sp>
-        <p:nvSpPr>
-          <p:cNvPr id="2" name="Title 1">
-            <a:extLst>
-              <a:ext uri="{FF2B5EF4-FFF2-40B4-BE49-F238E27FC236}">
-                <a16:creationId xmlns:a16="http://schemas.microsoft.com/office/drawing/2014/main" id="{38BAE494-D94E-45E8-BD5C-B294CDD3A5C9}"/>
-              </a:ext>
-            </a:extLst>
-          </p:cNvPr>
-          <p:cNvSpPr>
-            <a:spLocks noGrp="1"/>
-          </p:cNvSpPr>
-          <p:nvPr>
-            <p:ph type="title"/>
-          </p:nvPr>
-        </p:nvSpPr>
-        <p:spPr/>
-        <p:txBody>
-          <a:bodyPr/>
-          <a:lstStyle/>
-          <a:p>
-            <a:r>
-              <a:rPr lang="en-US" dirty="0"/>
-              <a:t>Hands On</a:t>
-            </a:r>
-            <a:endParaRPr lang="en-IN" dirty="0"/>
-          </a:p>
-        </p:txBody>
-      </p:sp>
-      <p:sp>
-        <p:nvSpPr>
-          <p:cNvPr id="3" name="Text Placeholder 2">
-            <a:extLst>
-              <a:ext uri="{FF2B5EF4-FFF2-40B4-BE49-F238E27FC236}">
-                <a16:creationId xmlns:a16="http://schemas.microsoft.com/office/drawing/2014/main" id="{82ED3B88-5839-4033-8E82-CC69E392CF17}"/>
-              </a:ext>
-            </a:extLst>
-          </p:cNvPr>
-          <p:cNvSpPr>
-            <a:spLocks noGrp="1"/>
-          </p:cNvSpPr>
-          <p:nvPr>
-            <p:ph type="body" idx="1"/>
-          </p:nvPr>
-        </p:nvSpPr>
-        <p:spPr/>
-        <p:txBody>
-          <a:bodyPr/>
-          <a:lstStyle/>
-          <a:p>
-            <a:r>
-              <a:rPr lang="en-US" dirty="0"/>
-              <a:t>Terraform in Cloud Shell</a:t>
-            </a:r>
-            <a:endParaRPr lang="en-IN" dirty="0"/>
-          </a:p>
-        </p:txBody>
-      </p:sp>
-    </p:spTree>
-    <p:extLst>
-      <p:ext uri="{BB962C8B-B14F-4D97-AF65-F5344CB8AC3E}">
-        <p14:creationId xmlns:p14="http://schemas.microsoft.com/office/powerpoint/2010/main" val="808420018"/>
-      </p:ext>
-    </p:extLst>
-  </p:cSld>
-  <p:clrMapOvr>
-    <a:masterClrMapping/>
-  </p:clrMapOvr>
-</p:sld>
-</file>
-
-<file path=ppt/slides/slide25.xml><?xml version="1.0" encoding="utf-8"?>
-<p:sld xmlns:a="http://schemas.openxmlformats.org/drawingml/2006/main" xmlns:r="http://schemas.openxmlformats.org/officeDocument/2006/relationships" xmlns:p="http://schemas.openxmlformats.org/presentationml/2006/main">
-  <p:cSld>
-    <p:spTree>
-      <p:nvGrpSpPr>
-        <p:cNvPr id="1" name=""/>
-        <p:cNvGrpSpPr/>
-        <p:nvPr/>
-      </p:nvGrpSpPr>
-      <p:grpSpPr>
-        <a:xfrm>
-          <a:off x="0" y="0"/>
-          <a:ext cx="0" cy="0"/>
-          <a:chOff x="0" y="0"/>
-          <a:chExt cx="0" cy="0"/>
-        </a:xfrm>
-      </p:grpSpPr>
-      <p:sp>
-        <p:nvSpPr>
-          <p:cNvPr id="2" name="Title 1">
-            <a:extLst>
-              <a:ext uri="{FF2B5EF4-FFF2-40B4-BE49-F238E27FC236}">
-                <a16:creationId xmlns:a16="http://schemas.microsoft.com/office/drawing/2014/main" id="{9D93DD31-663D-4A0D-AB74-E219E0AF7649}"/>
-              </a:ext>
-            </a:extLst>
-          </p:cNvPr>
-          <p:cNvSpPr>
-            <a:spLocks noGrp="1"/>
-          </p:cNvSpPr>
-          <p:nvPr>
-            <p:ph type="title"/>
-          </p:nvPr>
-        </p:nvSpPr>
-        <p:spPr/>
-        <p:txBody>
-          <a:bodyPr/>
-          <a:lstStyle/>
-          <a:p>
-            <a:r>
-              <a:rPr lang="en-US" dirty="0"/>
-              <a:t>Azure Service Principal – Client Secret</a:t>
-            </a:r>
-            <a:endParaRPr lang="en-IN" dirty="0"/>
-          </a:p>
-        </p:txBody>
-      </p:sp>
-      <p:sp>
-        <p:nvSpPr>
-          <p:cNvPr id="3" name="Content Placeholder 2">
-            <a:extLst>
-              <a:ext uri="{FF2B5EF4-FFF2-40B4-BE49-F238E27FC236}">
-                <a16:creationId xmlns:a16="http://schemas.microsoft.com/office/drawing/2014/main" id="{06096A7D-FEDA-4E34-8E33-94598C21DC41}"/>
-              </a:ext>
-            </a:extLst>
-          </p:cNvPr>
-          <p:cNvSpPr>
-            <a:spLocks noGrp="1"/>
-          </p:cNvSpPr>
-          <p:nvPr>
-            <p:ph idx="1"/>
-          </p:nvPr>
-        </p:nvSpPr>
-        <p:spPr/>
-        <p:txBody>
-          <a:bodyPr/>
-          <a:lstStyle/>
-          <a:p>
-            <a:r>
-              <a:rPr lang="en-US" dirty="0"/>
-              <a:t>Uses Azure Active Directory application service principal</a:t>
-            </a:r>
-          </a:p>
-          <a:p>
-            <a:r>
-              <a:rPr lang="en-US" dirty="0"/>
-              <a:t>Client secret and client ID are required</a:t>
-            </a:r>
-          </a:p>
-          <a:p>
-            <a:pPr lvl="1"/>
-            <a:r>
-              <a:rPr lang="en-US" dirty="0"/>
-              <a:t>Specified as a part of provider configuration</a:t>
-            </a:r>
-          </a:p>
-          <a:p>
-            <a:pPr lvl="1"/>
-            <a:r>
-              <a:rPr lang="en-US" dirty="0"/>
-              <a:t>Specified as environment variables</a:t>
-            </a:r>
-          </a:p>
-          <a:p>
-            <a:r>
-              <a:rPr lang="en-US" dirty="0"/>
-              <a:t>Good for automated deployments via CI &amp; CD</a:t>
-            </a:r>
-            <a:endParaRPr lang="en-IN" dirty="0"/>
-          </a:p>
-        </p:txBody>
-      </p:sp>
-    </p:spTree>
-    <p:extLst>
-      <p:ext uri="{BB962C8B-B14F-4D97-AF65-F5344CB8AC3E}">
-        <p14:creationId xmlns:p14="http://schemas.microsoft.com/office/powerpoint/2010/main" val="829771010"/>
-      </p:ext>
-    </p:extLst>
-  </p:cSld>
-  <p:clrMapOvr>
-    <a:masterClrMapping/>
-  </p:clrMapOvr>
-</p:sld>
-</file>
-
-<file path=ppt/slides/slide26.xml><?xml version="1.0" encoding="utf-8"?>
-<p:sld xmlns:a="http://schemas.openxmlformats.org/drawingml/2006/main" xmlns:r="http://schemas.openxmlformats.org/officeDocument/2006/relationships" xmlns:p="http://schemas.openxmlformats.org/presentationml/2006/main">
-  <p:cSld>
-    <p:spTree>
-      <p:nvGrpSpPr>
-        <p:cNvPr id="1" name=""/>
-        <p:cNvGrpSpPr/>
-        <p:nvPr/>
-      </p:nvGrpSpPr>
-      <p:grpSpPr>
-        <a:xfrm>
-          <a:off x="0" y="0"/>
-          <a:ext cx="0" cy="0"/>
-          <a:chOff x="0" y="0"/>
-          <a:chExt cx="0" cy="0"/>
-        </a:xfrm>
-      </p:grpSpPr>
-      <p:sp>
-        <p:nvSpPr>
-          <p:cNvPr id="2" name="Title 1">
-            <a:extLst>
-              <a:ext uri="{FF2B5EF4-FFF2-40B4-BE49-F238E27FC236}">
-                <a16:creationId xmlns:a16="http://schemas.microsoft.com/office/drawing/2014/main" id="{38BAE494-D94E-45E8-BD5C-B294CDD3A5C9}"/>
-              </a:ext>
-            </a:extLst>
-          </p:cNvPr>
-          <p:cNvSpPr>
-            <a:spLocks noGrp="1"/>
-          </p:cNvSpPr>
-          <p:nvPr>
-            <p:ph type="title"/>
-          </p:nvPr>
-        </p:nvSpPr>
-        <p:spPr/>
-        <p:txBody>
-          <a:bodyPr/>
-          <a:lstStyle/>
-          <a:p>
-            <a:r>
-              <a:rPr lang="en-US" dirty="0"/>
-              <a:t>Hands On</a:t>
-            </a:r>
-            <a:endParaRPr lang="en-IN" dirty="0"/>
-          </a:p>
-        </p:txBody>
-      </p:sp>
-      <p:sp>
-        <p:nvSpPr>
-          <p:cNvPr id="3" name="Text Placeholder 2">
-            <a:extLst>
-              <a:ext uri="{FF2B5EF4-FFF2-40B4-BE49-F238E27FC236}">
-                <a16:creationId xmlns:a16="http://schemas.microsoft.com/office/drawing/2014/main" id="{82ED3B88-5839-4033-8E82-CC69E392CF17}"/>
-              </a:ext>
-            </a:extLst>
-          </p:cNvPr>
-          <p:cNvSpPr>
-            <a:spLocks noGrp="1"/>
-          </p:cNvSpPr>
-          <p:nvPr>
-            <p:ph type="body" idx="1"/>
-          </p:nvPr>
-        </p:nvSpPr>
-        <p:spPr/>
-        <p:txBody>
-          <a:bodyPr/>
-          <a:lstStyle/>
-          <a:p>
-            <a:r>
-              <a:rPr lang="en-US" dirty="0"/>
-              <a:t>Terraform and client secret authentication</a:t>
-            </a:r>
-            <a:endParaRPr lang="en-IN" dirty="0"/>
-          </a:p>
-        </p:txBody>
-      </p:sp>
-    </p:spTree>
-    <p:extLst>
-      <p:ext uri="{BB962C8B-B14F-4D97-AF65-F5344CB8AC3E}">
-        <p14:creationId xmlns:p14="http://schemas.microsoft.com/office/powerpoint/2010/main" val="2816028271"/>
-      </p:ext>
-    </p:extLst>
-  </p:cSld>
-  <p:clrMapOvr>
-    <a:masterClrMapping/>
-  </p:clrMapOvr>
-</p:sld>
-</file>
-
-<file path=ppt/slides/slide27.xml><?xml version="1.0" encoding="utf-8"?>
-<p:sld xmlns:a="http://schemas.openxmlformats.org/drawingml/2006/main" xmlns:r="http://schemas.openxmlformats.org/officeDocument/2006/relationships" xmlns:p="http://schemas.openxmlformats.org/presentationml/2006/main">
-  <p:cSld>
-    <p:spTree>
-      <p:nvGrpSpPr>
-        <p:cNvPr id="1" name=""/>
-        <p:cNvGrpSpPr/>
-        <p:nvPr/>
-      </p:nvGrpSpPr>
-      <p:grpSpPr>
-        <a:xfrm>
-          <a:off x="0" y="0"/>
-          <a:ext cx="0" cy="0"/>
-          <a:chOff x="0" y="0"/>
-          <a:chExt cx="0" cy="0"/>
-        </a:xfrm>
-      </p:grpSpPr>
-      <p:sp>
-        <p:nvSpPr>
-          <p:cNvPr id="2" name="Title 1">
-            <a:extLst>
-              <a:ext uri="{FF2B5EF4-FFF2-40B4-BE49-F238E27FC236}">
-                <a16:creationId xmlns:a16="http://schemas.microsoft.com/office/drawing/2014/main" id="{9D93DD31-663D-4A0D-AB74-E219E0AF7649}"/>
-              </a:ext>
-            </a:extLst>
-          </p:cNvPr>
-          <p:cNvSpPr>
-            <a:spLocks noGrp="1"/>
-          </p:cNvSpPr>
-          <p:nvPr>
-            <p:ph type="title"/>
-          </p:nvPr>
-        </p:nvSpPr>
-        <p:spPr/>
-        <p:txBody>
-          <a:bodyPr/>
-          <a:lstStyle/>
-          <a:p>
-            <a:r>
-              <a:rPr lang="en-US" dirty="0"/>
-              <a:t>Azure Service Principal – Client Certificate</a:t>
-            </a:r>
-            <a:endParaRPr lang="en-IN" dirty="0"/>
-          </a:p>
-        </p:txBody>
-      </p:sp>
-      <p:sp>
-        <p:nvSpPr>
-          <p:cNvPr id="3" name="Content Placeholder 2">
-            <a:extLst>
-              <a:ext uri="{FF2B5EF4-FFF2-40B4-BE49-F238E27FC236}">
-                <a16:creationId xmlns:a16="http://schemas.microsoft.com/office/drawing/2014/main" id="{06096A7D-FEDA-4E34-8E33-94598C21DC41}"/>
-              </a:ext>
-            </a:extLst>
-          </p:cNvPr>
-          <p:cNvSpPr>
-            <a:spLocks noGrp="1"/>
-          </p:cNvSpPr>
-          <p:nvPr>
-            <p:ph idx="1"/>
-          </p:nvPr>
-        </p:nvSpPr>
-        <p:spPr/>
-        <p:txBody>
-          <a:bodyPr/>
-          <a:lstStyle/>
-          <a:p>
-            <a:r>
-              <a:rPr lang="en-US" dirty="0"/>
-              <a:t>Uses Azure Active Directory application service principal with client </a:t>
-            </a:r>
-            <a:r>
-              <a:rPr lang="en-US" dirty="0" err="1"/>
-              <a:t>ceritificate</a:t>
-            </a:r>
-            <a:endParaRPr lang="en-US" dirty="0"/>
-          </a:p>
-          <a:p>
-            <a:r>
-              <a:rPr lang="en-US" dirty="0"/>
-              <a:t>Client secret and certificate PFX are required</a:t>
-            </a:r>
-          </a:p>
-          <a:p>
-            <a:pPr lvl="1"/>
-            <a:r>
-              <a:rPr lang="en-US" dirty="0"/>
-              <a:t>Specified as a part of provider configuration</a:t>
-            </a:r>
-          </a:p>
-          <a:p>
-            <a:pPr lvl="1"/>
-            <a:r>
-              <a:rPr lang="en-US" dirty="0"/>
-              <a:t>Specified as environment variables</a:t>
-            </a:r>
-          </a:p>
-          <a:p>
-            <a:r>
-              <a:rPr lang="en-US" dirty="0"/>
-              <a:t>Good for automated deployments via CI &amp; CD</a:t>
-            </a:r>
-            <a:endParaRPr lang="en-IN" dirty="0"/>
-          </a:p>
-        </p:txBody>
-      </p:sp>
-    </p:spTree>
-    <p:extLst>
-      <p:ext uri="{BB962C8B-B14F-4D97-AF65-F5344CB8AC3E}">
-        <p14:creationId xmlns:p14="http://schemas.microsoft.com/office/powerpoint/2010/main" val="4082874514"/>
-      </p:ext>
-    </p:extLst>
-  </p:cSld>
-  <p:clrMapOvr>
-    <a:masterClrMapping/>
-  </p:clrMapOvr>
-</p:sld>
-</file>
-
-<file path=ppt/slides/slide28.xml><?xml version="1.0" encoding="utf-8"?>
-<p:sld xmlns:a="http://schemas.openxmlformats.org/drawingml/2006/main" xmlns:r="http://schemas.openxmlformats.org/officeDocument/2006/relationships" xmlns:p="http://schemas.openxmlformats.org/presentationml/2006/main">
-  <p:cSld>
-    <p:spTree>
-      <p:nvGrpSpPr>
-        <p:cNvPr id="1" name=""/>
-        <p:cNvGrpSpPr/>
-        <p:nvPr/>
-      </p:nvGrpSpPr>
-      <p:grpSpPr>
-        <a:xfrm>
-          <a:off x="0" y="0"/>
-          <a:ext cx="0" cy="0"/>
-          <a:chOff x="0" y="0"/>
-          <a:chExt cx="0" cy="0"/>
-        </a:xfrm>
-      </p:grpSpPr>
-      <p:sp>
-        <p:nvSpPr>
-          <p:cNvPr id="2" name="Title 1">
-            <a:extLst>
-              <a:ext uri="{FF2B5EF4-FFF2-40B4-BE49-F238E27FC236}">
-                <a16:creationId xmlns:a16="http://schemas.microsoft.com/office/drawing/2014/main" id="{38BAE494-D94E-45E8-BD5C-B294CDD3A5C9}"/>
-              </a:ext>
-            </a:extLst>
-          </p:cNvPr>
-          <p:cNvSpPr>
-            <a:spLocks noGrp="1"/>
-          </p:cNvSpPr>
-          <p:nvPr>
-            <p:ph type="title"/>
-          </p:nvPr>
-        </p:nvSpPr>
-        <p:spPr/>
-        <p:txBody>
-          <a:bodyPr/>
-          <a:lstStyle/>
-          <a:p>
-            <a:r>
-              <a:rPr lang="en-US" dirty="0"/>
-              <a:t>Hands On</a:t>
-            </a:r>
-            <a:endParaRPr lang="en-IN" dirty="0"/>
-          </a:p>
-        </p:txBody>
-      </p:sp>
-      <p:sp>
-        <p:nvSpPr>
-          <p:cNvPr id="3" name="Text Placeholder 2">
-            <a:extLst>
-              <a:ext uri="{FF2B5EF4-FFF2-40B4-BE49-F238E27FC236}">
-                <a16:creationId xmlns:a16="http://schemas.microsoft.com/office/drawing/2014/main" id="{82ED3B88-5839-4033-8E82-CC69E392CF17}"/>
-              </a:ext>
-            </a:extLst>
-          </p:cNvPr>
-          <p:cNvSpPr>
-            <a:spLocks noGrp="1"/>
-          </p:cNvSpPr>
-          <p:nvPr>
-            <p:ph type="body" idx="1"/>
-          </p:nvPr>
-        </p:nvSpPr>
-        <p:spPr/>
-        <p:txBody>
-          <a:bodyPr/>
-          <a:lstStyle/>
-          <a:p>
-            <a:r>
-              <a:rPr lang="en-US" dirty="0"/>
-              <a:t>Terraform and client Certificate authentication</a:t>
-            </a:r>
-            <a:endParaRPr lang="en-IN" dirty="0"/>
-          </a:p>
-        </p:txBody>
-      </p:sp>
-    </p:spTree>
-    <p:extLst>
-      <p:ext uri="{BB962C8B-B14F-4D97-AF65-F5344CB8AC3E}">
-        <p14:creationId xmlns:p14="http://schemas.microsoft.com/office/powerpoint/2010/main" val="369643421"/>
-      </p:ext>
-    </p:extLst>
-  </p:cSld>
-  <p:clrMapOvr>
-    <a:masterClrMapping/>
-  </p:clrMapOvr>
-</p:sld>
-</file>
-
-<file path=ppt/slides/slide29.xml><?xml version="1.0" encoding="utf-8"?>
-<p:sld xmlns:a="http://schemas.openxmlformats.org/drawingml/2006/main" xmlns:r="http://schemas.openxmlformats.org/officeDocument/2006/relationships" xmlns:p="http://schemas.openxmlformats.org/presentationml/2006/main">
-  <p:cSld>
-    <p:spTree>
-      <p:nvGrpSpPr>
-        <p:cNvPr id="1" name=""/>
-        <p:cNvGrpSpPr/>
-        <p:nvPr/>
-      </p:nvGrpSpPr>
-      <p:grpSpPr>
-        <a:xfrm>
-          <a:off x="0" y="0"/>
-          <a:ext cx="0" cy="0"/>
-          <a:chOff x="0" y="0"/>
-          <a:chExt cx="0" cy="0"/>
-        </a:xfrm>
-      </p:grpSpPr>
-      <p:sp>
-        <p:nvSpPr>
-          <p:cNvPr id="2" name="Title 1">
-            <a:extLst>
-              <a:ext uri="{FF2B5EF4-FFF2-40B4-BE49-F238E27FC236}">
-                <a16:creationId xmlns:a16="http://schemas.microsoft.com/office/drawing/2014/main" id="{9D93DD31-663D-4A0D-AB74-E219E0AF7649}"/>
-              </a:ext>
-            </a:extLst>
-          </p:cNvPr>
-          <p:cNvSpPr>
-            <a:spLocks noGrp="1"/>
-          </p:cNvSpPr>
-          <p:nvPr>
-            <p:ph type="title"/>
-          </p:nvPr>
-        </p:nvSpPr>
-        <p:spPr/>
-        <p:txBody>
-          <a:bodyPr/>
-          <a:lstStyle/>
-          <a:p>
-            <a:r>
-              <a:rPr lang="en-US" dirty="0"/>
-              <a:t>Azure Service Principal – Managed System Identity</a:t>
-            </a:r>
-            <a:endParaRPr lang="en-IN" dirty="0"/>
-          </a:p>
-        </p:txBody>
-      </p:sp>
-      <p:sp>
-        <p:nvSpPr>
-          <p:cNvPr id="3" name="Content Placeholder 2">
-            <a:extLst>
-              <a:ext uri="{FF2B5EF4-FFF2-40B4-BE49-F238E27FC236}">
-                <a16:creationId xmlns:a16="http://schemas.microsoft.com/office/drawing/2014/main" id="{06096A7D-FEDA-4E34-8E33-94598C21DC41}"/>
-              </a:ext>
-            </a:extLst>
-          </p:cNvPr>
-          <p:cNvSpPr>
-            <a:spLocks noGrp="1"/>
-          </p:cNvSpPr>
-          <p:nvPr>
-            <p:ph idx="1"/>
-          </p:nvPr>
-        </p:nvSpPr>
-        <p:spPr/>
-        <p:txBody>
-          <a:bodyPr/>
-          <a:lstStyle/>
-          <a:p>
-            <a:r>
-              <a:rPr lang="en-US" dirty="0"/>
-              <a:t>Uses Managed System Identity Endpoint in an Azure resource</a:t>
-            </a:r>
-          </a:p>
-          <a:p>
-            <a:r>
-              <a:rPr lang="en-US" dirty="0"/>
-              <a:t>Can either be user assigned or system assigned</a:t>
-            </a:r>
-          </a:p>
-          <a:p>
-            <a:r>
-              <a:rPr lang="en-US" dirty="0"/>
-              <a:t>Terraform configuration must execute in the context of the Azure resource with assigned identity</a:t>
-            </a:r>
-          </a:p>
-          <a:p>
-            <a:r>
-              <a:rPr lang="en-US" dirty="0"/>
-              <a:t>Good for interactive use</a:t>
-            </a:r>
-          </a:p>
-        </p:txBody>
-      </p:sp>
-    </p:spTree>
-    <p:extLst>
-      <p:ext uri="{BB962C8B-B14F-4D97-AF65-F5344CB8AC3E}">
-        <p14:creationId xmlns:p14="http://schemas.microsoft.com/office/powerpoint/2010/main" val="941736632"/>
-      </p:ext>
-    </p:extLst>
-  </p:cSld>
-  <p:clrMapOvr>
-    <a:masterClrMapping/>
-  </p:clrMapOvr>
-</p:sld>
-</file>
-
-<file path=ppt/slides/slide3.xml><?xml version="1.0" encoding="utf-8"?>
+<file path=ppt/slides/slide2.xml><?xml version="1.0" encoding="utf-8"?>
 <p:sld xmlns:a="http://schemas.openxmlformats.org/drawingml/2006/main" xmlns:r="http://schemas.openxmlformats.org/officeDocument/2006/relationships" xmlns:p="http://schemas.openxmlformats.org/presentationml/2006/main">
   <p:cSld>
     <p:spTree>
@@ -19381,7 +18171,349 @@
 </p:sld>
 </file>
 
-<file path=ppt/slides/slide30.xml><?xml version="1.0" encoding="utf-8"?>
+<file path=ppt/slides/slide20.xml><?xml version="1.0" encoding="utf-8"?>
+<p:sld xmlns:a="http://schemas.openxmlformats.org/drawingml/2006/main" xmlns:r="http://schemas.openxmlformats.org/officeDocument/2006/relationships" xmlns:p="http://schemas.openxmlformats.org/presentationml/2006/main">
+  <p:cSld>
+    <p:spTree>
+      <p:nvGrpSpPr>
+        <p:cNvPr id="1" name=""/>
+        <p:cNvGrpSpPr/>
+        <p:nvPr/>
+      </p:nvGrpSpPr>
+      <p:grpSpPr>
+        <a:xfrm>
+          <a:off x="0" y="0"/>
+          <a:ext cx="0" cy="0"/>
+          <a:chOff x="0" y="0"/>
+          <a:chExt cx="0" cy="0"/>
+        </a:xfrm>
+      </p:grpSpPr>
+      <p:sp>
+        <p:nvSpPr>
+          <p:cNvPr id="2" name="Title 1">
+            <a:extLst>
+              <a:ext uri="{FF2B5EF4-FFF2-40B4-BE49-F238E27FC236}">
+                <a16:creationId xmlns:a16="http://schemas.microsoft.com/office/drawing/2014/main" id="{844FEEE8-13A9-4957-BDC8-D3B909C39A9B}"/>
+              </a:ext>
+            </a:extLst>
+          </p:cNvPr>
+          <p:cNvSpPr>
+            <a:spLocks noGrp="1"/>
+          </p:cNvSpPr>
+          <p:nvPr>
+            <p:ph type="ctrTitle"/>
+          </p:nvPr>
+        </p:nvSpPr>
+        <p:spPr/>
+        <p:txBody>
+          <a:bodyPr/>
+          <a:lstStyle/>
+          <a:p>
+            <a:r>
+              <a:rPr lang="en-US" dirty="0"/>
+              <a:t>Module 03 – Terraform with azure</a:t>
+            </a:r>
+            <a:endParaRPr lang="en-IN" dirty="0"/>
+          </a:p>
+        </p:txBody>
+      </p:sp>
+      <p:sp>
+        <p:nvSpPr>
+          <p:cNvPr id="3" name="Subtitle 2">
+            <a:extLst>
+              <a:ext uri="{FF2B5EF4-FFF2-40B4-BE49-F238E27FC236}">
+                <a16:creationId xmlns:a16="http://schemas.microsoft.com/office/drawing/2014/main" id="{EA2C9B1A-B644-4528-87B6-7EA75152F28A}"/>
+              </a:ext>
+            </a:extLst>
+          </p:cNvPr>
+          <p:cNvSpPr>
+            <a:spLocks noGrp="1"/>
+          </p:cNvSpPr>
+          <p:nvPr>
+            <p:ph type="subTitle" idx="1"/>
+          </p:nvPr>
+        </p:nvSpPr>
+        <p:spPr/>
+        <p:txBody>
+          <a:bodyPr/>
+          <a:lstStyle/>
+          <a:p>
+            <a:r>
+              <a:rPr lang="en-US" dirty="0"/>
+              <a:t>authentication</a:t>
+            </a:r>
+            <a:endParaRPr lang="en-IN" dirty="0"/>
+          </a:p>
+        </p:txBody>
+      </p:sp>
+    </p:spTree>
+    <p:extLst>
+      <p:ext uri="{BB962C8B-B14F-4D97-AF65-F5344CB8AC3E}">
+        <p14:creationId xmlns:p14="http://schemas.microsoft.com/office/powerpoint/2010/main" val="1768383517"/>
+      </p:ext>
+    </p:extLst>
+  </p:cSld>
+  <p:clrMapOvr>
+    <a:masterClrMapping/>
+  </p:clrMapOvr>
+</p:sld>
+</file>
+
+<file path=ppt/slides/slide21.xml><?xml version="1.0" encoding="utf-8"?>
+<p:sld xmlns:a="http://schemas.openxmlformats.org/drawingml/2006/main" xmlns:r="http://schemas.openxmlformats.org/officeDocument/2006/relationships" xmlns:p="http://schemas.openxmlformats.org/presentationml/2006/main">
+  <p:cSld>
+    <p:spTree>
+      <p:nvGrpSpPr>
+        <p:cNvPr id="1" name=""/>
+        <p:cNvGrpSpPr/>
+        <p:nvPr/>
+      </p:nvGrpSpPr>
+      <p:grpSpPr>
+        <a:xfrm>
+          <a:off x="0" y="0"/>
+          <a:ext cx="0" cy="0"/>
+          <a:chOff x="0" y="0"/>
+          <a:chExt cx="0" cy="0"/>
+        </a:xfrm>
+      </p:grpSpPr>
+      <p:sp>
+        <p:nvSpPr>
+          <p:cNvPr id="2" name="Title 1">
+            <a:extLst>
+              <a:ext uri="{FF2B5EF4-FFF2-40B4-BE49-F238E27FC236}">
+                <a16:creationId xmlns:a16="http://schemas.microsoft.com/office/drawing/2014/main" id="{4F907E50-16FB-429D-A59C-D8F026E79EEE}"/>
+              </a:ext>
+            </a:extLst>
+          </p:cNvPr>
+          <p:cNvSpPr>
+            <a:spLocks noGrp="1"/>
+          </p:cNvSpPr>
+          <p:nvPr>
+            <p:ph type="title"/>
+          </p:nvPr>
+        </p:nvSpPr>
+        <p:spPr/>
+        <p:txBody>
+          <a:bodyPr/>
+          <a:lstStyle/>
+          <a:p>
+            <a:r>
+              <a:rPr lang="en-US" dirty="0"/>
+              <a:t>Authenticating with Azure</a:t>
+            </a:r>
+            <a:endParaRPr lang="en-IN" dirty="0"/>
+          </a:p>
+        </p:txBody>
+      </p:sp>
+      <p:sp>
+        <p:nvSpPr>
+          <p:cNvPr id="3" name="Content Placeholder 2">
+            <a:extLst>
+              <a:ext uri="{FF2B5EF4-FFF2-40B4-BE49-F238E27FC236}">
+                <a16:creationId xmlns:a16="http://schemas.microsoft.com/office/drawing/2014/main" id="{7970F29E-D8CF-42CB-8879-E774315C2FA1}"/>
+              </a:ext>
+            </a:extLst>
+          </p:cNvPr>
+          <p:cNvSpPr>
+            <a:spLocks noGrp="1"/>
+          </p:cNvSpPr>
+          <p:nvPr>
+            <p:ph idx="1"/>
+          </p:nvPr>
+        </p:nvSpPr>
+        <p:spPr/>
+        <p:txBody>
+          <a:bodyPr/>
+          <a:lstStyle/>
+          <a:p>
+            <a:r>
+              <a:rPr lang="en-US" dirty="0"/>
+              <a:t>Azure Cloud Shell</a:t>
+            </a:r>
+          </a:p>
+          <a:p>
+            <a:r>
+              <a:rPr lang="en-US" dirty="0"/>
+              <a:t>Azure CLI</a:t>
+            </a:r>
+          </a:p>
+          <a:p>
+            <a:r>
+              <a:rPr lang="en-US" dirty="0"/>
+              <a:t>Azure Service Principal – Client Secret</a:t>
+            </a:r>
+          </a:p>
+          <a:p>
+            <a:r>
+              <a:rPr lang="en-US" dirty="0"/>
+              <a:t>Azure Service Principal – Client Certificate</a:t>
+            </a:r>
+          </a:p>
+          <a:p>
+            <a:r>
+              <a:rPr lang="en-US" dirty="0"/>
+              <a:t>Azure Managed System Identity (MSI)</a:t>
+            </a:r>
+            <a:endParaRPr lang="en-IN" dirty="0"/>
+          </a:p>
+        </p:txBody>
+      </p:sp>
+    </p:spTree>
+    <p:extLst>
+      <p:ext uri="{BB962C8B-B14F-4D97-AF65-F5344CB8AC3E}">
+        <p14:creationId xmlns:p14="http://schemas.microsoft.com/office/powerpoint/2010/main" val="3486672214"/>
+      </p:ext>
+    </p:extLst>
+  </p:cSld>
+  <p:clrMapOvr>
+    <a:masterClrMapping/>
+  </p:clrMapOvr>
+</p:sld>
+</file>
+
+<file path=ppt/slides/slide22.xml><?xml version="1.0" encoding="utf-8"?>
+<p:sld xmlns:a="http://schemas.openxmlformats.org/drawingml/2006/main" xmlns:r="http://schemas.openxmlformats.org/officeDocument/2006/relationships" xmlns:p="http://schemas.openxmlformats.org/presentationml/2006/main">
+  <p:cSld>
+    <p:spTree>
+      <p:nvGrpSpPr>
+        <p:cNvPr id="1" name=""/>
+        <p:cNvGrpSpPr/>
+        <p:nvPr/>
+      </p:nvGrpSpPr>
+      <p:grpSpPr>
+        <a:xfrm>
+          <a:off x="0" y="0"/>
+          <a:ext cx="0" cy="0"/>
+          <a:chOff x="0" y="0"/>
+          <a:chExt cx="0" cy="0"/>
+        </a:xfrm>
+      </p:grpSpPr>
+      <p:sp>
+        <p:nvSpPr>
+          <p:cNvPr id="2" name="Title 1">
+            <a:extLst>
+              <a:ext uri="{FF2B5EF4-FFF2-40B4-BE49-F238E27FC236}">
+                <a16:creationId xmlns:a16="http://schemas.microsoft.com/office/drawing/2014/main" id="{9D93DD31-663D-4A0D-AB74-E219E0AF7649}"/>
+              </a:ext>
+            </a:extLst>
+          </p:cNvPr>
+          <p:cNvSpPr>
+            <a:spLocks noGrp="1"/>
+          </p:cNvSpPr>
+          <p:nvPr>
+            <p:ph type="title"/>
+          </p:nvPr>
+        </p:nvSpPr>
+        <p:spPr/>
+        <p:txBody>
+          <a:bodyPr/>
+          <a:lstStyle/>
+          <a:p>
+            <a:r>
+              <a:rPr lang="en-US" dirty="0"/>
+              <a:t>Azure Cloud Shell</a:t>
+            </a:r>
+            <a:endParaRPr lang="en-IN" dirty="0"/>
+          </a:p>
+        </p:txBody>
+      </p:sp>
+      <p:sp>
+        <p:nvSpPr>
+          <p:cNvPr id="3" name="Content Placeholder 2">
+            <a:extLst>
+              <a:ext uri="{FF2B5EF4-FFF2-40B4-BE49-F238E27FC236}">
+                <a16:creationId xmlns:a16="http://schemas.microsoft.com/office/drawing/2014/main" id="{06096A7D-FEDA-4E34-8E33-94598C21DC41}"/>
+              </a:ext>
+            </a:extLst>
+          </p:cNvPr>
+          <p:cNvSpPr>
+            <a:spLocks noGrp="1"/>
+          </p:cNvSpPr>
+          <p:nvPr>
+            <p:ph idx="1"/>
+          </p:nvPr>
+        </p:nvSpPr>
+        <p:spPr/>
+        <p:txBody>
+          <a:bodyPr/>
+          <a:lstStyle/>
+          <a:p>
+            <a:r>
+              <a:rPr lang="en-US" dirty="0"/>
+              <a:t>Built into the Azure portal</a:t>
+            </a:r>
+          </a:p>
+          <a:p>
+            <a:r>
+              <a:rPr lang="en-US" dirty="0"/>
+              <a:t>Can be accessed via Visual Studio Code</a:t>
+            </a:r>
+          </a:p>
+          <a:p>
+            <a:r>
+              <a:rPr lang="en-US" dirty="0"/>
+              <a:t>Pre-authenticated</a:t>
+            </a:r>
+          </a:p>
+          <a:p>
+            <a:r>
+              <a:rPr lang="en-US" dirty="0"/>
+              <a:t>Comes with latest provisioning and configuration management tools</a:t>
+            </a:r>
+          </a:p>
+          <a:p>
+            <a:pPr lvl="1"/>
+            <a:r>
+              <a:rPr lang="en-US" dirty="0"/>
+              <a:t>Terraform</a:t>
+            </a:r>
+          </a:p>
+          <a:p>
+            <a:pPr lvl="1"/>
+            <a:r>
+              <a:rPr lang="en-US" dirty="0"/>
+              <a:t>Ansible</a:t>
+            </a:r>
+          </a:p>
+          <a:p>
+            <a:pPr lvl="1"/>
+            <a:r>
+              <a:rPr lang="en-US" dirty="0"/>
+              <a:t>Azure CLI</a:t>
+            </a:r>
+          </a:p>
+          <a:p>
+            <a:pPr lvl="1"/>
+            <a:r>
+              <a:rPr lang="en-US" dirty="0"/>
+              <a:t>Azure PowerShell</a:t>
+            </a:r>
+          </a:p>
+          <a:p>
+            <a:r>
+              <a:rPr lang="en-US" dirty="0"/>
+              <a:t>For interactive use!</a:t>
+            </a:r>
+          </a:p>
+          <a:p>
+            <a:endParaRPr lang="en-IN" dirty="0"/>
+          </a:p>
+        </p:txBody>
+      </p:sp>
+    </p:spTree>
+    <p:extLst>
+      <p:ext uri="{BB962C8B-B14F-4D97-AF65-F5344CB8AC3E}">
+        <p14:creationId xmlns:p14="http://schemas.microsoft.com/office/powerpoint/2010/main" val="3544236788"/>
+      </p:ext>
+    </p:extLst>
+  </p:cSld>
+  <p:clrMapOvr>
+    <a:masterClrMapping/>
+  </p:clrMapOvr>
+</p:sld>
+</file>
+
+<file path=ppt/slides/slide23.xml><?xml version="1.0" encoding="utf-8"?>
 <p:sld xmlns:a="http://schemas.openxmlformats.org/drawingml/2006/main" xmlns:r="http://schemas.openxmlformats.org/officeDocument/2006/relationships" xmlns:p="http://schemas.openxmlformats.org/presentationml/2006/main">
   <p:cSld>
     <p:spTree>
@@ -19450,6 +18582,608 @@
           <a:p>
             <a:r>
               <a:rPr lang="en-US" dirty="0"/>
+              <a:t>Terraform in Cloud Shell</a:t>
+            </a:r>
+            <a:endParaRPr lang="en-IN" dirty="0"/>
+          </a:p>
+        </p:txBody>
+      </p:sp>
+    </p:spTree>
+    <p:extLst>
+      <p:ext uri="{BB962C8B-B14F-4D97-AF65-F5344CB8AC3E}">
+        <p14:creationId xmlns:p14="http://schemas.microsoft.com/office/powerpoint/2010/main" val="808420018"/>
+      </p:ext>
+    </p:extLst>
+  </p:cSld>
+  <p:clrMapOvr>
+    <a:masterClrMapping/>
+  </p:clrMapOvr>
+</p:sld>
+</file>
+
+<file path=ppt/slides/slide24.xml><?xml version="1.0" encoding="utf-8"?>
+<p:sld xmlns:a="http://schemas.openxmlformats.org/drawingml/2006/main" xmlns:r="http://schemas.openxmlformats.org/officeDocument/2006/relationships" xmlns:p="http://schemas.openxmlformats.org/presentationml/2006/main">
+  <p:cSld>
+    <p:spTree>
+      <p:nvGrpSpPr>
+        <p:cNvPr id="1" name=""/>
+        <p:cNvGrpSpPr/>
+        <p:nvPr/>
+      </p:nvGrpSpPr>
+      <p:grpSpPr>
+        <a:xfrm>
+          <a:off x="0" y="0"/>
+          <a:ext cx="0" cy="0"/>
+          <a:chOff x="0" y="0"/>
+          <a:chExt cx="0" cy="0"/>
+        </a:xfrm>
+      </p:grpSpPr>
+      <p:sp>
+        <p:nvSpPr>
+          <p:cNvPr id="2" name="Title 1">
+            <a:extLst>
+              <a:ext uri="{FF2B5EF4-FFF2-40B4-BE49-F238E27FC236}">
+                <a16:creationId xmlns:a16="http://schemas.microsoft.com/office/drawing/2014/main" id="{9D93DD31-663D-4A0D-AB74-E219E0AF7649}"/>
+              </a:ext>
+            </a:extLst>
+          </p:cNvPr>
+          <p:cNvSpPr>
+            <a:spLocks noGrp="1"/>
+          </p:cNvSpPr>
+          <p:nvPr>
+            <p:ph type="title"/>
+          </p:nvPr>
+        </p:nvSpPr>
+        <p:spPr/>
+        <p:txBody>
+          <a:bodyPr/>
+          <a:lstStyle/>
+          <a:p>
+            <a:r>
+              <a:rPr lang="en-US" dirty="0"/>
+              <a:t>Azure Service Principal – Client Secret</a:t>
+            </a:r>
+            <a:endParaRPr lang="en-IN" dirty="0"/>
+          </a:p>
+        </p:txBody>
+      </p:sp>
+      <p:sp>
+        <p:nvSpPr>
+          <p:cNvPr id="3" name="Content Placeholder 2">
+            <a:extLst>
+              <a:ext uri="{FF2B5EF4-FFF2-40B4-BE49-F238E27FC236}">
+                <a16:creationId xmlns:a16="http://schemas.microsoft.com/office/drawing/2014/main" id="{06096A7D-FEDA-4E34-8E33-94598C21DC41}"/>
+              </a:ext>
+            </a:extLst>
+          </p:cNvPr>
+          <p:cNvSpPr>
+            <a:spLocks noGrp="1"/>
+          </p:cNvSpPr>
+          <p:nvPr>
+            <p:ph idx="1"/>
+          </p:nvPr>
+        </p:nvSpPr>
+        <p:spPr/>
+        <p:txBody>
+          <a:bodyPr/>
+          <a:lstStyle/>
+          <a:p>
+            <a:r>
+              <a:rPr lang="en-US" dirty="0"/>
+              <a:t>Uses Azure Active Directory application service principal</a:t>
+            </a:r>
+          </a:p>
+          <a:p>
+            <a:r>
+              <a:rPr lang="en-US" dirty="0"/>
+              <a:t>Client secret and client ID are required</a:t>
+            </a:r>
+          </a:p>
+          <a:p>
+            <a:pPr lvl="1"/>
+            <a:r>
+              <a:rPr lang="en-US" dirty="0"/>
+              <a:t>Specified as a part of provider configuration</a:t>
+            </a:r>
+          </a:p>
+          <a:p>
+            <a:pPr lvl="1"/>
+            <a:r>
+              <a:rPr lang="en-US" dirty="0"/>
+              <a:t>Specified as environment variables</a:t>
+            </a:r>
+          </a:p>
+          <a:p>
+            <a:r>
+              <a:rPr lang="en-US" dirty="0"/>
+              <a:t>Good for automated deployments via CI &amp; CD</a:t>
+            </a:r>
+            <a:endParaRPr lang="en-IN" dirty="0"/>
+          </a:p>
+        </p:txBody>
+      </p:sp>
+    </p:spTree>
+    <p:extLst>
+      <p:ext uri="{BB962C8B-B14F-4D97-AF65-F5344CB8AC3E}">
+        <p14:creationId xmlns:p14="http://schemas.microsoft.com/office/powerpoint/2010/main" val="829771010"/>
+      </p:ext>
+    </p:extLst>
+  </p:cSld>
+  <p:clrMapOvr>
+    <a:masterClrMapping/>
+  </p:clrMapOvr>
+</p:sld>
+</file>
+
+<file path=ppt/slides/slide25.xml><?xml version="1.0" encoding="utf-8"?>
+<p:sld xmlns:a="http://schemas.openxmlformats.org/drawingml/2006/main" xmlns:r="http://schemas.openxmlformats.org/officeDocument/2006/relationships" xmlns:p="http://schemas.openxmlformats.org/presentationml/2006/main">
+  <p:cSld>
+    <p:spTree>
+      <p:nvGrpSpPr>
+        <p:cNvPr id="1" name=""/>
+        <p:cNvGrpSpPr/>
+        <p:nvPr/>
+      </p:nvGrpSpPr>
+      <p:grpSpPr>
+        <a:xfrm>
+          <a:off x="0" y="0"/>
+          <a:ext cx="0" cy="0"/>
+          <a:chOff x="0" y="0"/>
+          <a:chExt cx="0" cy="0"/>
+        </a:xfrm>
+      </p:grpSpPr>
+      <p:sp>
+        <p:nvSpPr>
+          <p:cNvPr id="2" name="Title 1">
+            <a:extLst>
+              <a:ext uri="{FF2B5EF4-FFF2-40B4-BE49-F238E27FC236}">
+                <a16:creationId xmlns:a16="http://schemas.microsoft.com/office/drawing/2014/main" id="{38BAE494-D94E-45E8-BD5C-B294CDD3A5C9}"/>
+              </a:ext>
+            </a:extLst>
+          </p:cNvPr>
+          <p:cNvSpPr>
+            <a:spLocks noGrp="1"/>
+          </p:cNvSpPr>
+          <p:nvPr>
+            <p:ph type="title"/>
+          </p:nvPr>
+        </p:nvSpPr>
+        <p:spPr/>
+        <p:txBody>
+          <a:bodyPr/>
+          <a:lstStyle/>
+          <a:p>
+            <a:r>
+              <a:rPr lang="en-US" dirty="0"/>
+              <a:t>Hands On</a:t>
+            </a:r>
+            <a:endParaRPr lang="en-IN" dirty="0"/>
+          </a:p>
+        </p:txBody>
+      </p:sp>
+      <p:sp>
+        <p:nvSpPr>
+          <p:cNvPr id="3" name="Text Placeholder 2">
+            <a:extLst>
+              <a:ext uri="{FF2B5EF4-FFF2-40B4-BE49-F238E27FC236}">
+                <a16:creationId xmlns:a16="http://schemas.microsoft.com/office/drawing/2014/main" id="{82ED3B88-5839-4033-8E82-CC69E392CF17}"/>
+              </a:ext>
+            </a:extLst>
+          </p:cNvPr>
+          <p:cNvSpPr>
+            <a:spLocks noGrp="1"/>
+          </p:cNvSpPr>
+          <p:nvPr>
+            <p:ph type="body" idx="1"/>
+          </p:nvPr>
+        </p:nvSpPr>
+        <p:spPr/>
+        <p:txBody>
+          <a:bodyPr/>
+          <a:lstStyle/>
+          <a:p>
+            <a:r>
+              <a:rPr lang="en-US" dirty="0"/>
+              <a:t>Terraform and client secret authentication</a:t>
+            </a:r>
+            <a:endParaRPr lang="en-IN" dirty="0"/>
+          </a:p>
+        </p:txBody>
+      </p:sp>
+    </p:spTree>
+    <p:extLst>
+      <p:ext uri="{BB962C8B-B14F-4D97-AF65-F5344CB8AC3E}">
+        <p14:creationId xmlns:p14="http://schemas.microsoft.com/office/powerpoint/2010/main" val="2816028271"/>
+      </p:ext>
+    </p:extLst>
+  </p:cSld>
+  <p:clrMapOvr>
+    <a:masterClrMapping/>
+  </p:clrMapOvr>
+</p:sld>
+</file>
+
+<file path=ppt/slides/slide26.xml><?xml version="1.0" encoding="utf-8"?>
+<p:sld xmlns:a="http://schemas.openxmlformats.org/drawingml/2006/main" xmlns:r="http://schemas.openxmlformats.org/officeDocument/2006/relationships" xmlns:p="http://schemas.openxmlformats.org/presentationml/2006/main">
+  <p:cSld>
+    <p:spTree>
+      <p:nvGrpSpPr>
+        <p:cNvPr id="1" name=""/>
+        <p:cNvGrpSpPr/>
+        <p:nvPr/>
+      </p:nvGrpSpPr>
+      <p:grpSpPr>
+        <a:xfrm>
+          <a:off x="0" y="0"/>
+          <a:ext cx="0" cy="0"/>
+          <a:chOff x="0" y="0"/>
+          <a:chExt cx="0" cy="0"/>
+        </a:xfrm>
+      </p:grpSpPr>
+      <p:sp>
+        <p:nvSpPr>
+          <p:cNvPr id="2" name="Title 1">
+            <a:extLst>
+              <a:ext uri="{FF2B5EF4-FFF2-40B4-BE49-F238E27FC236}">
+                <a16:creationId xmlns:a16="http://schemas.microsoft.com/office/drawing/2014/main" id="{9D93DD31-663D-4A0D-AB74-E219E0AF7649}"/>
+              </a:ext>
+            </a:extLst>
+          </p:cNvPr>
+          <p:cNvSpPr>
+            <a:spLocks noGrp="1"/>
+          </p:cNvSpPr>
+          <p:nvPr>
+            <p:ph type="title"/>
+          </p:nvPr>
+        </p:nvSpPr>
+        <p:spPr/>
+        <p:txBody>
+          <a:bodyPr/>
+          <a:lstStyle/>
+          <a:p>
+            <a:r>
+              <a:rPr lang="en-US" dirty="0"/>
+              <a:t>Azure Service Principal – Client Certificate</a:t>
+            </a:r>
+            <a:endParaRPr lang="en-IN" dirty="0"/>
+          </a:p>
+        </p:txBody>
+      </p:sp>
+      <p:sp>
+        <p:nvSpPr>
+          <p:cNvPr id="3" name="Content Placeholder 2">
+            <a:extLst>
+              <a:ext uri="{FF2B5EF4-FFF2-40B4-BE49-F238E27FC236}">
+                <a16:creationId xmlns:a16="http://schemas.microsoft.com/office/drawing/2014/main" id="{06096A7D-FEDA-4E34-8E33-94598C21DC41}"/>
+              </a:ext>
+            </a:extLst>
+          </p:cNvPr>
+          <p:cNvSpPr>
+            <a:spLocks noGrp="1"/>
+          </p:cNvSpPr>
+          <p:nvPr>
+            <p:ph idx="1"/>
+          </p:nvPr>
+        </p:nvSpPr>
+        <p:spPr/>
+        <p:txBody>
+          <a:bodyPr/>
+          <a:lstStyle/>
+          <a:p>
+            <a:r>
+              <a:rPr lang="en-US" dirty="0"/>
+              <a:t>Uses Azure Active Directory application service principal with client </a:t>
+            </a:r>
+            <a:r>
+              <a:rPr lang="en-US" dirty="0" err="1"/>
+              <a:t>ceritificate</a:t>
+            </a:r>
+            <a:endParaRPr lang="en-US" dirty="0"/>
+          </a:p>
+          <a:p>
+            <a:r>
+              <a:rPr lang="en-US" dirty="0"/>
+              <a:t>Client secret and certificate PFX are required</a:t>
+            </a:r>
+          </a:p>
+          <a:p>
+            <a:pPr lvl="1"/>
+            <a:r>
+              <a:rPr lang="en-US" dirty="0"/>
+              <a:t>Specified as a part of provider configuration</a:t>
+            </a:r>
+          </a:p>
+          <a:p>
+            <a:pPr lvl="1"/>
+            <a:r>
+              <a:rPr lang="en-US" dirty="0"/>
+              <a:t>Specified as environment variables</a:t>
+            </a:r>
+          </a:p>
+          <a:p>
+            <a:r>
+              <a:rPr lang="en-US" dirty="0"/>
+              <a:t>Good for automated deployments via CI &amp; CD</a:t>
+            </a:r>
+            <a:endParaRPr lang="en-IN" dirty="0"/>
+          </a:p>
+        </p:txBody>
+      </p:sp>
+    </p:spTree>
+    <p:extLst>
+      <p:ext uri="{BB962C8B-B14F-4D97-AF65-F5344CB8AC3E}">
+        <p14:creationId xmlns:p14="http://schemas.microsoft.com/office/powerpoint/2010/main" val="4082874514"/>
+      </p:ext>
+    </p:extLst>
+  </p:cSld>
+  <p:clrMapOvr>
+    <a:masterClrMapping/>
+  </p:clrMapOvr>
+</p:sld>
+</file>
+
+<file path=ppt/slides/slide27.xml><?xml version="1.0" encoding="utf-8"?>
+<p:sld xmlns:a="http://schemas.openxmlformats.org/drawingml/2006/main" xmlns:r="http://schemas.openxmlformats.org/officeDocument/2006/relationships" xmlns:p="http://schemas.openxmlformats.org/presentationml/2006/main">
+  <p:cSld>
+    <p:spTree>
+      <p:nvGrpSpPr>
+        <p:cNvPr id="1" name=""/>
+        <p:cNvGrpSpPr/>
+        <p:nvPr/>
+      </p:nvGrpSpPr>
+      <p:grpSpPr>
+        <a:xfrm>
+          <a:off x="0" y="0"/>
+          <a:ext cx="0" cy="0"/>
+          <a:chOff x="0" y="0"/>
+          <a:chExt cx="0" cy="0"/>
+        </a:xfrm>
+      </p:grpSpPr>
+      <p:sp>
+        <p:nvSpPr>
+          <p:cNvPr id="2" name="Title 1">
+            <a:extLst>
+              <a:ext uri="{FF2B5EF4-FFF2-40B4-BE49-F238E27FC236}">
+                <a16:creationId xmlns:a16="http://schemas.microsoft.com/office/drawing/2014/main" id="{38BAE494-D94E-45E8-BD5C-B294CDD3A5C9}"/>
+              </a:ext>
+            </a:extLst>
+          </p:cNvPr>
+          <p:cNvSpPr>
+            <a:spLocks noGrp="1"/>
+          </p:cNvSpPr>
+          <p:nvPr>
+            <p:ph type="title"/>
+          </p:nvPr>
+        </p:nvSpPr>
+        <p:spPr/>
+        <p:txBody>
+          <a:bodyPr/>
+          <a:lstStyle/>
+          <a:p>
+            <a:r>
+              <a:rPr lang="en-US" dirty="0"/>
+              <a:t>Hands On</a:t>
+            </a:r>
+            <a:endParaRPr lang="en-IN" dirty="0"/>
+          </a:p>
+        </p:txBody>
+      </p:sp>
+      <p:sp>
+        <p:nvSpPr>
+          <p:cNvPr id="3" name="Text Placeholder 2">
+            <a:extLst>
+              <a:ext uri="{FF2B5EF4-FFF2-40B4-BE49-F238E27FC236}">
+                <a16:creationId xmlns:a16="http://schemas.microsoft.com/office/drawing/2014/main" id="{82ED3B88-5839-4033-8E82-CC69E392CF17}"/>
+              </a:ext>
+            </a:extLst>
+          </p:cNvPr>
+          <p:cNvSpPr>
+            <a:spLocks noGrp="1"/>
+          </p:cNvSpPr>
+          <p:nvPr>
+            <p:ph type="body" idx="1"/>
+          </p:nvPr>
+        </p:nvSpPr>
+        <p:spPr/>
+        <p:txBody>
+          <a:bodyPr/>
+          <a:lstStyle/>
+          <a:p>
+            <a:r>
+              <a:rPr lang="en-US" dirty="0"/>
+              <a:t>Terraform and client Certificate authentication</a:t>
+            </a:r>
+            <a:endParaRPr lang="en-IN" dirty="0"/>
+          </a:p>
+        </p:txBody>
+      </p:sp>
+    </p:spTree>
+    <p:extLst>
+      <p:ext uri="{BB962C8B-B14F-4D97-AF65-F5344CB8AC3E}">
+        <p14:creationId xmlns:p14="http://schemas.microsoft.com/office/powerpoint/2010/main" val="369643421"/>
+      </p:ext>
+    </p:extLst>
+  </p:cSld>
+  <p:clrMapOvr>
+    <a:masterClrMapping/>
+  </p:clrMapOvr>
+</p:sld>
+</file>
+
+<file path=ppt/slides/slide28.xml><?xml version="1.0" encoding="utf-8"?>
+<p:sld xmlns:a="http://schemas.openxmlformats.org/drawingml/2006/main" xmlns:r="http://schemas.openxmlformats.org/officeDocument/2006/relationships" xmlns:p="http://schemas.openxmlformats.org/presentationml/2006/main">
+  <p:cSld>
+    <p:spTree>
+      <p:nvGrpSpPr>
+        <p:cNvPr id="1" name=""/>
+        <p:cNvGrpSpPr/>
+        <p:nvPr/>
+      </p:nvGrpSpPr>
+      <p:grpSpPr>
+        <a:xfrm>
+          <a:off x="0" y="0"/>
+          <a:ext cx="0" cy="0"/>
+          <a:chOff x="0" y="0"/>
+          <a:chExt cx="0" cy="0"/>
+        </a:xfrm>
+      </p:grpSpPr>
+      <p:sp>
+        <p:nvSpPr>
+          <p:cNvPr id="2" name="Title 1">
+            <a:extLst>
+              <a:ext uri="{FF2B5EF4-FFF2-40B4-BE49-F238E27FC236}">
+                <a16:creationId xmlns:a16="http://schemas.microsoft.com/office/drawing/2014/main" id="{9D93DD31-663D-4A0D-AB74-E219E0AF7649}"/>
+              </a:ext>
+            </a:extLst>
+          </p:cNvPr>
+          <p:cNvSpPr>
+            <a:spLocks noGrp="1"/>
+          </p:cNvSpPr>
+          <p:nvPr>
+            <p:ph type="title"/>
+          </p:nvPr>
+        </p:nvSpPr>
+        <p:spPr/>
+        <p:txBody>
+          <a:bodyPr/>
+          <a:lstStyle/>
+          <a:p>
+            <a:r>
+              <a:rPr lang="en-US" dirty="0"/>
+              <a:t>Azure Service Principal – Managed System Identity</a:t>
+            </a:r>
+            <a:endParaRPr lang="en-IN" dirty="0"/>
+          </a:p>
+        </p:txBody>
+      </p:sp>
+      <p:sp>
+        <p:nvSpPr>
+          <p:cNvPr id="3" name="Content Placeholder 2">
+            <a:extLst>
+              <a:ext uri="{FF2B5EF4-FFF2-40B4-BE49-F238E27FC236}">
+                <a16:creationId xmlns:a16="http://schemas.microsoft.com/office/drawing/2014/main" id="{06096A7D-FEDA-4E34-8E33-94598C21DC41}"/>
+              </a:ext>
+            </a:extLst>
+          </p:cNvPr>
+          <p:cNvSpPr>
+            <a:spLocks noGrp="1"/>
+          </p:cNvSpPr>
+          <p:nvPr>
+            <p:ph idx="1"/>
+          </p:nvPr>
+        </p:nvSpPr>
+        <p:spPr/>
+        <p:txBody>
+          <a:bodyPr/>
+          <a:lstStyle/>
+          <a:p>
+            <a:r>
+              <a:rPr lang="en-US" dirty="0"/>
+              <a:t>Uses Managed System Identity Endpoint in an Azure resource</a:t>
+            </a:r>
+          </a:p>
+          <a:p>
+            <a:r>
+              <a:rPr lang="en-US" dirty="0"/>
+              <a:t>Can either be user assigned or system assigned</a:t>
+            </a:r>
+          </a:p>
+          <a:p>
+            <a:r>
+              <a:rPr lang="en-US" dirty="0"/>
+              <a:t>Terraform configuration must execute in the context of the Azure resource with assigned identity</a:t>
+            </a:r>
+          </a:p>
+          <a:p>
+            <a:r>
+              <a:rPr lang="en-US" dirty="0"/>
+              <a:t>Good for interactive use</a:t>
+            </a:r>
+          </a:p>
+        </p:txBody>
+      </p:sp>
+    </p:spTree>
+    <p:extLst>
+      <p:ext uri="{BB962C8B-B14F-4D97-AF65-F5344CB8AC3E}">
+        <p14:creationId xmlns:p14="http://schemas.microsoft.com/office/powerpoint/2010/main" val="941736632"/>
+      </p:ext>
+    </p:extLst>
+  </p:cSld>
+  <p:clrMapOvr>
+    <a:masterClrMapping/>
+  </p:clrMapOvr>
+</p:sld>
+</file>
+
+<file path=ppt/slides/slide29.xml><?xml version="1.0" encoding="utf-8"?>
+<p:sld xmlns:a="http://schemas.openxmlformats.org/drawingml/2006/main" xmlns:r="http://schemas.openxmlformats.org/officeDocument/2006/relationships" xmlns:p="http://schemas.openxmlformats.org/presentationml/2006/main">
+  <p:cSld>
+    <p:spTree>
+      <p:nvGrpSpPr>
+        <p:cNvPr id="1" name=""/>
+        <p:cNvGrpSpPr/>
+        <p:nvPr/>
+      </p:nvGrpSpPr>
+      <p:grpSpPr>
+        <a:xfrm>
+          <a:off x="0" y="0"/>
+          <a:ext cx="0" cy="0"/>
+          <a:chOff x="0" y="0"/>
+          <a:chExt cx="0" cy="0"/>
+        </a:xfrm>
+      </p:grpSpPr>
+      <p:sp>
+        <p:nvSpPr>
+          <p:cNvPr id="2" name="Title 1">
+            <a:extLst>
+              <a:ext uri="{FF2B5EF4-FFF2-40B4-BE49-F238E27FC236}">
+                <a16:creationId xmlns:a16="http://schemas.microsoft.com/office/drawing/2014/main" id="{38BAE494-D94E-45E8-BD5C-B294CDD3A5C9}"/>
+              </a:ext>
+            </a:extLst>
+          </p:cNvPr>
+          <p:cNvSpPr>
+            <a:spLocks noGrp="1"/>
+          </p:cNvSpPr>
+          <p:nvPr>
+            <p:ph type="title"/>
+          </p:nvPr>
+        </p:nvSpPr>
+        <p:spPr/>
+        <p:txBody>
+          <a:bodyPr/>
+          <a:lstStyle/>
+          <a:p>
+            <a:r>
+              <a:rPr lang="en-US" dirty="0"/>
+              <a:t>Hands On</a:t>
+            </a:r>
+            <a:endParaRPr lang="en-IN" dirty="0"/>
+          </a:p>
+        </p:txBody>
+      </p:sp>
+      <p:sp>
+        <p:nvSpPr>
+          <p:cNvPr id="3" name="Text Placeholder 2">
+            <a:extLst>
+              <a:ext uri="{FF2B5EF4-FFF2-40B4-BE49-F238E27FC236}">
+                <a16:creationId xmlns:a16="http://schemas.microsoft.com/office/drawing/2014/main" id="{82ED3B88-5839-4033-8E82-CC69E392CF17}"/>
+              </a:ext>
+            </a:extLst>
+          </p:cNvPr>
+          <p:cNvSpPr>
+            <a:spLocks noGrp="1"/>
+          </p:cNvSpPr>
+          <p:nvPr>
+            <p:ph type="body" idx="1"/>
+          </p:nvPr>
+        </p:nvSpPr>
+        <p:spPr/>
+        <p:txBody>
+          <a:bodyPr/>
+          <a:lstStyle/>
+          <a:p>
+            <a:r>
+              <a:rPr lang="en-US" dirty="0"/>
               <a:t>Terraform and Managed system identity</a:t>
             </a:r>
             <a:endParaRPr lang="en-IN" dirty="0"/>
@@ -19469,7 +19203,166 @@
 </p:sld>
 </file>
 
-<file path=ppt/slides/slide31.xml><?xml version="1.0" encoding="utf-8"?>
+<file path=ppt/slides/slide3.xml><?xml version="1.0" encoding="utf-8"?>
+<p:sld xmlns:a="http://schemas.openxmlformats.org/drawingml/2006/main" xmlns:r="http://schemas.openxmlformats.org/officeDocument/2006/relationships" xmlns:p="http://schemas.openxmlformats.org/presentationml/2006/main">
+  <p:cSld>
+    <p:spTree>
+      <p:nvGrpSpPr>
+        <p:cNvPr id="1" name=""/>
+        <p:cNvGrpSpPr/>
+        <p:nvPr/>
+      </p:nvGrpSpPr>
+      <p:grpSpPr>
+        <a:xfrm>
+          <a:off x="0" y="0"/>
+          <a:ext cx="0" cy="0"/>
+          <a:chOff x="0" y="0"/>
+          <a:chExt cx="0" cy="0"/>
+        </a:xfrm>
+      </p:grpSpPr>
+      <p:sp>
+        <p:nvSpPr>
+          <p:cNvPr id="2" name="Title 1">
+            <a:extLst>
+              <a:ext uri="{FF2B5EF4-FFF2-40B4-BE49-F238E27FC236}">
+                <a16:creationId xmlns:a16="http://schemas.microsoft.com/office/drawing/2014/main" id="{EEE358D7-4FDC-4D21-BE86-B268766445EB}"/>
+              </a:ext>
+            </a:extLst>
+          </p:cNvPr>
+          <p:cNvSpPr>
+            <a:spLocks noGrp="1"/>
+          </p:cNvSpPr>
+          <p:nvPr>
+            <p:ph type="title"/>
+          </p:nvPr>
+        </p:nvSpPr>
+        <p:spPr/>
+        <p:txBody>
+          <a:bodyPr/>
+          <a:lstStyle/>
+          <a:p>
+            <a:r>
+              <a:rPr lang="en-US" dirty="0"/>
+              <a:t>Agenda</a:t>
+            </a:r>
+            <a:endParaRPr lang="en-IN" dirty="0"/>
+          </a:p>
+        </p:txBody>
+      </p:sp>
+      <p:sp>
+        <p:nvSpPr>
+          <p:cNvPr id="3" name="Content Placeholder 2">
+            <a:extLst>
+              <a:ext uri="{FF2B5EF4-FFF2-40B4-BE49-F238E27FC236}">
+                <a16:creationId xmlns:a16="http://schemas.microsoft.com/office/drawing/2014/main" id="{70A71FDA-F2FA-48C8-97EC-172BAE31C5CB}"/>
+              </a:ext>
+            </a:extLst>
+          </p:cNvPr>
+          <p:cNvSpPr>
+            <a:spLocks noGrp="1"/>
+          </p:cNvSpPr>
+          <p:nvPr>
+            <p:ph idx="1"/>
+          </p:nvPr>
+        </p:nvSpPr>
+        <p:spPr/>
+        <p:txBody>
+          <a:bodyPr>
+            <a:normAutofit lnSpcReduction="10000"/>
+          </a:bodyPr>
+          <a:lstStyle/>
+          <a:p>
+            <a:r>
+              <a:rPr lang="en-US" dirty="0"/>
+              <a:t>Infrastructure As Code (</a:t>
+            </a:r>
+            <a:r>
+              <a:rPr lang="en-US" dirty="0" err="1"/>
+              <a:t>IaC</a:t>
+            </a:r>
+            <a:r>
+              <a:rPr lang="en-US" dirty="0"/>
+              <a:t>)</a:t>
+            </a:r>
+          </a:p>
+          <a:p>
+            <a:r>
+              <a:rPr lang="en-US" dirty="0"/>
+              <a:t>Terraform – Basics</a:t>
+            </a:r>
+          </a:p>
+          <a:p>
+            <a:r>
+              <a:rPr lang="en-US" dirty="0"/>
+              <a:t>Terraform with Azure</a:t>
+            </a:r>
+          </a:p>
+          <a:p>
+            <a:pPr lvl="1"/>
+            <a:r>
+              <a:rPr lang="en-US" dirty="0"/>
+              <a:t>Authentication</a:t>
+            </a:r>
+          </a:p>
+          <a:p>
+            <a:pPr lvl="1"/>
+            <a:r>
+              <a:rPr lang="en-US" dirty="0"/>
+              <a:t>Basic Configuration</a:t>
+            </a:r>
+          </a:p>
+          <a:p>
+            <a:pPr lvl="1"/>
+            <a:r>
+              <a:rPr lang="en-US" dirty="0"/>
+              <a:t>Expressions</a:t>
+            </a:r>
+          </a:p>
+          <a:p>
+            <a:pPr lvl="1"/>
+            <a:r>
+              <a:rPr lang="en-US" dirty="0"/>
+              <a:t>Modules</a:t>
+            </a:r>
+          </a:p>
+          <a:p>
+            <a:pPr lvl="1"/>
+            <a:r>
+              <a:rPr lang="en-US" dirty="0"/>
+              <a:t>Workspaces</a:t>
+            </a:r>
+          </a:p>
+          <a:p>
+            <a:pPr lvl="1"/>
+            <a:r>
+              <a:rPr lang="en-US" dirty="0"/>
+              <a:t>Backends</a:t>
+            </a:r>
+          </a:p>
+          <a:p>
+            <a:pPr lvl="1"/>
+            <a:r>
+              <a:rPr lang="en-US" dirty="0"/>
+              <a:t>Testing and CI &amp; CD</a:t>
+            </a:r>
+            <a:endParaRPr lang="en-IN" dirty="0"/>
+          </a:p>
+        </p:txBody>
+      </p:sp>
+    </p:spTree>
+    <p:extLst>
+      <p:ext uri="{BB962C8B-B14F-4D97-AF65-F5344CB8AC3E}">
+        <p14:creationId xmlns:p14="http://schemas.microsoft.com/office/powerpoint/2010/main" val="4233425511"/>
+      </p:ext>
+    </p:extLst>
+  </p:cSld>
+  <p:clrMapOvr>
+    <a:masterClrMapping/>
+  </p:clrMapOvr>
+</p:sld>
+</file>
+
+<file path=ppt/slides/slide30.xml><?xml version="1.0" encoding="utf-8"?>
 <p:sld xmlns:a="http://schemas.openxmlformats.org/drawingml/2006/main" xmlns:r="http://schemas.openxmlformats.org/officeDocument/2006/relationships" xmlns:p="http://schemas.openxmlformats.org/presentationml/2006/main">
   <p:cSld>
     <p:spTree>
@@ -19557,7 +19450,7 @@
 </p:sld>
 </file>
 
-<file path=ppt/slides/slide32.xml><?xml version="1.0" encoding="utf-8"?>
+<file path=ppt/slides/slide31.xml><?xml version="1.0" encoding="utf-8"?>
 <p:sld xmlns:a="http://schemas.openxmlformats.org/drawingml/2006/main" xmlns:r="http://schemas.openxmlformats.org/officeDocument/2006/relationships" xmlns:p="http://schemas.openxmlformats.org/presentationml/2006/main">
   <p:cSld>
     <p:spTree>
@@ -19645,7 +19538,7 @@
 </p:sld>
 </file>
 
-<file path=ppt/slides/slide33.xml><?xml version="1.0" encoding="utf-8"?>
+<file path=ppt/slides/slide32.xml><?xml version="1.0" encoding="utf-8"?>
 <p:sld xmlns:a="http://schemas.openxmlformats.org/drawingml/2006/main" xmlns:r="http://schemas.openxmlformats.org/officeDocument/2006/relationships" xmlns:p="http://schemas.openxmlformats.org/presentationml/2006/main">
   <p:cSld>
     <p:spTree>
@@ -19732,7 +19625,7 @@
 </p:sld>
 </file>
 
-<file path=ppt/slides/slide34.xml><?xml version="1.0" encoding="utf-8"?>
+<file path=ppt/slides/slide33.xml><?xml version="1.0" encoding="utf-8"?>
 <p:sld xmlns:a="http://schemas.openxmlformats.org/drawingml/2006/main" xmlns:r="http://schemas.openxmlformats.org/officeDocument/2006/relationships" xmlns:p="http://schemas.openxmlformats.org/presentationml/2006/main">
   <p:cSld>
     <p:spTree>
@@ -19869,7 +19762,7 @@
 </p:sld>
 </file>
 
-<file path=ppt/slides/slide35.xml><?xml version="1.0" encoding="utf-8"?>
+<file path=ppt/slides/slide34.xml><?xml version="1.0" encoding="utf-8"?>
 <p:sld xmlns:a="http://schemas.openxmlformats.org/drawingml/2006/main" xmlns:r="http://schemas.openxmlformats.org/officeDocument/2006/relationships" xmlns:p="http://schemas.openxmlformats.org/presentationml/2006/main">
   <p:cSld>
     <p:spTree>
@@ -20008,7 +19901,7 @@
 </p:sld>
 </file>
 
-<file path=ppt/slides/slide36.xml><?xml version="1.0" encoding="utf-8"?>
+<file path=ppt/slides/slide35.xml><?xml version="1.0" encoding="utf-8"?>
 <p:sld xmlns:a="http://schemas.openxmlformats.org/drawingml/2006/main" xmlns:r="http://schemas.openxmlformats.org/officeDocument/2006/relationships" xmlns:p="http://schemas.openxmlformats.org/presentationml/2006/main">
   <p:cSld>
     <p:spTree>
@@ -20096,7 +19989,7 @@
 </p:sld>
 </file>
 
-<file path=ppt/slides/slide37.xml><?xml version="1.0" encoding="utf-8"?>
+<file path=ppt/slides/slide36.xml><?xml version="1.0" encoding="utf-8"?>
 <p:sld xmlns:a="http://schemas.openxmlformats.org/drawingml/2006/main" xmlns:r="http://schemas.openxmlformats.org/officeDocument/2006/relationships" xmlns:p="http://schemas.openxmlformats.org/presentationml/2006/main">
   <p:cSld>
     <p:spTree>
@@ -20244,7 +20137,7 @@
 </p:sld>
 </file>
 
-<file path=ppt/slides/slide38.xml><?xml version="1.0" encoding="utf-8"?>
+<file path=ppt/slides/slide37.xml><?xml version="1.0" encoding="utf-8"?>
 <p:sld xmlns:a="http://schemas.openxmlformats.org/drawingml/2006/main" xmlns:r="http://schemas.openxmlformats.org/officeDocument/2006/relationships" xmlns:p="http://schemas.openxmlformats.org/presentationml/2006/main">
   <p:cSld>
     <p:spTree>
@@ -20332,7 +20225,7 @@
 </p:sld>
 </file>
 
-<file path=ppt/slides/slide39.xml><?xml version="1.0" encoding="utf-8"?>
+<file path=ppt/slides/slide38.xml><?xml version="1.0" encoding="utf-8"?>
 <p:sld xmlns:a="http://schemas.openxmlformats.org/drawingml/2006/main" xmlns:r="http://schemas.openxmlformats.org/officeDocument/2006/relationships" xmlns:p="http://schemas.openxmlformats.org/presentationml/2006/main">
   <p:cSld>
     <p:spTree>
@@ -20419,166 +20312,7 @@
 </p:sld>
 </file>
 
-<file path=ppt/slides/slide4.xml><?xml version="1.0" encoding="utf-8"?>
-<p:sld xmlns:a="http://schemas.openxmlformats.org/drawingml/2006/main" xmlns:r="http://schemas.openxmlformats.org/officeDocument/2006/relationships" xmlns:p="http://schemas.openxmlformats.org/presentationml/2006/main">
-  <p:cSld>
-    <p:spTree>
-      <p:nvGrpSpPr>
-        <p:cNvPr id="1" name=""/>
-        <p:cNvGrpSpPr/>
-        <p:nvPr/>
-      </p:nvGrpSpPr>
-      <p:grpSpPr>
-        <a:xfrm>
-          <a:off x="0" y="0"/>
-          <a:ext cx="0" cy="0"/>
-          <a:chOff x="0" y="0"/>
-          <a:chExt cx="0" cy="0"/>
-        </a:xfrm>
-      </p:grpSpPr>
-      <p:sp>
-        <p:nvSpPr>
-          <p:cNvPr id="2" name="Title 1">
-            <a:extLst>
-              <a:ext uri="{FF2B5EF4-FFF2-40B4-BE49-F238E27FC236}">
-                <a16:creationId xmlns:a16="http://schemas.microsoft.com/office/drawing/2014/main" id="{EEE358D7-4FDC-4D21-BE86-B268766445EB}"/>
-              </a:ext>
-            </a:extLst>
-          </p:cNvPr>
-          <p:cNvSpPr>
-            <a:spLocks noGrp="1"/>
-          </p:cNvSpPr>
-          <p:nvPr>
-            <p:ph type="title"/>
-          </p:nvPr>
-        </p:nvSpPr>
-        <p:spPr/>
-        <p:txBody>
-          <a:bodyPr/>
-          <a:lstStyle/>
-          <a:p>
-            <a:r>
-              <a:rPr lang="en-US" dirty="0"/>
-              <a:t>Agenda</a:t>
-            </a:r>
-            <a:endParaRPr lang="en-IN" dirty="0"/>
-          </a:p>
-        </p:txBody>
-      </p:sp>
-      <p:sp>
-        <p:nvSpPr>
-          <p:cNvPr id="3" name="Content Placeholder 2">
-            <a:extLst>
-              <a:ext uri="{FF2B5EF4-FFF2-40B4-BE49-F238E27FC236}">
-                <a16:creationId xmlns:a16="http://schemas.microsoft.com/office/drawing/2014/main" id="{70A71FDA-F2FA-48C8-97EC-172BAE31C5CB}"/>
-              </a:ext>
-            </a:extLst>
-          </p:cNvPr>
-          <p:cNvSpPr>
-            <a:spLocks noGrp="1"/>
-          </p:cNvSpPr>
-          <p:nvPr>
-            <p:ph idx="1"/>
-          </p:nvPr>
-        </p:nvSpPr>
-        <p:spPr/>
-        <p:txBody>
-          <a:bodyPr>
-            <a:normAutofit lnSpcReduction="10000"/>
-          </a:bodyPr>
-          <a:lstStyle/>
-          <a:p>
-            <a:r>
-              <a:rPr lang="en-US" dirty="0"/>
-              <a:t>Infrastructure As Code (</a:t>
-            </a:r>
-            <a:r>
-              <a:rPr lang="en-US" dirty="0" err="1"/>
-              <a:t>IaC</a:t>
-            </a:r>
-            <a:r>
-              <a:rPr lang="en-US" dirty="0"/>
-              <a:t>)</a:t>
-            </a:r>
-          </a:p>
-          <a:p>
-            <a:r>
-              <a:rPr lang="en-US" dirty="0"/>
-              <a:t>Terraform – Basics</a:t>
-            </a:r>
-          </a:p>
-          <a:p>
-            <a:r>
-              <a:rPr lang="en-US" dirty="0"/>
-              <a:t>Terraform with Azure</a:t>
-            </a:r>
-          </a:p>
-          <a:p>
-            <a:pPr lvl="1"/>
-            <a:r>
-              <a:rPr lang="en-US" dirty="0"/>
-              <a:t>Authentication</a:t>
-            </a:r>
-          </a:p>
-          <a:p>
-            <a:pPr lvl="1"/>
-            <a:r>
-              <a:rPr lang="en-US" dirty="0"/>
-              <a:t>Basic Configuration</a:t>
-            </a:r>
-          </a:p>
-          <a:p>
-            <a:pPr lvl="1"/>
-            <a:r>
-              <a:rPr lang="en-US" dirty="0"/>
-              <a:t>Expressions</a:t>
-            </a:r>
-          </a:p>
-          <a:p>
-            <a:pPr lvl="1"/>
-            <a:r>
-              <a:rPr lang="en-US" dirty="0"/>
-              <a:t>Modules</a:t>
-            </a:r>
-          </a:p>
-          <a:p>
-            <a:pPr lvl="1"/>
-            <a:r>
-              <a:rPr lang="en-US" dirty="0"/>
-              <a:t>Workspaces</a:t>
-            </a:r>
-          </a:p>
-          <a:p>
-            <a:pPr lvl="1"/>
-            <a:r>
-              <a:rPr lang="en-US" dirty="0"/>
-              <a:t>Backends</a:t>
-            </a:r>
-          </a:p>
-          <a:p>
-            <a:pPr lvl="1"/>
-            <a:r>
-              <a:rPr lang="en-US" dirty="0"/>
-              <a:t>Testing and CI &amp; CD</a:t>
-            </a:r>
-            <a:endParaRPr lang="en-IN" dirty="0"/>
-          </a:p>
-        </p:txBody>
-      </p:sp>
-    </p:spTree>
-    <p:extLst>
-      <p:ext uri="{BB962C8B-B14F-4D97-AF65-F5344CB8AC3E}">
-        <p14:creationId xmlns:p14="http://schemas.microsoft.com/office/powerpoint/2010/main" val="4233425511"/>
-      </p:ext>
-    </p:extLst>
-  </p:cSld>
-  <p:clrMapOvr>
-    <a:masterClrMapping/>
-  </p:clrMapOvr>
-</p:sld>
-</file>
-
-<file path=ppt/slides/slide40.xml><?xml version="1.0" encoding="utf-8"?>
+<file path=ppt/slides/slide39.xml><?xml version="1.0" encoding="utf-8"?>
 <p:sld xmlns:a="http://schemas.openxmlformats.org/drawingml/2006/main" xmlns:r="http://schemas.openxmlformats.org/officeDocument/2006/relationships" xmlns:p="http://schemas.openxmlformats.org/presentationml/2006/main">
   <p:cSld>
     <p:spTree>
@@ -20698,7 +20432,159 @@
 </p:sld>
 </file>
 
-<file path=ppt/slides/slide41.xml><?xml version="1.0" encoding="utf-8"?>
+<file path=ppt/slides/slide4.xml><?xml version="1.0" encoding="utf-8"?>
+<p:sld xmlns:a="http://schemas.openxmlformats.org/drawingml/2006/main" xmlns:r="http://schemas.openxmlformats.org/officeDocument/2006/relationships" xmlns:p="http://schemas.openxmlformats.org/presentationml/2006/main">
+  <p:cSld>
+    <p:spTree>
+      <p:nvGrpSpPr>
+        <p:cNvPr id="1" name=""/>
+        <p:cNvGrpSpPr/>
+        <p:nvPr/>
+      </p:nvGrpSpPr>
+      <p:grpSpPr>
+        <a:xfrm>
+          <a:off x="0" y="0"/>
+          <a:ext cx="0" cy="0"/>
+          <a:chOff x="0" y="0"/>
+          <a:chExt cx="0" cy="0"/>
+        </a:xfrm>
+      </p:grpSpPr>
+      <p:sp>
+        <p:nvSpPr>
+          <p:cNvPr id="2" name="Title 1">
+            <a:extLst>
+              <a:ext uri="{FF2B5EF4-FFF2-40B4-BE49-F238E27FC236}">
+                <a16:creationId xmlns:a16="http://schemas.microsoft.com/office/drawing/2014/main" id="{EEC3DEA0-DE67-4096-8694-5AA3E89D24CC}"/>
+              </a:ext>
+            </a:extLst>
+          </p:cNvPr>
+          <p:cNvSpPr>
+            <a:spLocks noGrp="1"/>
+          </p:cNvSpPr>
+          <p:nvPr>
+            <p:ph type="title"/>
+          </p:nvPr>
+        </p:nvSpPr>
+        <p:spPr/>
+        <p:txBody>
+          <a:bodyPr/>
+          <a:lstStyle/>
+          <a:p>
+            <a:r>
+              <a:rPr lang="en-US" dirty="0"/>
+              <a:t>Prerequisites</a:t>
+            </a:r>
+            <a:endParaRPr lang="en-IN" dirty="0"/>
+          </a:p>
+        </p:txBody>
+      </p:sp>
+      <p:sp>
+        <p:nvSpPr>
+          <p:cNvPr id="3" name="Content Placeholder 2">
+            <a:extLst>
+              <a:ext uri="{FF2B5EF4-FFF2-40B4-BE49-F238E27FC236}">
+                <a16:creationId xmlns:a16="http://schemas.microsoft.com/office/drawing/2014/main" id="{F3DE5853-4BAA-4CCC-A36D-838BEB889827}"/>
+              </a:ext>
+            </a:extLst>
+          </p:cNvPr>
+          <p:cNvSpPr>
+            <a:spLocks noGrp="1"/>
+          </p:cNvSpPr>
+          <p:nvPr>
+            <p:ph idx="1"/>
+          </p:nvPr>
+        </p:nvSpPr>
+        <p:spPr/>
+        <p:txBody>
+          <a:bodyPr/>
+          <a:lstStyle/>
+          <a:p>
+            <a:r>
+              <a:rPr lang="en-US" dirty="0"/>
+              <a:t>Terraform</a:t>
+            </a:r>
+          </a:p>
+          <a:p>
+            <a:r>
+              <a:rPr lang="en-US" dirty="0"/>
+              <a:t>Microsoft Azure Subscription</a:t>
+            </a:r>
+          </a:p>
+          <a:p>
+            <a:pPr lvl="1"/>
+            <a:r>
+              <a:rPr lang="en-US" dirty="0"/>
+              <a:t>Contributor level access</a:t>
+            </a:r>
+          </a:p>
+          <a:p>
+            <a:r>
+              <a:rPr lang="en-US" dirty="0"/>
+              <a:t>Azure CLI</a:t>
+            </a:r>
+          </a:p>
+          <a:p>
+            <a:r>
+              <a:rPr lang="en-US" dirty="0"/>
+              <a:t>Visual Studio Code</a:t>
+            </a:r>
+          </a:p>
+          <a:p>
+            <a:pPr lvl="1"/>
+            <a:r>
+              <a:rPr lang="en-US" dirty="0"/>
+              <a:t>Hashicorp Terraform extension</a:t>
+            </a:r>
+          </a:p>
+          <a:p>
+            <a:pPr lvl="1"/>
+            <a:r>
+              <a:rPr lang="en-US" dirty="0"/>
+              <a:t>Azure Terraform extension</a:t>
+            </a:r>
+          </a:p>
+          <a:p>
+            <a:r>
+              <a:rPr lang="en-US" dirty="0"/>
+              <a:t>GitHub account for Ci &amp; CD</a:t>
+            </a:r>
+          </a:p>
+          <a:p>
+            <a:r>
+              <a:rPr lang="en-US" dirty="0"/>
+              <a:t>Demo code from </a:t>
+            </a:r>
+            <a:r>
+              <a:rPr lang="en-US" dirty="0">
+                <a:hlinkClick r:id="rId2"/>
+              </a:rPr>
+              <a:t>https://github.com/rchaganti/tfaz02h</a:t>
+            </a:r>
+            <a:r>
+              <a:rPr lang="en-US" dirty="0"/>
+              <a:t> </a:t>
+            </a:r>
+          </a:p>
+          <a:p>
+            <a:pPr lvl="1"/>
+            <a:endParaRPr lang="en-IN" dirty="0"/>
+          </a:p>
+        </p:txBody>
+      </p:sp>
+    </p:spTree>
+    <p:extLst>
+      <p:ext uri="{BB962C8B-B14F-4D97-AF65-F5344CB8AC3E}">
+        <p14:creationId xmlns:p14="http://schemas.microsoft.com/office/powerpoint/2010/main" val="1739389367"/>
+      </p:ext>
+    </p:extLst>
+  </p:cSld>
+  <p:clrMapOvr>
+    <a:masterClrMapping/>
+  </p:clrMapOvr>
+</p:sld>
+</file>
+
+<file path=ppt/slides/slide40.xml><?xml version="1.0" encoding="utf-8"?>
 <p:sld xmlns:a="http://schemas.openxmlformats.org/drawingml/2006/main" xmlns:r="http://schemas.openxmlformats.org/officeDocument/2006/relationships" xmlns:p="http://schemas.openxmlformats.org/presentationml/2006/main">
   <p:cSld>
     <p:spTree>
@@ -20786,7 +20672,7 @@
 </p:sld>
 </file>
 
-<file path=ppt/slides/slide42.xml><?xml version="1.0" encoding="utf-8"?>
+<file path=ppt/slides/slide41.xml><?xml version="1.0" encoding="utf-8"?>
 <p:sld xmlns:a="http://schemas.openxmlformats.org/drawingml/2006/main" xmlns:r="http://schemas.openxmlformats.org/officeDocument/2006/relationships" xmlns:p="http://schemas.openxmlformats.org/presentationml/2006/main">
   <p:cSld>
     <p:spTree>
@@ -20873,7 +20759,7 @@
 </p:sld>
 </file>
 
-<file path=ppt/slides/slide43.xml><?xml version="1.0" encoding="utf-8"?>
+<file path=ppt/slides/slide42.xml><?xml version="1.0" encoding="utf-8"?>
 <p:sld xmlns:a="http://schemas.openxmlformats.org/drawingml/2006/main" xmlns:r="http://schemas.openxmlformats.org/officeDocument/2006/relationships" xmlns:p="http://schemas.openxmlformats.org/presentationml/2006/main">
   <p:cSld>
     <p:spTree>
@@ -21520,7 +21406,7 @@
 </p:sld>
 </file>
 
-<file path=ppt/slides/slide44.xml><?xml version="1.0" encoding="utf-8"?>
+<file path=ppt/slides/slide43.xml><?xml version="1.0" encoding="utf-8"?>
 <p:sld xmlns:a="http://schemas.openxmlformats.org/drawingml/2006/main" xmlns:r="http://schemas.openxmlformats.org/officeDocument/2006/relationships" xmlns:p="http://schemas.openxmlformats.org/presentationml/2006/main">
   <p:cSld>
     <p:spTree>
@@ -21694,7 +21580,7 @@
 </p:sld>
 </file>
 
-<file path=ppt/slides/slide45.xml><?xml version="1.0" encoding="utf-8"?>
+<file path=ppt/slides/slide44.xml><?xml version="1.0" encoding="utf-8"?>
 <p:sld xmlns:a="http://schemas.openxmlformats.org/drawingml/2006/main" xmlns:r="http://schemas.openxmlformats.org/officeDocument/2006/relationships" xmlns:p="http://schemas.openxmlformats.org/presentationml/2006/main">
   <p:cSld>
     <p:spTree>
@@ -21773,6 +21659,136 @@
     <p:extLst>
       <p:ext uri="{BB962C8B-B14F-4D97-AF65-F5344CB8AC3E}">
         <p14:creationId xmlns:p14="http://schemas.microsoft.com/office/powerpoint/2010/main" val="906346947"/>
+      </p:ext>
+    </p:extLst>
+  </p:cSld>
+  <p:clrMapOvr>
+    <a:masterClrMapping/>
+  </p:clrMapOvr>
+</p:sld>
+</file>
+
+<file path=ppt/slides/slide45.xml><?xml version="1.0" encoding="utf-8"?>
+<p:sld xmlns:a="http://schemas.openxmlformats.org/drawingml/2006/main" xmlns:r="http://schemas.openxmlformats.org/officeDocument/2006/relationships" xmlns:p="http://schemas.openxmlformats.org/presentationml/2006/main">
+  <p:cSld>
+    <p:spTree>
+      <p:nvGrpSpPr>
+        <p:cNvPr id="1" name=""/>
+        <p:cNvGrpSpPr/>
+        <p:nvPr/>
+      </p:nvGrpSpPr>
+      <p:grpSpPr>
+        <a:xfrm>
+          <a:off x="0" y="0"/>
+          <a:ext cx="0" cy="0"/>
+          <a:chOff x="0" y="0"/>
+          <a:chExt cx="0" cy="0"/>
+        </a:xfrm>
+      </p:grpSpPr>
+      <p:sp>
+        <p:nvSpPr>
+          <p:cNvPr id="2" name="Title 1">
+            <a:extLst>
+              <a:ext uri="{FF2B5EF4-FFF2-40B4-BE49-F238E27FC236}">
+                <a16:creationId xmlns:a16="http://schemas.microsoft.com/office/drawing/2014/main" id="{0CC106F9-0316-4390-B5AD-2CBDFFEDDD85}"/>
+              </a:ext>
+            </a:extLst>
+          </p:cNvPr>
+          <p:cNvSpPr>
+            <a:spLocks noGrp="1"/>
+          </p:cNvSpPr>
+          <p:nvPr>
+            <p:ph type="title"/>
+          </p:nvPr>
+        </p:nvSpPr>
+        <p:spPr/>
+        <p:txBody>
+          <a:bodyPr/>
+          <a:lstStyle/>
+          <a:p>
+            <a:r>
+              <a:rPr lang="en-US" dirty="0"/>
+              <a:t>Terraform – Workspaces</a:t>
+            </a:r>
+            <a:endParaRPr lang="en-IN" dirty="0"/>
+          </a:p>
+        </p:txBody>
+      </p:sp>
+      <p:sp>
+        <p:nvSpPr>
+          <p:cNvPr id="3" name="Content Placeholder 2">
+            <a:extLst>
+              <a:ext uri="{FF2B5EF4-FFF2-40B4-BE49-F238E27FC236}">
+                <a16:creationId xmlns:a16="http://schemas.microsoft.com/office/drawing/2014/main" id="{448B947B-8CD6-4B18-AF04-434E9FF52447}"/>
+              </a:ext>
+            </a:extLst>
+          </p:cNvPr>
+          <p:cNvSpPr>
+            <a:spLocks noGrp="1"/>
+          </p:cNvSpPr>
+          <p:nvPr>
+            <p:ph idx="1"/>
+          </p:nvPr>
+        </p:nvSpPr>
+        <p:spPr/>
+        <p:txBody>
+          <a:bodyPr>
+            <a:normAutofit/>
+          </a:bodyPr>
+          <a:lstStyle/>
+          <a:p>
+            <a:r>
+              <a:rPr lang="en-US" dirty="0"/>
+              <a:t>Remote backends solve the problem of locking and enable collaboration</a:t>
+            </a:r>
+          </a:p>
+          <a:p>
+            <a:r>
+              <a:rPr lang="en-US" dirty="0"/>
+              <a:t>However, state isolation is still a problem.</a:t>
+            </a:r>
+          </a:p>
+          <a:p>
+            <a:r>
+              <a:rPr lang="en-US" dirty="0"/>
+              <a:t>Especially, when there are multiple environments to deploy to.</a:t>
+            </a:r>
+          </a:p>
+          <a:p>
+            <a:r>
+              <a:rPr lang="en-US" dirty="0"/>
+              <a:t>This is where workspaces play a role</a:t>
+            </a:r>
+          </a:p>
+          <a:p>
+            <a:r>
+              <a:rPr lang="en-US" dirty="0"/>
+              <a:t>Default workspace always exists and cannot be deleted.</a:t>
+            </a:r>
+          </a:p>
+          <a:p>
+            <a:r>
+              <a:rPr lang="en-US" dirty="0"/>
+              <a:t>New workspaces can be created</a:t>
+            </a:r>
+          </a:p>
+          <a:p>
+            <a:pPr lvl="1"/>
+            <a:r>
+              <a:rPr lang="en-US" dirty="0"/>
+              <a:t>Backend initialization must be complete</a:t>
+            </a:r>
+            <a:br>
+              <a:rPr lang="en-US" dirty="0"/>
+            </a:br>
+            <a:endParaRPr lang="en-US" dirty="0"/>
+          </a:p>
+        </p:txBody>
+      </p:sp>
+    </p:spTree>
+    <p:extLst>
+      <p:ext uri="{BB962C8B-B14F-4D97-AF65-F5344CB8AC3E}">
+        <p14:creationId xmlns:p14="http://schemas.microsoft.com/office/powerpoint/2010/main" val="1309143022"/>
       </p:ext>
     </p:extLst>
   </p:cSld>
@@ -21853,136 +21869,6 @@
           <a:p>
             <a:r>
               <a:rPr lang="en-US" dirty="0"/>
-              <a:t>Remote backends solve the problem of locking and enable collaboration</a:t>
-            </a:r>
-          </a:p>
-          <a:p>
-            <a:r>
-              <a:rPr lang="en-US" dirty="0"/>
-              <a:t>However, state isolation is still a problem.</a:t>
-            </a:r>
-          </a:p>
-          <a:p>
-            <a:r>
-              <a:rPr lang="en-US" dirty="0"/>
-              <a:t>Especially, when there are multiple environments to deploy to.</a:t>
-            </a:r>
-          </a:p>
-          <a:p>
-            <a:r>
-              <a:rPr lang="en-US" dirty="0"/>
-              <a:t>This is where workspaces play a role</a:t>
-            </a:r>
-          </a:p>
-          <a:p>
-            <a:r>
-              <a:rPr lang="en-US" dirty="0"/>
-              <a:t>Default workspace always exists and cannot be deleted.</a:t>
-            </a:r>
-          </a:p>
-          <a:p>
-            <a:r>
-              <a:rPr lang="en-US" dirty="0"/>
-              <a:t>New workspaces can be created</a:t>
-            </a:r>
-          </a:p>
-          <a:p>
-            <a:pPr lvl="1"/>
-            <a:r>
-              <a:rPr lang="en-US" dirty="0"/>
-              <a:t>Backend initialization must be complete</a:t>
-            </a:r>
-            <a:br>
-              <a:rPr lang="en-US" dirty="0"/>
-            </a:br>
-            <a:endParaRPr lang="en-US" dirty="0"/>
-          </a:p>
-        </p:txBody>
-      </p:sp>
-    </p:spTree>
-    <p:extLst>
-      <p:ext uri="{BB962C8B-B14F-4D97-AF65-F5344CB8AC3E}">
-        <p14:creationId xmlns:p14="http://schemas.microsoft.com/office/powerpoint/2010/main" val="1309143022"/>
-      </p:ext>
-    </p:extLst>
-  </p:cSld>
-  <p:clrMapOvr>
-    <a:masterClrMapping/>
-  </p:clrMapOvr>
-</p:sld>
-</file>
-
-<file path=ppt/slides/slide47.xml><?xml version="1.0" encoding="utf-8"?>
-<p:sld xmlns:a="http://schemas.openxmlformats.org/drawingml/2006/main" xmlns:r="http://schemas.openxmlformats.org/officeDocument/2006/relationships" xmlns:p="http://schemas.openxmlformats.org/presentationml/2006/main">
-  <p:cSld>
-    <p:spTree>
-      <p:nvGrpSpPr>
-        <p:cNvPr id="1" name=""/>
-        <p:cNvGrpSpPr/>
-        <p:nvPr/>
-      </p:nvGrpSpPr>
-      <p:grpSpPr>
-        <a:xfrm>
-          <a:off x="0" y="0"/>
-          <a:ext cx="0" cy="0"/>
-          <a:chOff x="0" y="0"/>
-          <a:chExt cx="0" cy="0"/>
-        </a:xfrm>
-      </p:grpSpPr>
-      <p:sp>
-        <p:nvSpPr>
-          <p:cNvPr id="2" name="Title 1">
-            <a:extLst>
-              <a:ext uri="{FF2B5EF4-FFF2-40B4-BE49-F238E27FC236}">
-                <a16:creationId xmlns:a16="http://schemas.microsoft.com/office/drawing/2014/main" id="{0CC106F9-0316-4390-B5AD-2CBDFFEDDD85}"/>
-              </a:ext>
-            </a:extLst>
-          </p:cNvPr>
-          <p:cNvSpPr>
-            <a:spLocks noGrp="1"/>
-          </p:cNvSpPr>
-          <p:nvPr>
-            <p:ph type="title"/>
-          </p:nvPr>
-        </p:nvSpPr>
-        <p:spPr/>
-        <p:txBody>
-          <a:bodyPr/>
-          <a:lstStyle/>
-          <a:p>
-            <a:r>
-              <a:rPr lang="en-US" dirty="0"/>
-              <a:t>Terraform – Workspaces</a:t>
-            </a:r>
-            <a:endParaRPr lang="en-IN" dirty="0"/>
-          </a:p>
-        </p:txBody>
-      </p:sp>
-      <p:sp>
-        <p:nvSpPr>
-          <p:cNvPr id="3" name="Content Placeholder 2">
-            <a:extLst>
-              <a:ext uri="{FF2B5EF4-FFF2-40B4-BE49-F238E27FC236}">
-                <a16:creationId xmlns:a16="http://schemas.microsoft.com/office/drawing/2014/main" id="{448B947B-8CD6-4B18-AF04-434E9FF52447}"/>
-              </a:ext>
-            </a:extLst>
-          </p:cNvPr>
-          <p:cNvSpPr>
-            <a:spLocks noGrp="1"/>
-          </p:cNvSpPr>
-          <p:nvPr>
-            <p:ph idx="1"/>
-          </p:nvPr>
-        </p:nvSpPr>
-        <p:spPr/>
-        <p:txBody>
-          <a:bodyPr>
-            <a:normAutofit/>
-          </a:bodyPr>
-          <a:lstStyle/>
-          <a:p>
-            <a:r>
-              <a:rPr lang="en-US" dirty="0"/>
               <a:t>Workspaces can be used to dynamically change configuration parameters. </a:t>
             </a:r>
           </a:p>
@@ -22061,7 +21947,7 @@
 </p:sld>
 </file>
 
-<file path=ppt/slides/slide48.xml><?xml version="1.0" encoding="utf-8"?>
+<file path=ppt/slides/slide47.xml><?xml version="1.0" encoding="utf-8"?>
 <p:sld xmlns:a="http://schemas.openxmlformats.org/drawingml/2006/main" xmlns:r="http://schemas.openxmlformats.org/officeDocument/2006/relationships" xmlns:p="http://schemas.openxmlformats.org/presentationml/2006/main">
   <p:cSld>
     <p:spTree>
@@ -22149,7 +22035,7 @@
 </p:sld>
 </file>
 
-<file path=ppt/slides/slide49.xml><?xml version="1.0" encoding="utf-8"?>
+<file path=ppt/slides/slide48.xml><?xml version="1.0" encoding="utf-8"?>
 <p:sld xmlns:a="http://schemas.openxmlformats.org/drawingml/2006/main" xmlns:r="http://schemas.openxmlformats.org/officeDocument/2006/relationships" xmlns:p="http://schemas.openxmlformats.org/presentationml/2006/main">
   <p:cSld>
     <p:spTree>
@@ -22240,159 +22126,7 @@
 </p:sld>
 </file>
 
-<file path=ppt/slides/slide5.xml><?xml version="1.0" encoding="utf-8"?>
-<p:sld xmlns:a="http://schemas.openxmlformats.org/drawingml/2006/main" xmlns:r="http://schemas.openxmlformats.org/officeDocument/2006/relationships" xmlns:p="http://schemas.openxmlformats.org/presentationml/2006/main">
-  <p:cSld>
-    <p:spTree>
-      <p:nvGrpSpPr>
-        <p:cNvPr id="1" name=""/>
-        <p:cNvGrpSpPr/>
-        <p:nvPr/>
-      </p:nvGrpSpPr>
-      <p:grpSpPr>
-        <a:xfrm>
-          <a:off x="0" y="0"/>
-          <a:ext cx="0" cy="0"/>
-          <a:chOff x="0" y="0"/>
-          <a:chExt cx="0" cy="0"/>
-        </a:xfrm>
-      </p:grpSpPr>
-      <p:sp>
-        <p:nvSpPr>
-          <p:cNvPr id="2" name="Title 1">
-            <a:extLst>
-              <a:ext uri="{FF2B5EF4-FFF2-40B4-BE49-F238E27FC236}">
-                <a16:creationId xmlns:a16="http://schemas.microsoft.com/office/drawing/2014/main" id="{EEC3DEA0-DE67-4096-8694-5AA3E89D24CC}"/>
-              </a:ext>
-            </a:extLst>
-          </p:cNvPr>
-          <p:cNvSpPr>
-            <a:spLocks noGrp="1"/>
-          </p:cNvSpPr>
-          <p:nvPr>
-            <p:ph type="title"/>
-          </p:nvPr>
-        </p:nvSpPr>
-        <p:spPr/>
-        <p:txBody>
-          <a:bodyPr/>
-          <a:lstStyle/>
-          <a:p>
-            <a:r>
-              <a:rPr lang="en-US" dirty="0"/>
-              <a:t>Prerequisites</a:t>
-            </a:r>
-            <a:endParaRPr lang="en-IN" dirty="0"/>
-          </a:p>
-        </p:txBody>
-      </p:sp>
-      <p:sp>
-        <p:nvSpPr>
-          <p:cNvPr id="3" name="Content Placeholder 2">
-            <a:extLst>
-              <a:ext uri="{FF2B5EF4-FFF2-40B4-BE49-F238E27FC236}">
-                <a16:creationId xmlns:a16="http://schemas.microsoft.com/office/drawing/2014/main" id="{F3DE5853-4BAA-4CCC-A36D-838BEB889827}"/>
-              </a:ext>
-            </a:extLst>
-          </p:cNvPr>
-          <p:cNvSpPr>
-            <a:spLocks noGrp="1"/>
-          </p:cNvSpPr>
-          <p:nvPr>
-            <p:ph idx="1"/>
-          </p:nvPr>
-        </p:nvSpPr>
-        <p:spPr/>
-        <p:txBody>
-          <a:bodyPr/>
-          <a:lstStyle/>
-          <a:p>
-            <a:r>
-              <a:rPr lang="en-US" dirty="0"/>
-              <a:t>Terraform</a:t>
-            </a:r>
-          </a:p>
-          <a:p>
-            <a:r>
-              <a:rPr lang="en-US" dirty="0"/>
-              <a:t>Microsoft Azure Subscription</a:t>
-            </a:r>
-          </a:p>
-          <a:p>
-            <a:pPr lvl="1"/>
-            <a:r>
-              <a:rPr lang="en-US" dirty="0"/>
-              <a:t>Contributor level access</a:t>
-            </a:r>
-          </a:p>
-          <a:p>
-            <a:r>
-              <a:rPr lang="en-US" dirty="0"/>
-              <a:t>Azure CLI</a:t>
-            </a:r>
-          </a:p>
-          <a:p>
-            <a:r>
-              <a:rPr lang="en-US" dirty="0"/>
-              <a:t>Visual Studio Code</a:t>
-            </a:r>
-          </a:p>
-          <a:p>
-            <a:pPr lvl="1"/>
-            <a:r>
-              <a:rPr lang="en-US" dirty="0"/>
-              <a:t>Hashicorp Terraform extension</a:t>
-            </a:r>
-          </a:p>
-          <a:p>
-            <a:pPr lvl="1"/>
-            <a:r>
-              <a:rPr lang="en-US" dirty="0"/>
-              <a:t>Azure Terraform extension</a:t>
-            </a:r>
-          </a:p>
-          <a:p>
-            <a:r>
-              <a:rPr lang="en-US" dirty="0"/>
-              <a:t>GitHub account for Ci &amp; CD</a:t>
-            </a:r>
-          </a:p>
-          <a:p>
-            <a:r>
-              <a:rPr lang="en-US" dirty="0"/>
-              <a:t>Demo code from </a:t>
-            </a:r>
-            <a:r>
-              <a:rPr lang="en-US" dirty="0">
-                <a:hlinkClick r:id="rId2"/>
-              </a:rPr>
-              <a:t>https://github.com/rchaganti/tfaz02h</a:t>
-            </a:r>
-            <a:r>
-              <a:rPr lang="en-US" dirty="0"/>
-              <a:t> </a:t>
-            </a:r>
-          </a:p>
-          <a:p>
-            <a:pPr lvl="1"/>
-            <a:endParaRPr lang="en-IN" dirty="0"/>
-          </a:p>
-        </p:txBody>
-      </p:sp>
-    </p:spTree>
-    <p:extLst>
-      <p:ext uri="{BB962C8B-B14F-4D97-AF65-F5344CB8AC3E}">
-        <p14:creationId xmlns:p14="http://schemas.microsoft.com/office/powerpoint/2010/main" val="1739389367"/>
-      </p:ext>
-    </p:extLst>
-  </p:cSld>
-  <p:clrMapOvr>
-    <a:masterClrMapping/>
-  </p:clrMapOvr>
-</p:sld>
-</file>
-
-<file path=ppt/slides/slide50.xml><?xml version="1.0" encoding="utf-8"?>
+<file path=ppt/slides/slide49.xml><?xml version="1.0" encoding="utf-8"?>
 <p:sld xmlns:a="http://schemas.openxmlformats.org/drawingml/2006/main" xmlns:r="http://schemas.openxmlformats.org/officeDocument/2006/relationships" xmlns:p="http://schemas.openxmlformats.org/presentationml/2006/main">
   <p:cSld>
     <p:spTree>
@@ -22509,548 +22243,7 @@
 </p:sld>
 </file>
 
-<file path=ppt/slides/slide51.xml><?xml version="1.0" encoding="utf-8"?>
-<p:sld xmlns:a="http://schemas.openxmlformats.org/drawingml/2006/main" xmlns:r="http://schemas.openxmlformats.org/officeDocument/2006/relationships" xmlns:p="http://schemas.openxmlformats.org/presentationml/2006/main">
-  <p:cSld>
-    <p:spTree>
-      <p:nvGrpSpPr>
-        <p:cNvPr id="1" name=""/>
-        <p:cNvGrpSpPr/>
-        <p:nvPr/>
-      </p:nvGrpSpPr>
-      <p:grpSpPr>
-        <a:xfrm>
-          <a:off x="0" y="0"/>
-          <a:ext cx="0" cy="0"/>
-          <a:chOff x="0" y="0"/>
-          <a:chExt cx="0" cy="0"/>
-        </a:xfrm>
-      </p:grpSpPr>
-      <p:sp>
-        <p:nvSpPr>
-          <p:cNvPr id="2" name="Title 1">
-            <a:extLst>
-              <a:ext uri="{FF2B5EF4-FFF2-40B4-BE49-F238E27FC236}">
-                <a16:creationId xmlns:a16="http://schemas.microsoft.com/office/drawing/2014/main" id="{80AB1DF1-CDDC-4096-9CE9-6644F7C43678}"/>
-              </a:ext>
-            </a:extLst>
-          </p:cNvPr>
-          <p:cNvSpPr>
-            <a:spLocks noGrp="1"/>
-          </p:cNvSpPr>
-          <p:nvPr>
-            <p:ph type="title"/>
-          </p:nvPr>
-        </p:nvSpPr>
-        <p:spPr/>
-        <p:txBody>
-          <a:bodyPr/>
-          <a:lstStyle/>
-          <a:p>
-            <a:r>
-              <a:rPr lang="en-US" dirty="0"/>
-              <a:t>Hands On</a:t>
-            </a:r>
-            <a:endParaRPr lang="en-IN" dirty="0"/>
-          </a:p>
-        </p:txBody>
-      </p:sp>
-      <p:sp>
-        <p:nvSpPr>
-          <p:cNvPr id="3" name="Text Placeholder 2">
-            <a:extLst>
-              <a:ext uri="{FF2B5EF4-FFF2-40B4-BE49-F238E27FC236}">
-                <a16:creationId xmlns:a16="http://schemas.microsoft.com/office/drawing/2014/main" id="{8EF3F0AD-31C1-4264-9AAA-407B0A885F9E}"/>
-              </a:ext>
-            </a:extLst>
-          </p:cNvPr>
-          <p:cNvSpPr>
-            <a:spLocks noGrp="1"/>
-          </p:cNvSpPr>
-          <p:nvPr>
-            <p:ph type="body" idx="1"/>
-          </p:nvPr>
-        </p:nvSpPr>
-        <p:spPr/>
-        <p:txBody>
-          <a:bodyPr/>
-          <a:lstStyle/>
-          <a:p>
-            <a:r>
-              <a:rPr lang="en-US" dirty="0"/>
-              <a:t>Testing, CI &amp; CD</a:t>
-            </a:r>
-            <a:endParaRPr lang="en-IN" dirty="0"/>
-          </a:p>
-        </p:txBody>
-      </p:sp>
-    </p:spTree>
-    <p:extLst>
-      <p:ext uri="{BB962C8B-B14F-4D97-AF65-F5344CB8AC3E}">
-        <p14:creationId xmlns:p14="http://schemas.microsoft.com/office/powerpoint/2010/main" val="1537871638"/>
-      </p:ext>
-    </p:extLst>
-  </p:cSld>
-  <p:clrMapOvr>
-    <a:masterClrMapping/>
-  </p:clrMapOvr>
-</p:sld>
-</file>
-
-<file path=ppt/slides/slide52.xml><?xml version="1.0" encoding="utf-8"?>
-<p:sld xmlns:a="http://schemas.openxmlformats.org/drawingml/2006/main" xmlns:r="http://schemas.openxmlformats.org/officeDocument/2006/relationships" xmlns:p="http://schemas.openxmlformats.org/presentationml/2006/main">
-  <p:cSld>
-    <p:bg>
-      <p:bgPr>
-        <a:solidFill>
-          <a:schemeClr val="bg1"/>
-        </a:solidFill>
-        <a:effectLst/>
-      </p:bgPr>
-    </p:bg>
-    <p:spTree>
-      <p:nvGrpSpPr>
-        <p:cNvPr id="1" name=""/>
-        <p:cNvGrpSpPr/>
-        <p:nvPr/>
-      </p:nvGrpSpPr>
-      <p:grpSpPr>
-        <a:xfrm>
-          <a:off x="0" y="0"/>
-          <a:ext cx="0" cy="0"/>
-          <a:chOff x="0" y="0"/>
-          <a:chExt cx="0" cy="0"/>
-        </a:xfrm>
-      </p:grpSpPr>
-      <p:sp useBgFill="1">
-        <p:nvSpPr>
-          <p:cNvPr id="10" name="Rectangle 9">
-            <a:extLst>
-              <a:ext uri="{FF2B5EF4-FFF2-40B4-BE49-F238E27FC236}">
-                <a16:creationId xmlns:a16="http://schemas.microsoft.com/office/drawing/2014/main" id="{379F11E2-8BA5-4C5C-AE7C-361E5EA011FF}"/>
-              </a:ext>
-              <a:ext uri="{C183D7F6-B498-43B3-948B-1728B52AA6E4}">
-                <adec:decorative xmlns:adec="http://schemas.microsoft.com/office/drawing/2017/decorative" val="1"/>
-              </a:ext>
-            </a:extLst>
-          </p:cNvPr>
-          <p:cNvSpPr>
-            <a:spLocks noGrp="1" noRot="1" noChangeAspect="1" noMove="1" noResize="1" noEditPoints="1" noAdjustHandles="1" noChangeArrowheads="1" noChangeShapeType="1" noTextEdit="1"/>
-          </p:cNvSpPr>
-          <p:nvPr>
-            <p:extLst>
-              <p:ext uri="{386F3935-93C4-4BCD-93E2-E3B085C9AB24}">
-                <p16:designElem xmlns:p16="http://schemas.microsoft.com/office/powerpoint/2015/main" val="1"/>
-              </p:ext>
-            </p:extLst>
-          </p:nvPr>
-        </p:nvSpPr>
-        <p:spPr>
-          <a:xfrm>
-            <a:off x="0" y="1"/>
-            <a:ext cx="12191999" cy="6858000"/>
-          </a:xfrm>
-          <a:prstGeom prst="rect">
-            <a:avLst/>
-          </a:prstGeom>
-          <a:ln>
-            <a:noFill/>
-          </a:ln>
-        </p:spPr>
-        <p:style>
-          <a:lnRef idx="2">
-            <a:schemeClr val="accent1">
-              <a:shade val="50000"/>
-            </a:schemeClr>
-          </a:lnRef>
-          <a:fillRef idx="1">
-            <a:schemeClr val="accent1"/>
-          </a:fillRef>
-          <a:effectRef idx="0">
-            <a:schemeClr val="accent1"/>
-          </a:effectRef>
-          <a:fontRef idx="minor">
-            <a:schemeClr val="lt1"/>
-          </a:fontRef>
-        </p:style>
-        <p:txBody>
-          <a:bodyPr rtlCol="0" anchor="ctr"/>
-          <a:lstStyle/>
-          <a:p>
-            <a:pPr algn="ctr"/>
-            <a:endParaRPr lang="en-US" dirty="0"/>
-          </a:p>
-        </p:txBody>
-      </p:sp>
-      <p:pic>
-        <p:nvPicPr>
-          <p:cNvPr id="5" name="Picture 4" descr="Digital Numbers">
-            <a:extLst>
-              <a:ext uri="{FF2B5EF4-FFF2-40B4-BE49-F238E27FC236}">
-                <a16:creationId xmlns:a16="http://schemas.microsoft.com/office/drawing/2014/main" id="{A21EA617-6D48-425F-97A8-7FEC82C8F401}"/>
-              </a:ext>
-            </a:extLst>
-          </p:cNvPr>
-          <p:cNvPicPr>
-            <a:picLocks noChangeAspect="1"/>
-          </p:cNvPicPr>
-          <p:nvPr/>
-        </p:nvPicPr>
-        <p:blipFill rotWithShape="1">
-          <a:blip r:embed="rId3" cstate="screen">
-            <a:extLst>
-              <a:ext uri="{28A0092B-C50C-407E-A947-70E740481C1C}">
-                <a14:useLocalDpi xmlns:a14="http://schemas.microsoft.com/office/drawing/2010/main"/>
-              </a:ext>
-            </a:extLst>
-          </a:blip>
-          <a:srcRect l="2189" r="9642" b="1"/>
-          <a:stretch/>
-        </p:blipFill>
-        <p:spPr>
-          <a:xfrm>
-            <a:off x="446534" y="723899"/>
-            <a:ext cx="7498616" cy="5676901"/>
-          </a:xfrm>
-          <a:prstGeom prst="rect">
-            <a:avLst/>
-          </a:prstGeom>
-        </p:spPr>
-      </p:pic>
-      <p:sp>
-        <p:nvSpPr>
-          <p:cNvPr id="12" name="Rectangle 11">
-            <a:extLst>
-              <a:ext uri="{FF2B5EF4-FFF2-40B4-BE49-F238E27FC236}">
-                <a16:creationId xmlns:a16="http://schemas.microsoft.com/office/drawing/2014/main" id="{7C00E1DA-EC7C-40FC-95E3-11FDCD2E4291}"/>
-              </a:ext>
-              <a:ext uri="{C183D7F6-B498-43B3-948B-1728B52AA6E4}">
-                <adec:decorative xmlns:adec="http://schemas.microsoft.com/office/drawing/2017/decorative" val="1"/>
-              </a:ext>
-            </a:extLst>
-          </p:cNvPr>
-          <p:cNvSpPr>
-            <a:spLocks noGrp="1" noRot="1" noChangeAspect="1" noMove="1" noResize="1" noEditPoints="1" noAdjustHandles="1" noChangeArrowheads="1" noChangeShapeType="1" noTextEdit="1"/>
-          </p:cNvSpPr>
-          <p:nvPr>
-            <p:extLst>
-              <p:ext uri="{386F3935-93C4-4BCD-93E2-E3B085C9AB24}">
-                <p16:designElem xmlns:p16="http://schemas.microsoft.com/office/powerpoint/2015/main" val="1"/>
-              </p:ext>
-            </p:extLst>
-          </p:nvPr>
-        </p:nvSpPr>
-        <p:spPr>
-          <a:xfrm>
-            <a:off x="8042147" y="723899"/>
-            <a:ext cx="3703320" cy="5666666"/>
-          </a:xfrm>
-          <a:prstGeom prst="rect">
-            <a:avLst/>
-          </a:prstGeom>
-          <a:solidFill>
-            <a:schemeClr val="accent1"/>
-          </a:solidFill>
-          <a:ln>
-            <a:noFill/>
-          </a:ln>
-          <a:effectLst/>
-        </p:spPr>
-        <p:style>
-          <a:lnRef idx="1">
-            <a:schemeClr val="accent1"/>
-          </a:lnRef>
-          <a:fillRef idx="3">
-            <a:schemeClr val="accent1"/>
-          </a:fillRef>
-          <a:effectRef idx="2">
-            <a:schemeClr val="accent1"/>
-          </a:effectRef>
-          <a:fontRef idx="minor">
-            <a:schemeClr val="lt1"/>
-          </a:fontRef>
-        </p:style>
-      </p:sp>
-      <p:sp>
-        <p:nvSpPr>
-          <p:cNvPr id="2" name="Title 1">
-            <a:extLst>
-              <a:ext uri="{FF2B5EF4-FFF2-40B4-BE49-F238E27FC236}">
-                <a16:creationId xmlns:a16="http://schemas.microsoft.com/office/drawing/2014/main" id="{0F87E73C-2B1A-4602-BFBE-CFE1E55D9B38}"/>
-              </a:ext>
-            </a:extLst>
-          </p:cNvPr>
-          <p:cNvSpPr>
-            <a:spLocks noGrp="1"/>
-          </p:cNvSpPr>
-          <p:nvPr>
-            <p:ph type="ctrTitle"/>
-          </p:nvPr>
-        </p:nvSpPr>
-        <p:spPr>
-          <a:xfrm>
-            <a:off x="8296275" y="1419226"/>
-            <a:ext cx="3081576" cy="1746762"/>
-          </a:xfrm>
-        </p:spPr>
-        <p:txBody>
-          <a:bodyPr>
-            <a:normAutofit/>
-          </a:bodyPr>
-          <a:lstStyle/>
-          <a:p>
-            <a:r>
-              <a:rPr lang="en-US" dirty="0">
-                <a:solidFill>
-                  <a:srgbClr val="FFFFFF"/>
-                </a:solidFill>
-              </a:rPr>
-              <a:t>Thank You</a:t>
-            </a:r>
-          </a:p>
-        </p:txBody>
-      </p:sp>
-      <p:sp>
-        <p:nvSpPr>
-          <p:cNvPr id="3" name="Subtitle 2">
-            <a:extLst>
-              <a:ext uri="{FF2B5EF4-FFF2-40B4-BE49-F238E27FC236}">
-                <a16:creationId xmlns:a16="http://schemas.microsoft.com/office/drawing/2014/main" id="{A9CB511D-EA45-4336-847C-1252667143B5}"/>
-              </a:ext>
-            </a:extLst>
-          </p:cNvPr>
-          <p:cNvSpPr>
-            <a:spLocks noGrp="1"/>
-          </p:cNvSpPr>
-          <p:nvPr>
-            <p:ph type="subTitle" idx="1"/>
-          </p:nvPr>
-        </p:nvSpPr>
-        <p:spPr>
-          <a:xfrm>
-            <a:off x="8296275" y="3505095"/>
-            <a:ext cx="3081576" cy="2629006"/>
-          </a:xfrm>
-        </p:spPr>
-        <p:txBody>
-          <a:bodyPr>
-            <a:normAutofit/>
-          </a:bodyPr>
-          <a:lstStyle/>
-          <a:p>
-            <a:r>
-              <a:rPr lang="en-US" dirty="0">
-                <a:solidFill>
-                  <a:schemeClr val="bg2"/>
-                </a:solidFill>
-              </a:rPr>
-              <a:t>@ravikanth</a:t>
-            </a:r>
-          </a:p>
-        </p:txBody>
-      </p:sp>
-      <p:grpSp>
-        <p:nvGrpSpPr>
-          <p:cNvPr id="14" name="Group 13">
-            <a:extLst>
-              <a:ext uri="{FF2B5EF4-FFF2-40B4-BE49-F238E27FC236}">
-                <a16:creationId xmlns:a16="http://schemas.microsoft.com/office/drawing/2014/main" id="{9A421166-2996-41A7-B094-AE5316F347DD}"/>
-              </a:ext>
-              <a:ext uri="{C183D7F6-B498-43B3-948B-1728B52AA6E4}">
-                <adec:decorative xmlns:adec="http://schemas.microsoft.com/office/drawing/2017/decorative" val="1"/>
-              </a:ext>
-            </a:extLst>
-          </p:cNvPr>
-          <p:cNvGrpSpPr>
-            <a:grpSpLocks noGrp="1" noUngrp="1" noRot="1" noChangeAspect="1" noMove="1" noResize="1"/>
-          </p:cNvGrpSpPr>
-          <p:nvPr>
-            <p:extLst>
-              <p:ext uri="{386F3935-93C4-4BCD-93E2-E3B085C9AB24}">
-                <p16:designElem xmlns:p16="http://schemas.microsoft.com/office/powerpoint/2015/main" val="1"/>
-              </p:ext>
-            </p:extLst>
-          </p:nvPr>
-        </p:nvGrpSpPr>
-        <p:grpSpPr>
-          <a:xfrm>
-            <a:off x="446534" y="453643"/>
-            <a:ext cx="11298933" cy="98554"/>
-            <a:chOff x="446534" y="453643"/>
-            <a:chExt cx="11298933" cy="98554"/>
-          </a:xfrm>
-        </p:grpSpPr>
-        <p:sp>
-          <p:nvSpPr>
-            <p:cNvPr id="15" name="Rectangle 14">
-              <a:extLst>
-                <a:ext uri="{FF2B5EF4-FFF2-40B4-BE49-F238E27FC236}">
-                  <a16:creationId xmlns:a16="http://schemas.microsoft.com/office/drawing/2014/main" id="{FDBB1B92-A3EB-43E4-8FAB-D20E8ED14CEF}"/>
-                </a:ext>
-                <a:ext uri="{C183D7F6-B498-43B3-948B-1728B52AA6E4}">
-                  <adec:decorative xmlns:adec="http://schemas.microsoft.com/office/drawing/2017/decorative" val="1"/>
-                </a:ext>
-              </a:extLst>
-            </p:cNvPr>
-            <p:cNvSpPr/>
-            <p:nvPr>
-              <p:extLst>
-                <p:ext uri="{386F3935-93C4-4BCD-93E2-E3B085C9AB24}">
-                  <p16:designElem xmlns:p16="http://schemas.microsoft.com/office/powerpoint/2015/main" val="1"/>
-                </p:ext>
-              </p:extLst>
-            </p:nvPr>
-          </p:nvSpPr>
-          <p:spPr>
-            <a:xfrm>
-              <a:off x="446534" y="457200"/>
-              <a:ext cx="3703320" cy="94997"/>
-            </a:xfrm>
-            <a:prstGeom prst="rect">
-              <a:avLst/>
-            </a:prstGeom>
-            <a:solidFill>
-              <a:schemeClr val="accent1"/>
-            </a:solidFill>
-            <a:ln>
-              <a:noFill/>
-            </a:ln>
-            <a:effectLst/>
-          </p:spPr>
-          <p:style>
-            <a:lnRef idx="1">
-              <a:schemeClr val="accent1"/>
-            </a:lnRef>
-            <a:fillRef idx="3">
-              <a:schemeClr val="accent1"/>
-            </a:fillRef>
-            <a:effectRef idx="2">
-              <a:schemeClr val="accent1"/>
-            </a:effectRef>
-            <a:fontRef idx="minor">
-              <a:schemeClr val="lt1"/>
-            </a:fontRef>
-          </p:style>
-        </p:sp>
-        <p:sp>
-          <p:nvSpPr>
-            <p:cNvPr id="16" name="Rectangle 15">
-              <a:extLst>
-                <a:ext uri="{FF2B5EF4-FFF2-40B4-BE49-F238E27FC236}">
-                  <a16:creationId xmlns:a16="http://schemas.microsoft.com/office/drawing/2014/main" id="{3F3972F4-FE7E-48EA-AAD8-9BE5750A6672}"/>
-                </a:ext>
-                <a:ext uri="{C183D7F6-B498-43B3-948B-1728B52AA6E4}">
-                  <adec:decorative xmlns:adec="http://schemas.microsoft.com/office/drawing/2017/decorative" val="1"/>
-                </a:ext>
-              </a:extLst>
-            </p:cNvPr>
-            <p:cNvSpPr/>
-            <p:nvPr>
-              <p:extLst>
-                <p:ext uri="{386F3935-93C4-4BCD-93E2-E3B085C9AB24}">
-                  <p16:designElem xmlns:p16="http://schemas.microsoft.com/office/powerpoint/2015/main" val="1"/>
-                </p:ext>
-              </p:extLst>
-            </p:nvPr>
-          </p:nvSpPr>
-          <p:spPr>
-            <a:xfrm>
-              <a:off x="8042147" y="453643"/>
-              <a:ext cx="3703320" cy="98554"/>
-            </a:xfrm>
-            <a:prstGeom prst="rect">
-              <a:avLst/>
-            </a:prstGeom>
-            <a:solidFill>
-              <a:schemeClr val="accent4"/>
-            </a:solidFill>
-            <a:ln>
-              <a:noFill/>
-            </a:ln>
-            <a:effectLst/>
-          </p:spPr>
-          <p:style>
-            <a:lnRef idx="1">
-              <a:schemeClr val="accent1"/>
-            </a:lnRef>
-            <a:fillRef idx="3">
-              <a:schemeClr val="accent1"/>
-            </a:fillRef>
-            <a:effectRef idx="2">
-              <a:schemeClr val="accent1"/>
-            </a:effectRef>
-            <a:fontRef idx="minor">
-              <a:schemeClr val="lt1"/>
-            </a:fontRef>
-          </p:style>
-        </p:sp>
-        <p:sp>
-          <p:nvSpPr>
-            <p:cNvPr id="17" name="Rectangle 16">
-              <a:extLst>
-                <a:ext uri="{FF2B5EF4-FFF2-40B4-BE49-F238E27FC236}">
-                  <a16:creationId xmlns:a16="http://schemas.microsoft.com/office/drawing/2014/main" id="{221614E5-870B-4D5E-A43B-8FF7E5323484}"/>
-                </a:ext>
-                <a:ext uri="{C183D7F6-B498-43B3-948B-1728B52AA6E4}">
-                  <adec:decorative xmlns:adec="http://schemas.microsoft.com/office/drawing/2017/decorative" val="1"/>
-                </a:ext>
-              </a:extLst>
-            </p:cNvPr>
-            <p:cNvSpPr/>
-            <p:nvPr>
-              <p:extLst>
-                <p:ext uri="{386F3935-93C4-4BCD-93E2-E3B085C9AB24}">
-                  <p16:designElem xmlns:p16="http://schemas.microsoft.com/office/powerpoint/2015/main" val="1"/>
-                </p:ext>
-              </p:extLst>
-            </p:nvPr>
-          </p:nvSpPr>
-          <p:spPr>
-            <a:xfrm>
-              <a:off x="4241830" y="457200"/>
-              <a:ext cx="3703320" cy="91440"/>
-            </a:xfrm>
-            <a:prstGeom prst="rect">
-              <a:avLst/>
-            </a:prstGeom>
-            <a:solidFill>
-              <a:schemeClr val="accent2"/>
-            </a:solidFill>
-            <a:ln>
-              <a:noFill/>
-            </a:ln>
-            <a:effectLst/>
-          </p:spPr>
-          <p:style>
-            <a:lnRef idx="1">
-              <a:schemeClr val="accent1"/>
-            </a:lnRef>
-            <a:fillRef idx="3">
-              <a:schemeClr val="accent1"/>
-            </a:fillRef>
-            <a:effectRef idx="2">
-              <a:schemeClr val="accent1"/>
-            </a:effectRef>
-            <a:fontRef idx="minor">
-              <a:schemeClr val="lt1"/>
-            </a:fontRef>
-          </p:style>
-        </p:sp>
-      </p:grpSp>
-    </p:spTree>
-    <p:extLst>
-      <p:ext uri="{BB962C8B-B14F-4D97-AF65-F5344CB8AC3E}">
-        <p14:creationId xmlns:p14="http://schemas.microsoft.com/office/powerpoint/2010/main" val="3501347425"/>
-      </p:ext>
-    </p:extLst>
-  </p:cSld>
-  <p:clrMapOvr>
-    <a:masterClrMapping/>
-  </p:clrMapOvr>
-</p:sld>
-</file>
-
-<file path=ppt/slides/slide6.xml><?xml version="1.0" encoding="utf-8"?>
+<file path=ppt/slides/slide5.xml><?xml version="1.0" encoding="utf-8"?>
 <p:sld xmlns:a="http://schemas.openxmlformats.org/drawingml/2006/main" xmlns:r="http://schemas.openxmlformats.org/officeDocument/2006/relationships" xmlns:p="http://schemas.openxmlformats.org/presentationml/2006/main">
   <p:cSld>
     <p:spTree>
@@ -23504,7 +22697,548 @@
 </p:sld>
 </file>
 
-<file path=ppt/slides/slide7.xml><?xml version="1.0" encoding="utf-8"?>
+<file path=ppt/slides/slide50.xml><?xml version="1.0" encoding="utf-8"?>
+<p:sld xmlns:a="http://schemas.openxmlformats.org/drawingml/2006/main" xmlns:r="http://schemas.openxmlformats.org/officeDocument/2006/relationships" xmlns:p="http://schemas.openxmlformats.org/presentationml/2006/main">
+  <p:cSld>
+    <p:spTree>
+      <p:nvGrpSpPr>
+        <p:cNvPr id="1" name=""/>
+        <p:cNvGrpSpPr/>
+        <p:nvPr/>
+      </p:nvGrpSpPr>
+      <p:grpSpPr>
+        <a:xfrm>
+          <a:off x="0" y="0"/>
+          <a:ext cx="0" cy="0"/>
+          <a:chOff x="0" y="0"/>
+          <a:chExt cx="0" cy="0"/>
+        </a:xfrm>
+      </p:grpSpPr>
+      <p:sp>
+        <p:nvSpPr>
+          <p:cNvPr id="2" name="Title 1">
+            <a:extLst>
+              <a:ext uri="{FF2B5EF4-FFF2-40B4-BE49-F238E27FC236}">
+                <a16:creationId xmlns:a16="http://schemas.microsoft.com/office/drawing/2014/main" id="{80AB1DF1-CDDC-4096-9CE9-6644F7C43678}"/>
+              </a:ext>
+            </a:extLst>
+          </p:cNvPr>
+          <p:cNvSpPr>
+            <a:spLocks noGrp="1"/>
+          </p:cNvSpPr>
+          <p:nvPr>
+            <p:ph type="title"/>
+          </p:nvPr>
+        </p:nvSpPr>
+        <p:spPr/>
+        <p:txBody>
+          <a:bodyPr/>
+          <a:lstStyle/>
+          <a:p>
+            <a:r>
+              <a:rPr lang="en-US" dirty="0"/>
+              <a:t>Hands On</a:t>
+            </a:r>
+            <a:endParaRPr lang="en-IN" dirty="0"/>
+          </a:p>
+        </p:txBody>
+      </p:sp>
+      <p:sp>
+        <p:nvSpPr>
+          <p:cNvPr id="3" name="Text Placeholder 2">
+            <a:extLst>
+              <a:ext uri="{FF2B5EF4-FFF2-40B4-BE49-F238E27FC236}">
+                <a16:creationId xmlns:a16="http://schemas.microsoft.com/office/drawing/2014/main" id="{8EF3F0AD-31C1-4264-9AAA-407B0A885F9E}"/>
+              </a:ext>
+            </a:extLst>
+          </p:cNvPr>
+          <p:cNvSpPr>
+            <a:spLocks noGrp="1"/>
+          </p:cNvSpPr>
+          <p:nvPr>
+            <p:ph type="body" idx="1"/>
+          </p:nvPr>
+        </p:nvSpPr>
+        <p:spPr/>
+        <p:txBody>
+          <a:bodyPr/>
+          <a:lstStyle/>
+          <a:p>
+            <a:r>
+              <a:rPr lang="en-US" dirty="0"/>
+              <a:t>Testing, CI &amp; CD</a:t>
+            </a:r>
+            <a:endParaRPr lang="en-IN" dirty="0"/>
+          </a:p>
+        </p:txBody>
+      </p:sp>
+    </p:spTree>
+    <p:extLst>
+      <p:ext uri="{BB962C8B-B14F-4D97-AF65-F5344CB8AC3E}">
+        <p14:creationId xmlns:p14="http://schemas.microsoft.com/office/powerpoint/2010/main" val="1537871638"/>
+      </p:ext>
+    </p:extLst>
+  </p:cSld>
+  <p:clrMapOvr>
+    <a:masterClrMapping/>
+  </p:clrMapOvr>
+</p:sld>
+</file>
+
+<file path=ppt/slides/slide51.xml><?xml version="1.0" encoding="utf-8"?>
+<p:sld xmlns:a="http://schemas.openxmlformats.org/drawingml/2006/main" xmlns:r="http://schemas.openxmlformats.org/officeDocument/2006/relationships" xmlns:p="http://schemas.openxmlformats.org/presentationml/2006/main">
+  <p:cSld>
+    <p:bg>
+      <p:bgPr>
+        <a:solidFill>
+          <a:schemeClr val="bg1"/>
+        </a:solidFill>
+        <a:effectLst/>
+      </p:bgPr>
+    </p:bg>
+    <p:spTree>
+      <p:nvGrpSpPr>
+        <p:cNvPr id="1" name=""/>
+        <p:cNvGrpSpPr/>
+        <p:nvPr/>
+      </p:nvGrpSpPr>
+      <p:grpSpPr>
+        <a:xfrm>
+          <a:off x="0" y="0"/>
+          <a:ext cx="0" cy="0"/>
+          <a:chOff x="0" y="0"/>
+          <a:chExt cx="0" cy="0"/>
+        </a:xfrm>
+      </p:grpSpPr>
+      <p:sp useBgFill="1">
+        <p:nvSpPr>
+          <p:cNvPr id="10" name="Rectangle 9">
+            <a:extLst>
+              <a:ext uri="{FF2B5EF4-FFF2-40B4-BE49-F238E27FC236}">
+                <a16:creationId xmlns:a16="http://schemas.microsoft.com/office/drawing/2014/main" id="{379F11E2-8BA5-4C5C-AE7C-361E5EA011FF}"/>
+              </a:ext>
+              <a:ext uri="{C183D7F6-B498-43B3-948B-1728B52AA6E4}">
+                <adec:decorative xmlns:adec="http://schemas.microsoft.com/office/drawing/2017/decorative" val="1"/>
+              </a:ext>
+            </a:extLst>
+          </p:cNvPr>
+          <p:cNvSpPr>
+            <a:spLocks noGrp="1" noRot="1" noChangeAspect="1" noMove="1" noResize="1" noEditPoints="1" noAdjustHandles="1" noChangeArrowheads="1" noChangeShapeType="1" noTextEdit="1"/>
+          </p:cNvSpPr>
+          <p:nvPr>
+            <p:extLst>
+              <p:ext uri="{386F3935-93C4-4BCD-93E2-E3B085C9AB24}">
+                <p16:designElem xmlns:p16="http://schemas.microsoft.com/office/powerpoint/2015/main" val="1"/>
+              </p:ext>
+            </p:extLst>
+          </p:nvPr>
+        </p:nvSpPr>
+        <p:spPr>
+          <a:xfrm>
+            <a:off x="0" y="1"/>
+            <a:ext cx="12191999" cy="6858000"/>
+          </a:xfrm>
+          <a:prstGeom prst="rect">
+            <a:avLst/>
+          </a:prstGeom>
+          <a:ln>
+            <a:noFill/>
+          </a:ln>
+        </p:spPr>
+        <p:style>
+          <a:lnRef idx="2">
+            <a:schemeClr val="accent1">
+              <a:shade val="50000"/>
+            </a:schemeClr>
+          </a:lnRef>
+          <a:fillRef idx="1">
+            <a:schemeClr val="accent1"/>
+          </a:fillRef>
+          <a:effectRef idx="0">
+            <a:schemeClr val="accent1"/>
+          </a:effectRef>
+          <a:fontRef idx="minor">
+            <a:schemeClr val="lt1"/>
+          </a:fontRef>
+        </p:style>
+        <p:txBody>
+          <a:bodyPr rtlCol="0" anchor="ctr"/>
+          <a:lstStyle/>
+          <a:p>
+            <a:pPr algn="ctr"/>
+            <a:endParaRPr lang="en-US" dirty="0"/>
+          </a:p>
+        </p:txBody>
+      </p:sp>
+      <p:pic>
+        <p:nvPicPr>
+          <p:cNvPr id="5" name="Picture 4" descr="Digital Numbers">
+            <a:extLst>
+              <a:ext uri="{FF2B5EF4-FFF2-40B4-BE49-F238E27FC236}">
+                <a16:creationId xmlns:a16="http://schemas.microsoft.com/office/drawing/2014/main" id="{A21EA617-6D48-425F-97A8-7FEC82C8F401}"/>
+              </a:ext>
+            </a:extLst>
+          </p:cNvPr>
+          <p:cNvPicPr>
+            <a:picLocks noChangeAspect="1"/>
+          </p:cNvPicPr>
+          <p:nvPr/>
+        </p:nvPicPr>
+        <p:blipFill rotWithShape="1">
+          <a:blip r:embed="rId3" cstate="screen">
+            <a:extLst>
+              <a:ext uri="{28A0092B-C50C-407E-A947-70E740481C1C}">
+                <a14:useLocalDpi xmlns:a14="http://schemas.microsoft.com/office/drawing/2010/main"/>
+              </a:ext>
+            </a:extLst>
+          </a:blip>
+          <a:srcRect l="2189" r="9642" b="1"/>
+          <a:stretch/>
+        </p:blipFill>
+        <p:spPr>
+          <a:xfrm>
+            <a:off x="446534" y="723899"/>
+            <a:ext cx="7498616" cy="5676901"/>
+          </a:xfrm>
+          <a:prstGeom prst="rect">
+            <a:avLst/>
+          </a:prstGeom>
+        </p:spPr>
+      </p:pic>
+      <p:sp>
+        <p:nvSpPr>
+          <p:cNvPr id="12" name="Rectangle 11">
+            <a:extLst>
+              <a:ext uri="{FF2B5EF4-FFF2-40B4-BE49-F238E27FC236}">
+                <a16:creationId xmlns:a16="http://schemas.microsoft.com/office/drawing/2014/main" id="{7C00E1DA-EC7C-40FC-95E3-11FDCD2E4291}"/>
+              </a:ext>
+              <a:ext uri="{C183D7F6-B498-43B3-948B-1728B52AA6E4}">
+                <adec:decorative xmlns:adec="http://schemas.microsoft.com/office/drawing/2017/decorative" val="1"/>
+              </a:ext>
+            </a:extLst>
+          </p:cNvPr>
+          <p:cNvSpPr>
+            <a:spLocks noGrp="1" noRot="1" noChangeAspect="1" noMove="1" noResize="1" noEditPoints="1" noAdjustHandles="1" noChangeArrowheads="1" noChangeShapeType="1" noTextEdit="1"/>
+          </p:cNvSpPr>
+          <p:nvPr>
+            <p:extLst>
+              <p:ext uri="{386F3935-93C4-4BCD-93E2-E3B085C9AB24}">
+                <p16:designElem xmlns:p16="http://schemas.microsoft.com/office/powerpoint/2015/main" val="1"/>
+              </p:ext>
+            </p:extLst>
+          </p:nvPr>
+        </p:nvSpPr>
+        <p:spPr>
+          <a:xfrm>
+            <a:off x="8042147" y="723899"/>
+            <a:ext cx="3703320" cy="5666666"/>
+          </a:xfrm>
+          <a:prstGeom prst="rect">
+            <a:avLst/>
+          </a:prstGeom>
+          <a:solidFill>
+            <a:schemeClr val="accent1"/>
+          </a:solidFill>
+          <a:ln>
+            <a:noFill/>
+          </a:ln>
+          <a:effectLst/>
+        </p:spPr>
+        <p:style>
+          <a:lnRef idx="1">
+            <a:schemeClr val="accent1"/>
+          </a:lnRef>
+          <a:fillRef idx="3">
+            <a:schemeClr val="accent1"/>
+          </a:fillRef>
+          <a:effectRef idx="2">
+            <a:schemeClr val="accent1"/>
+          </a:effectRef>
+          <a:fontRef idx="minor">
+            <a:schemeClr val="lt1"/>
+          </a:fontRef>
+        </p:style>
+      </p:sp>
+      <p:sp>
+        <p:nvSpPr>
+          <p:cNvPr id="2" name="Title 1">
+            <a:extLst>
+              <a:ext uri="{FF2B5EF4-FFF2-40B4-BE49-F238E27FC236}">
+                <a16:creationId xmlns:a16="http://schemas.microsoft.com/office/drawing/2014/main" id="{0F87E73C-2B1A-4602-BFBE-CFE1E55D9B38}"/>
+              </a:ext>
+            </a:extLst>
+          </p:cNvPr>
+          <p:cNvSpPr>
+            <a:spLocks noGrp="1"/>
+          </p:cNvSpPr>
+          <p:nvPr>
+            <p:ph type="ctrTitle"/>
+          </p:nvPr>
+        </p:nvSpPr>
+        <p:spPr>
+          <a:xfrm>
+            <a:off x="8296275" y="1419226"/>
+            <a:ext cx="3081576" cy="1746762"/>
+          </a:xfrm>
+        </p:spPr>
+        <p:txBody>
+          <a:bodyPr>
+            <a:normAutofit/>
+          </a:bodyPr>
+          <a:lstStyle/>
+          <a:p>
+            <a:r>
+              <a:rPr lang="en-US" dirty="0">
+                <a:solidFill>
+                  <a:srgbClr val="FFFFFF"/>
+                </a:solidFill>
+              </a:rPr>
+              <a:t>Thank You</a:t>
+            </a:r>
+          </a:p>
+        </p:txBody>
+      </p:sp>
+      <p:sp>
+        <p:nvSpPr>
+          <p:cNvPr id="3" name="Subtitle 2">
+            <a:extLst>
+              <a:ext uri="{FF2B5EF4-FFF2-40B4-BE49-F238E27FC236}">
+                <a16:creationId xmlns:a16="http://schemas.microsoft.com/office/drawing/2014/main" id="{A9CB511D-EA45-4336-847C-1252667143B5}"/>
+              </a:ext>
+            </a:extLst>
+          </p:cNvPr>
+          <p:cNvSpPr>
+            <a:spLocks noGrp="1"/>
+          </p:cNvSpPr>
+          <p:nvPr>
+            <p:ph type="subTitle" idx="1"/>
+          </p:nvPr>
+        </p:nvSpPr>
+        <p:spPr>
+          <a:xfrm>
+            <a:off x="8296275" y="3505095"/>
+            <a:ext cx="3081576" cy="2629006"/>
+          </a:xfrm>
+        </p:spPr>
+        <p:txBody>
+          <a:bodyPr>
+            <a:normAutofit/>
+          </a:bodyPr>
+          <a:lstStyle/>
+          <a:p>
+            <a:r>
+              <a:rPr lang="en-US" dirty="0">
+                <a:solidFill>
+                  <a:schemeClr val="bg2"/>
+                </a:solidFill>
+              </a:rPr>
+              <a:t>@ravikanth</a:t>
+            </a:r>
+          </a:p>
+        </p:txBody>
+      </p:sp>
+      <p:grpSp>
+        <p:nvGrpSpPr>
+          <p:cNvPr id="14" name="Group 13">
+            <a:extLst>
+              <a:ext uri="{FF2B5EF4-FFF2-40B4-BE49-F238E27FC236}">
+                <a16:creationId xmlns:a16="http://schemas.microsoft.com/office/drawing/2014/main" id="{9A421166-2996-41A7-B094-AE5316F347DD}"/>
+              </a:ext>
+              <a:ext uri="{C183D7F6-B498-43B3-948B-1728B52AA6E4}">
+                <adec:decorative xmlns:adec="http://schemas.microsoft.com/office/drawing/2017/decorative" val="1"/>
+              </a:ext>
+            </a:extLst>
+          </p:cNvPr>
+          <p:cNvGrpSpPr>
+            <a:grpSpLocks noGrp="1" noUngrp="1" noRot="1" noChangeAspect="1" noMove="1" noResize="1"/>
+          </p:cNvGrpSpPr>
+          <p:nvPr>
+            <p:extLst>
+              <p:ext uri="{386F3935-93C4-4BCD-93E2-E3B085C9AB24}">
+                <p16:designElem xmlns:p16="http://schemas.microsoft.com/office/powerpoint/2015/main" val="1"/>
+              </p:ext>
+            </p:extLst>
+          </p:nvPr>
+        </p:nvGrpSpPr>
+        <p:grpSpPr>
+          <a:xfrm>
+            <a:off x="446534" y="453643"/>
+            <a:ext cx="11298933" cy="98554"/>
+            <a:chOff x="446534" y="453643"/>
+            <a:chExt cx="11298933" cy="98554"/>
+          </a:xfrm>
+        </p:grpSpPr>
+        <p:sp>
+          <p:nvSpPr>
+            <p:cNvPr id="15" name="Rectangle 14">
+              <a:extLst>
+                <a:ext uri="{FF2B5EF4-FFF2-40B4-BE49-F238E27FC236}">
+                  <a16:creationId xmlns:a16="http://schemas.microsoft.com/office/drawing/2014/main" id="{FDBB1B92-A3EB-43E4-8FAB-D20E8ED14CEF}"/>
+                </a:ext>
+                <a:ext uri="{C183D7F6-B498-43B3-948B-1728B52AA6E4}">
+                  <adec:decorative xmlns:adec="http://schemas.microsoft.com/office/drawing/2017/decorative" val="1"/>
+                </a:ext>
+              </a:extLst>
+            </p:cNvPr>
+            <p:cNvSpPr/>
+            <p:nvPr>
+              <p:extLst>
+                <p:ext uri="{386F3935-93C4-4BCD-93E2-E3B085C9AB24}">
+                  <p16:designElem xmlns:p16="http://schemas.microsoft.com/office/powerpoint/2015/main" val="1"/>
+                </p:ext>
+              </p:extLst>
+            </p:nvPr>
+          </p:nvSpPr>
+          <p:spPr>
+            <a:xfrm>
+              <a:off x="446534" y="457200"/>
+              <a:ext cx="3703320" cy="94997"/>
+            </a:xfrm>
+            <a:prstGeom prst="rect">
+              <a:avLst/>
+            </a:prstGeom>
+            <a:solidFill>
+              <a:schemeClr val="accent1"/>
+            </a:solidFill>
+            <a:ln>
+              <a:noFill/>
+            </a:ln>
+            <a:effectLst/>
+          </p:spPr>
+          <p:style>
+            <a:lnRef idx="1">
+              <a:schemeClr val="accent1"/>
+            </a:lnRef>
+            <a:fillRef idx="3">
+              <a:schemeClr val="accent1"/>
+            </a:fillRef>
+            <a:effectRef idx="2">
+              <a:schemeClr val="accent1"/>
+            </a:effectRef>
+            <a:fontRef idx="minor">
+              <a:schemeClr val="lt1"/>
+            </a:fontRef>
+          </p:style>
+        </p:sp>
+        <p:sp>
+          <p:nvSpPr>
+            <p:cNvPr id="16" name="Rectangle 15">
+              <a:extLst>
+                <a:ext uri="{FF2B5EF4-FFF2-40B4-BE49-F238E27FC236}">
+                  <a16:creationId xmlns:a16="http://schemas.microsoft.com/office/drawing/2014/main" id="{3F3972F4-FE7E-48EA-AAD8-9BE5750A6672}"/>
+                </a:ext>
+                <a:ext uri="{C183D7F6-B498-43B3-948B-1728B52AA6E4}">
+                  <adec:decorative xmlns:adec="http://schemas.microsoft.com/office/drawing/2017/decorative" val="1"/>
+                </a:ext>
+              </a:extLst>
+            </p:cNvPr>
+            <p:cNvSpPr/>
+            <p:nvPr>
+              <p:extLst>
+                <p:ext uri="{386F3935-93C4-4BCD-93E2-E3B085C9AB24}">
+                  <p16:designElem xmlns:p16="http://schemas.microsoft.com/office/powerpoint/2015/main" val="1"/>
+                </p:ext>
+              </p:extLst>
+            </p:nvPr>
+          </p:nvSpPr>
+          <p:spPr>
+            <a:xfrm>
+              <a:off x="8042147" y="453643"/>
+              <a:ext cx="3703320" cy="98554"/>
+            </a:xfrm>
+            <a:prstGeom prst="rect">
+              <a:avLst/>
+            </a:prstGeom>
+            <a:solidFill>
+              <a:schemeClr val="accent4"/>
+            </a:solidFill>
+            <a:ln>
+              <a:noFill/>
+            </a:ln>
+            <a:effectLst/>
+          </p:spPr>
+          <p:style>
+            <a:lnRef idx="1">
+              <a:schemeClr val="accent1"/>
+            </a:lnRef>
+            <a:fillRef idx="3">
+              <a:schemeClr val="accent1"/>
+            </a:fillRef>
+            <a:effectRef idx="2">
+              <a:schemeClr val="accent1"/>
+            </a:effectRef>
+            <a:fontRef idx="minor">
+              <a:schemeClr val="lt1"/>
+            </a:fontRef>
+          </p:style>
+        </p:sp>
+        <p:sp>
+          <p:nvSpPr>
+            <p:cNvPr id="17" name="Rectangle 16">
+              <a:extLst>
+                <a:ext uri="{FF2B5EF4-FFF2-40B4-BE49-F238E27FC236}">
+                  <a16:creationId xmlns:a16="http://schemas.microsoft.com/office/drawing/2014/main" id="{221614E5-870B-4D5E-A43B-8FF7E5323484}"/>
+                </a:ext>
+                <a:ext uri="{C183D7F6-B498-43B3-948B-1728B52AA6E4}">
+                  <adec:decorative xmlns:adec="http://schemas.microsoft.com/office/drawing/2017/decorative" val="1"/>
+                </a:ext>
+              </a:extLst>
+            </p:cNvPr>
+            <p:cNvSpPr/>
+            <p:nvPr>
+              <p:extLst>
+                <p:ext uri="{386F3935-93C4-4BCD-93E2-E3B085C9AB24}">
+                  <p16:designElem xmlns:p16="http://schemas.microsoft.com/office/powerpoint/2015/main" val="1"/>
+                </p:ext>
+              </p:extLst>
+            </p:nvPr>
+          </p:nvSpPr>
+          <p:spPr>
+            <a:xfrm>
+              <a:off x="4241830" y="457200"/>
+              <a:ext cx="3703320" cy="91440"/>
+            </a:xfrm>
+            <a:prstGeom prst="rect">
+              <a:avLst/>
+            </a:prstGeom>
+            <a:solidFill>
+              <a:schemeClr val="accent2"/>
+            </a:solidFill>
+            <a:ln>
+              <a:noFill/>
+            </a:ln>
+            <a:effectLst/>
+          </p:spPr>
+          <p:style>
+            <a:lnRef idx="1">
+              <a:schemeClr val="accent1"/>
+            </a:lnRef>
+            <a:fillRef idx="3">
+              <a:schemeClr val="accent1"/>
+            </a:fillRef>
+            <a:effectRef idx="2">
+              <a:schemeClr val="accent1"/>
+            </a:effectRef>
+            <a:fontRef idx="minor">
+              <a:schemeClr val="lt1"/>
+            </a:fontRef>
+          </p:style>
+        </p:sp>
+      </p:grpSp>
+    </p:spTree>
+    <p:extLst>
+      <p:ext uri="{BB962C8B-B14F-4D97-AF65-F5344CB8AC3E}">
+        <p14:creationId xmlns:p14="http://schemas.microsoft.com/office/powerpoint/2010/main" val="3501347425"/>
+      </p:ext>
+    </p:extLst>
+  </p:cSld>
+  <p:clrMapOvr>
+    <a:masterClrMapping/>
+  </p:clrMapOvr>
+</p:sld>
+</file>
+
+<file path=ppt/slides/slide6.xml><?xml version="1.0" encoding="utf-8"?>
 <p:sld xmlns:a="http://schemas.openxmlformats.org/drawingml/2006/main" xmlns:r="http://schemas.openxmlformats.org/officeDocument/2006/relationships" xmlns:p="http://schemas.openxmlformats.org/presentationml/2006/main">
   <p:cSld>
     <p:spTree>
@@ -23999,7 +23733,7 @@
 </p:sld>
 </file>
 
-<file path=ppt/slides/slide8.xml><?xml version="1.0" encoding="utf-8"?>
+<file path=ppt/slides/slide7.xml><?xml version="1.0" encoding="utf-8"?>
 <p:sld xmlns:a="http://schemas.openxmlformats.org/drawingml/2006/main" xmlns:r="http://schemas.openxmlformats.org/officeDocument/2006/relationships" xmlns:p="http://schemas.openxmlformats.org/presentationml/2006/main">
   <p:cSld>
     <p:spTree>
@@ -24405,7 +24139,7 @@
 </p:sld>
 </file>
 
-<file path=ppt/slides/slide9.xml><?xml version="1.0" encoding="utf-8"?>
+<file path=ppt/slides/slide8.xml><?xml version="1.0" encoding="utf-8"?>
 <p:sld xmlns:a="http://schemas.openxmlformats.org/drawingml/2006/main" xmlns:r="http://schemas.openxmlformats.org/officeDocument/2006/relationships" xmlns:p="http://schemas.openxmlformats.org/presentationml/2006/main">
   <p:cSld>
     <p:spTree>
@@ -24522,6 +24256,176 @@
     <p:extLst>
       <p:ext uri="{BB962C8B-B14F-4D97-AF65-F5344CB8AC3E}">
         <p14:creationId xmlns:p14="http://schemas.microsoft.com/office/powerpoint/2010/main" val="2538592211"/>
+      </p:ext>
+    </p:extLst>
+  </p:cSld>
+  <p:clrMapOvr>
+    <a:masterClrMapping/>
+  </p:clrMapOvr>
+</p:sld>
+</file>
+
+<file path=ppt/slides/slide9.xml><?xml version="1.0" encoding="utf-8"?>
+<p:sld xmlns:a="http://schemas.openxmlformats.org/drawingml/2006/main" xmlns:r="http://schemas.openxmlformats.org/officeDocument/2006/relationships" xmlns:p="http://schemas.openxmlformats.org/presentationml/2006/main">
+  <p:cSld>
+    <p:spTree>
+      <p:nvGrpSpPr>
+        <p:cNvPr id="1" name=""/>
+        <p:cNvGrpSpPr/>
+        <p:nvPr/>
+      </p:nvGrpSpPr>
+      <p:grpSpPr>
+        <a:xfrm>
+          <a:off x="0" y="0"/>
+          <a:ext cx="0" cy="0"/>
+          <a:chOff x="0" y="0"/>
+          <a:chExt cx="0" cy="0"/>
+        </a:xfrm>
+      </p:grpSpPr>
+      <p:sp>
+        <p:nvSpPr>
+          <p:cNvPr id="2" name="Title 1">
+            <a:extLst>
+              <a:ext uri="{FF2B5EF4-FFF2-40B4-BE49-F238E27FC236}">
+                <a16:creationId xmlns:a16="http://schemas.microsoft.com/office/drawing/2014/main" id="{B481A8DD-05C3-4B07-84AB-9BC73F23177D}"/>
+              </a:ext>
+            </a:extLst>
+          </p:cNvPr>
+          <p:cNvSpPr>
+            <a:spLocks noGrp="1"/>
+          </p:cNvSpPr>
+          <p:nvPr>
+            <p:ph type="title"/>
+          </p:nvPr>
+        </p:nvSpPr>
+        <p:spPr/>
+        <p:txBody>
+          <a:bodyPr/>
+          <a:lstStyle/>
+          <a:p>
+            <a:r>
+              <a:rPr lang="en-US" dirty="0" err="1"/>
+              <a:t>Devops</a:t>
+            </a:r>
+            <a:r>
+              <a:rPr lang="en-US" dirty="0"/>
+              <a:t> and infrastructure as code</a:t>
+            </a:r>
+            <a:endParaRPr lang="en-IN" dirty="0"/>
+          </a:p>
+        </p:txBody>
+      </p:sp>
+      <p:graphicFrame>
+        <p:nvGraphicFramePr>
+          <p:cNvPr id="4" name="Diagram 3">
+            <a:extLst>
+              <a:ext uri="{FF2B5EF4-FFF2-40B4-BE49-F238E27FC236}">
+                <a16:creationId xmlns:a16="http://schemas.microsoft.com/office/drawing/2014/main" id="{AC6E30B2-DE19-41A4-A20E-F50AC6D48552}"/>
+              </a:ext>
+            </a:extLst>
+          </p:cNvPr>
+          <p:cNvGraphicFramePr/>
+          <p:nvPr/>
+        </p:nvGraphicFramePr>
+        <p:xfrm>
+          <a:off x="-805023" y="2044505"/>
+          <a:ext cx="7130757" cy="4581508"/>
+        </p:xfrm>
+        <a:graphic>
+          <a:graphicData uri="http://schemas.openxmlformats.org/drawingml/2006/diagram">
+            <dgm:relIds xmlns:dgm="http://schemas.openxmlformats.org/drawingml/2006/diagram" xmlns:r="http://schemas.openxmlformats.org/officeDocument/2006/relationships" r:dm="rId2" r:lo="rId3" r:qs="rId4" r:cs="rId5"/>
+          </a:graphicData>
+        </a:graphic>
+      </p:graphicFrame>
+      <p:sp>
+        <p:nvSpPr>
+          <p:cNvPr id="5" name="Content Placeholder 2">
+            <a:extLst>
+              <a:ext uri="{FF2B5EF4-FFF2-40B4-BE49-F238E27FC236}">
+                <a16:creationId xmlns:a16="http://schemas.microsoft.com/office/drawing/2014/main" id="{EB37F938-974B-4638-B70C-317A67936AB9}"/>
+              </a:ext>
+            </a:extLst>
+          </p:cNvPr>
+          <p:cNvSpPr>
+            <a:spLocks noGrp="1"/>
+          </p:cNvSpPr>
+          <p:nvPr>
+            <p:ph idx="1"/>
+          </p:nvPr>
+        </p:nvSpPr>
+        <p:spPr>
+          <a:xfrm>
+            <a:off x="6475829" y="2128910"/>
+            <a:ext cx="5134979" cy="4234375"/>
+          </a:xfrm>
+        </p:spPr>
+        <p:txBody>
+          <a:bodyPr/>
+          <a:lstStyle/>
+          <a:p>
+            <a:r>
+              <a:rPr lang="en-US" dirty="0"/>
+              <a:t>Apart from collaboration and effective communication between Development and Operations, automation is key to realizing goals of DevOps</a:t>
+            </a:r>
+          </a:p>
+          <a:p>
+            <a:r>
+              <a:rPr lang="en-US" dirty="0"/>
+              <a:t>Automation in the DevOps == Infrastructure as Code (</a:t>
+            </a:r>
+            <a:r>
+              <a:rPr lang="en-US" dirty="0" err="1"/>
+              <a:t>IaC</a:t>
+            </a:r>
+            <a:r>
+              <a:rPr lang="en-US" dirty="0"/>
+              <a:t>)</a:t>
+            </a:r>
+          </a:p>
+          <a:p>
+            <a:r>
+              <a:rPr lang="en-US" dirty="0" err="1"/>
+              <a:t>IaC</a:t>
+            </a:r>
+            <a:r>
+              <a:rPr lang="en-US" dirty="0"/>
+              <a:t> can be classified as:</a:t>
+            </a:r>
+          </a:p>
+          <a:p>
+            <a:pPr lvl="1"/>
+            <a:r>
+              <a:rPr lang="en-US" dirty="0"/>
+              <a:t>Ad-hoc scripts</a:t>
+            </a:r>
+          </a:p>
+          <a:p>
+            <a:pPr lvl="1"/>
+            <a:r>
+              <a:rPr lang="en-US" dirty="0"/>
+              <a:t>Configuration management</a:t>
+            </a:r>
+          </a:p>
+          <a:p>
+            <a:pPr lvl="1"/>
+            <a:r>
+              <a:rPr lang="en-US" dirty="0"/>
+              <a:t>Server Templating</a:t>
+            </a:r>
+          </a:p>
+          <a:p>
+            <a:pPr lvl="1"/>
+            <a:r>
+              <a:rPr lang="en-US" dirty="0"/>
+              <a:t>Provisioning</a:t>
+            </a:r>
+          </a:p>
+        </p:txBody>
+      </p:sp>
+    </p:spTree>
+    <p:extLst>
+      <p:ext uri="{BB962C8B-B14F-4D97-AF65-F5344CB8AC3E}">
+        <p14:creationId xmlns:p14="http://schemas.microsoft.com/office/powerpoint/2010/main" val="805747315"/>
       </p:ext>
     </p:extLst>
   </p:cSld>
@@ -25391,21 +25295,21 @@
 </file>
 
 <file path=customXml/item1.xml><?xml version="1.0" encoding="utf-8"?>
+<p:properties xmlns:p="http://schemas.microsoft.com/office/2006/metadata/properties" xmlns:xsi="http://www.w3.org/2001/XMLSchema-instance" xmlns:pc="http://schemas.microsoft.com/office/infopath/2007/PartnerControls">
+  <documentManagement>
+    <Status xmlns="71af3243-3dd4-4a8d-8c0d-dd76da1f02a5">Not started</Status>
+    <MediaServiceKeyPoints xmlns="71af3243-3dd4-4a8d-8c0d-dd76da1f02a5" xsi:nil="true"/>
+  </documentManagement>
+</p:properties>
+</file>
+
+<file path=customXml/item2.xml><?xml version="1.0" encoding="utf-8"?>
 <?mso-contentType ?>
 <FormTemplates xmlns="http://schemas.microsoft.com/sharepoint/v3/contenttype/forms">
   <Display>DocumentLibraryForm</Display>
   <Edit>DocumentLibraryForm</Edit>
   <New>DocumentLibraryForm</New>
 </FormTemplates>
-</file>
-
-<file path=customXml/item2.xml><?xml version="1.0" encoding="utf-8"?>
-<p:properties xmlns:p="http://schemas.microsoft.com/office/2006/metadata/properties" xmlns:xsi="http://www.w3.org/2001/XMLSchema-instance" xmlns:pc="http://schemas.microsoft.com/office/infopath/2007/PartnerControls">
-  <documentManagement>
-    <Status xmlns="71af3243-3dd4-4a8d-8c0d-dd76da1f02a5">Not started</Status>
-    <MediaServiceKeyPoints xmlns="71af3243-3dd4-4a8d-8c0d-dd76da1f02a5" xsi:nil="true"/>
-  </documentManagement>
-</p:properties>
 </file>
 
 <file path=customXml/item3.xml><?xml version="1.0" encoding="utf-8"?>
@@ -25630,19 +25534,19 @@
 </file>
 
 <file path=customXml/itemProps1.xml><?xml version="1.0" encoding="utf-8"?>
-<ds:datastoreItem xmlns:ds="http://schemas.openxmlformats.org/officeDocument/2006/customXml" ds:itemID="{3E586370-B0FB-4108-8B4F-329716A22E3A}">
+<ds:datastoreItem xmlns:ds="http://schemas.openxmlformats.org/officeDocument/2006/customXml" ds:itemID="{55B48092-4A2C-4E16-B971-9ACADFFF69E4}">
   <ds:schemaRefs>
-    <ds:schemaRef ds:uri="http://schemas.microsoft.com/sharepoint/v3/contenttype/forms"/>
+    <ds:schemaRef ds:uri="http://schemas.microsoft.com/office/2006/metadata/properties"/>
+    <ds:schemaRef ds:uri="http://schemas.microsoft.com/office/infopath/2007/PartnerControls"/>
+    <ds:schemaRef ds:uri="71af3243-3dd4-4a8d-8c0d-dd76da1f02a5"/>
   </ds:schemaRefs>
 </ds:datastoreItem>
 </file>
 
 <file path=customXml/itemProps2.xml><?xml version="1.0" encoding="utf-8"?>
-<ds:datastoreItem xmlns:ds="http://schemas.openxmlformats.org/officeDocument/2006/customXml" ds:itemID="{55B48092-4A2C-4E16-B971-9ACADFFF69E4}">
+<ds:datastoreItem xmlns:ds="http://schemas.openxmlformats.org/officeDocument/2006/customXml" ds:itemID="{3E586370-B0FB-4108-8B4F-329716A22E3A}">
   <ds:schemaRefs>
-    <ds:schemaRef ds:uri="http://schemas.microsoft.com/office/2006/metadata/properties"/>
-    <ds:schemaRef ds:uri="http://schemas.microsoft.com/office/infopath/2007/PartnerControls"/>
-    <ds:schemaRef ds:uri="71af3243-3dd4-4a8d-8c0d-dd76da1f02a5"/>
+    <ds:schemaRef ds:uri="http://schemas.microsoft.com/sharepoint/v3/contenttype/forms"/>
   </ds:schemaRefs>
 </ds:datastoreItem>
 </file>

--- a/Terraform-with-azure.pptx
+++ b/Terraform-with-azure.pptx
@@ -11963,14 +11963,14 @@
           <a:lstStyle/>
           <a:p>
             <a:r>
-              <a:rPr lang="en-US" dirty="0">
+              <a:rPr lang="en-US">
                 <a:solidFill>
                   <a:schemeClr val="accent5">
                     <a:lumMod val="75000"/>
                   </a:schemeClr>
                 </a:solidFill>
               </a:rPr>
-              <a:t>v0.1.0</a:t>
+              <a:t>v1.0.0</a:t>
             </a:r>
             <a:endParaRPr lang="en-IN" dirty="0">
               <a:solidFill>
@@ -25295,21 +25295,21 @@
 </file>
 
 <file path=customXml/item1.xml><?xml version="1.0" encoding="utf-8"?>
+<?mso-contentType ?>
+<FormTemplates xmlns="http://schemas.microsoft.com/sharepoint/v3/contenttype/forms">
+  <Display>DocumentLibraryForm</Display>
+  <Edit>DocumentLibraryForm</Edit>
+  <New>DocumentLibraryForm</New>
+</FormTemplates>
+</file>
+
+<file path=customXml/item2.xml><?xml version="1.0" encoding="utf-8"?>
 <p:properties xmlns:p="http://schemas.microsoft.com/office/2006/metadata/properties" xmlns:xsi="http://www.w3.org/2001/XMLSchema-instance" xmlns:pc="http://schemas.microsoft.com/office/infopath/2007/PartnerControls">
   <documentManagement>
     <Status xmlns="71af3243-3dd4-4a8d-8c0d-dd76da1f02a5">Not started</Status>
     <MediaServiceKeyPoints xmlns="71af3243-3dd4-4a8d-8c0d-dd76da1f02a5" xsi:nil="true"/>
   </documentManagement>
 </p:properties>
-</file>
-
-<file path=customXml/item2.xml><?xml version="1.0" encoding="utf-8"?>
-<?mso-contentType ?>
-<FormTemplates xmlns="http://schemas.microsoft.com/sharepoint/v3/contenttype/forms">
-  <Display>DocumentLibraryForm</Display>
-  <Edit>DocumentLibraryForm</Edit>
-  <New>DocumentLibraryForm</New>
-</FormTemplates>
 </file>
 
 <file path=customXml/item3.xml><?xml version="1.0" encoding="utf-8"?>
@@ -25534,19 +25534,19 @@
 </file>
 
 <file path=customXml/itemProps1.xml><?xml version="1.0" encoding="utf-8"?>
+<ds:datastoreItem xmlns:ds="http://schemas.openxmlformats.org/officeDocument/2006/customXml" ds:itemID="{3E586370-B0FB-4108-8B4F-329716A22E3A}">
+  <ds:schemaRefs>
+    <ds:schemaRef ds:uri="http://schemas.microsoft.com/sharepoint/v3/contenttype/forms"/>
+  </ds:schemaRefs>
+</ds:datastoreItem>
+</file>
+
+<file path=customXml/itemProps2.xml><?xml version="1.0" encoding="utf-8"?>
 <ds:datastoreItem xmlns:ds="http://schemas.openxmlformats.org/officeDocument/2006/customXml" ds:itemID="{55B48092-4A2C-4E16-B971-9ACADFFF69E4}">
   <ds:schemaRefs>
     <ds:schemaRef ds:uri="http://schemas.microsoft.com/office/2006/metadata/properties"/>
     <ds:schemaRef ds:uri="http://schemas.microsoft.com/office/infopath/2007/PartnerControls"/>
     <ds:schemaRef ds:uri="71af3243-3dd4-4a8d-8c0d-dd76da1f02a5"/>
-  </ds:schemaRefs>
-</ds:datastoreItem>
-</file>
-
-<file path=customXml/itemProps2.xml><?xml version="1.0" encoding="utf-8"?>
-<ds:datastoreItem xmlns:ds="http://schemas.openxmlformats.org/officeDocument/2006/customXml" ds:itemID="{3E586370-B0FB-4108-8B4F-329716A22E3A}">
-  <ds:schemaRefs>
-    <ds:schemaRef ds:uri="http://schemas.microsoft.com/sharepoint/v3/contenttype/forms"/>
   </ds:schemaRefs>
 </ds:datastoreItem>
 </file>
